--- a/Slides/2020-Even-DAA-L09-Divide-Conquer-BinSearch.pptx
+++ b/Slides/2020-Even-DAA-L09-Divide-Conquer-BinSearch.pptx
@@ -31,7 +31,6 @@
     <p:sldId id="276" r:id="rId28"/>
     <p:sldId id="277" r:id="rId29"/>
     <p:sldId id="278" r:id="rId30"/>
-    <p:sldId id="279" r:id="rId31"/>
   </p:sldIdLst>
   <p:sldSz cx="10160000" cy="7620000"/>
   <p:notesSz cx="6858000" cy="9144000"/>
@@ -5213,13 +5212,59 @@
       </p:grpSpPr>
       <p:sp>
         <p:nvSpPr>
-          <p:cNvPr id="254" name="Title"/>
+          <p:cNvPr id="254" name="Fun Exercise of Game of 128 numbers"/>
           <p:cNvSpPr txBox="1"/>
           <p:nvPr>
             <p:ph type="title"/>
           </p:nvPr>
         </p:nvSpPr>
         <p:spPr>
+          <a:xfrm>
+            <a:off x="623353" y="93581"/>
+            <a:ext cx="9027875" cy="826489"/>
+          </a:xfrm>
+          <a:prstGeom prst="rect">
+            <a:avLst/>
+          </a:prstGeom>
+        </p:spPr>
+        <p:txBody>
+          <a:bodyPr/>
+          <a:lstStyle/>
+          <a:p>
+            <a:pPr>
+              <a:defRPr sz="4400"/>
+            </a:pPr>
+            <a:r>
+              <a:t>Fun Exercise of Game of </a:t>
+            </a:r>
+            <a:r>
+              <a:rPr>
+                <a:latin typeface="Arial"/>
+                <a:ea typeface="Arial"/>
+                <a:cs typeface="Arial"/>
+                <a:sym typeface="Arial"/>
+              </a:rPr>
+              <a:t>128</a:t>
+            </a:r>
+            <a:r>
+              <a:t> numbers</a:t>
+            </a:r>
+          </a:p>
+        </p:txBody>
+      </p:sp>
+      <p:sp>
+        <p:nvSpPr>
+          <p:cNvPr id="255" name="A practical fun example of Data structures and Algorithm"/>
+          <p:cNvSpPr txBox="1"/>
+          <p:nvPr>
+            <p:ph type="body" idx="1"/>
+          </p:nvPr>
+        </p:nvSpPr>
+        <p:spPr>
+          <a:xfrm>
+            <a:off x="887784" y="938113"/>
+            <a:ext cx="8384432" cy="5743774"/>
+          </a:xfrm>
           <a:prstGeom prst="rect">
             <a:avLst/>
           </a:prstGeom>
@@ -5229,27 +5274,9 @@
           <a:lstStyle/>
           <a:p>
             <a:pPr/>
-          </a:p>
-        </p:txBody>
-      </p:sp>
-      <p:sp>
-        <p:nvSpPr>
-          <p:cNvPr id="255" name="Body"/>
-          <p:cNvSpPr txBox="1"/>
-          <p:nvPr>
-            <p:ph type="body" idx="1"/>
-          </p:nvPr>
-        </p:nvSpPr>
-        <p:spPr>
-          <a:prstGeom prst="rect">
-            <a:avLst/>
-          </a:prstGeom>
-        </p:spPr>
-        <p:txBody>
-          <a:bodyPr/>
-          <a:lstStyle/>
-          <a:p>
-            <a:pPr/>
+            <a:r>
+              <a:t>A practical fun example of Data structures and Algorithm</a:t>
+            </a:r>
           </a:p>
         </p:txBody>
       </p:sp>
@@ -5360,12 +5387,927 @@
           </a:p>
         </p:txBody>
       </p:sp>
+      <p:pic>
+        <p:nvPicPr>
+          <p:cNvPr id="259" name="droppedImage.png" descr="droppedImage.png"/>
+          <p:cNvPicPr>
+            <a:picLocks noChangeAspect="1"/>
+          </p:cNvPicPr>
+          <p:nvPr/>
+        </p:nvPicPr>
+        <p:blipFill>
+          <a:blip r:embed="rId2">
+            <a:extLst/>
+          </a:blip>
+          <a:stretch>
+            <a:fillRect/>
+          </a:stretch>
+        </p:blipFill>
+        <p:spPr>
+          <a:xfrm>
+            <a:off x="1333500" y="1778000"/>
+            <a:ext cx="3746500" cy="5619750"/>
+          </a:xfrm>
+          <a:prstGeom prst="rect">
+            <a:avLst/>
+          </a:prstGeom>
+        </p:spPr>
+      </p:pic>
+      <p:sp>
+        <p:nvSpPr>
+          <p:cNvPr id="260" name="Game:…"/>
+          <p:cNvSpPr txBox="1"/>
+          <p:nvPr/>
+        </p:nvSpPr>
+        <p:spPr>
+          <a:xfrm>
+            <a:off x="5461000" y="1943100"/>
+            <a:ext cx="4654759" cy="4991100"/>
+          </a:xfrm>
+          <a:prstGeom prst="rect">
+            <a:avLst/>
+          </a:prstGeom>
+          <a:ln w="12700">
+            <a:miter lim="400000"/>
+          </a:ln>
+          <a:extLst>
+            <a:ext uri="{C572A759-6A51-4108-AA02-DFA0A04FC94B}">
+              <ma14:wrappingTextBoxFlag xmlns:ma14="http://schemas.microsoft.com/office/mac/drawingml/2011/main" val="1"/>
+            </a:ext>
+          </a:extLst>
+        </p:spPr>
+        <p:txBody>
+          <a:bodyPr wrap="none" lIns="50800" tIns="50800" rIns="50800" bIns="50800">
+            <a:spAutoFit/>
+          </a:bodyPr>
+          <a:lstStyle/>
+          <a:p>
+            <a:pPr>
+              <a:defRPr b="1" sz="3000">
+                <a:latin typeface="Gill Sans MT"/>
+                <a:ea typeface="Gill Sans MT"/>
+                <a:cs typeface="Gill Sans MT"/>
+                <a:sym typeface="Gill Sans MT"/>
+              </a:defRPr>
+            </a:pPr>
+            <a:r>
+              <a:t>Game:</a:t>
+            </a:r>
+          </a:p>
+          <a:p>
+            <a:pPr>
+              <a:defRPr sz="3000">
+                <a:latin typeface="Gill Sans MT"/>
+                <a:ea typeface="Gill Sans MT"/>
+                <a:cs typeface="Gill Sans MT"/>
+                <a:sym typeface="Gill Sans MT"/>
+              </a:defRPr>
+            </a:pPr>
+            <a:r>
+              <a:t>. Go thru a set of cards</a:t>
+            </a:r>
+          </a:p>
+          <a:p>
+            <a:pPr>
+              <a:defRPr sz="3000">
+                <a:latin typeface="Gill Sans MT"/>
+                <a:ea typeface="Gill Sans MT"/>
+                <a:cs typeface="Gill Sans MT"/>
+                <a:sym typeface="Gill Sans MT"/>
+              </a:defRPr>
+            </a:pPr>
+            <a:r>
+              <a:t>. Say Y/N if present or not</a:t>
+            </a:r>
+          </a:p>
+          <a:p>
+            <a:pPr>
+              <a:defRPr sz="3000">
+                <a:latin typeface="Gill Sans MT"/>
+                <a:ea typeface="Gill Sans MT"/>
+                <a:cs typeface="Gill Sans MT"/>
+                <a:sym typeface="Gill Sans MT"/>
+              </a:defRPr>
+            </a:pPr>
+            <a:r>
+              <a:t>. You will get your number </a:t>
+            </a:r>
+          </a:p>
+          <a:p>
+            <a:pPr>
+              <a:defRPr sz="3000">
+                <a:latin typeface="Gill Sans MT"/>
+                <a:ea typeface="Gill Sans MT"/>
+                <a:cs typeface="Gill Sans MT"/>
+                <a:sym typeface="Gill Sans MT"/>
+              </a:defRPr>
+            </a:pPr>
+            <a:r>
+              <a:t>graphically displayed to you</a:t>
+            </a:r>
+          </a:p>
+          <a:p>
+            <a:pPr>
+              <a:defRPr sz="3000">
+                <a:latin typeface="Gill Sans MT"/>
+                <a:ea typeface="Gill Sans MT"/>
+                <a:cs typeface="Gill Sans MT"/>
+                <a:sym typeface="Gill Sans MT"/>
+              </a:defRPr>
+            </a:pPr>
+          </a:p>
+          <a:p>
+            <a:pPr>
+              <a:defRPr sz="3000">
+                <a:latin typeface="Gill Sans MT"/>
+                <a:ea typeface="Gill Sans MT"/>
+                <a:cs typeface="Gill Sans MT"/>
+                <a:sym typeface="Gill Sans MT"/>
+              </a:defRPr>
+            </a:pPr>
+            <a:r>
+              <a:rPr b="1"/>
+              <a:t>Q?</a:t>
+            </a:r>
+            <a:r>
+              <a:t>:</a:t>
+            </a:r>
+          </a:p>
+          <a:p>
+            <a:pPr>
+              <a:defRPr sz="3000">
+                <a:latin typeface="Gill Sans MT"/>
+                <a:ea typeface="Gill Sans MT"/>
+                <a:cs typeface="Gill Sans MT"/>
+                <a:sym typeface="Gill Sans MT"/>
+              </a:defRPr>
+            </a:pPr>
+            <a:r>
+              <a:t>Which algorithm we are </a:t>
+            </a:r>
+          </a:p>
+          <a:p>
+            <a:pPr>
+              <a:defRPr sz="3000">
+                <a:latin typeface="Gill Sans MT"/>
+                <a:ea typeface="Gill Sans MT"/>
+                <a:cs typeface="Gill Sans MT"/>
+                <a:sym typeface="Gill Sans MT"/>
+              </a:defRPr>
+            </a:pPr>
+            <a:r>
+              <a:t>discussing?</a:t>
+            </a:r>
+          </a:p>
+          <a:p>
+            <a:pPr>
+              <a:defRPr sz="3000">
+                <a:latin typeface="Gill Sans MT"/>
+                <a:ea typeface="Gill Sans MT"/>
+                <a:cs typeface="Gill Sans MT"/>
+                <a:sym typeface="Gill Sans MT"/>
+              </a:defRPr>
+            </a:pPr>
+            <a:r>
+              <a:rPr b="1"/>
+              <a:t>Aim</a:t>
+            </a:r>
+            <a:r>
+              <a:t>: Can we find more such</a:t>
+            </a:r>
+          </a:p>
+          <a:p>
+            <a:pPr>
+              <a:defRPr sz="3000">
+                <a:latin typeface="Gill Sans MT"/>
+                <a:ea typeface="Gill Sans MT"/>
+                <a:cs typeface="Gill Sans MT"/>
+                <a:sym typeface="Gill Sans MT"/>
+              </a:defRPr>
+            </a:pPr>
+            <a:r>
+              <a:t>examples</a:t>
+            </a:r>
+          </a:p>
+        </p:txBody>
+      </p:sp>
     </p:spTree>
   </p:cSld>
   <p:clrMapOvr>
     <a:masterClrMapping/>
   </p:clrMapOvr>
   <p:transition xmlns:p14="http://schemas.microsoft.com/office/powerpoint/2010/main" spd="med" advClick="1"/>
+  <p:timing>
+    <p:tnLst>
+      <p:par>
+        <p:cTn id="1" nodeType="tmRoot" restart="never" dur="indefinite" fill="hold">
+          <p:childTnLst>
+            <p:seq concurrent="1" prevAc="none" nextAc="seek">
+              <p:cTn id="2" nodeType="mainSeq" dur="indefinite" fill="hold">
+                <p:childTnLst>
+                  <p:par>
+                    <p:cTn id="3" fill="hold">
+                      <p:stCondLst>
+                        <p:cond delay="indefinite"/>
+                      </p:stCondLst>
+                      <p:childTnLst>
+                        <p:par>
+                          <p:cTn id="4" fill="hold">
+                            <p:stCondLst>
+                              <p:cond delay="0"/>
+                            </p:stCondLst>
+                            <p:childTnLst>
+                              <p:par>
+                                <p:cTn id="5" presetClass="entr" nodeType="clickEffect" presetSubtype="0" presetID="1" grpId="1" fill="hold">
+                                  <p:stCondLst>
+                                    <p:cond delay="0"/>
+                                  </p:stCondLst>
+                                  <p:iterate type="el" backwards="0">
+                                    <p:tmAbs val="0"/>
+                                  </p:iterate>
+                                  <p:childTnLst>
+                                    <p:set>
+                                      <p:cBhvr>
+                                        <p:cTn id="6" fill="hold"/>
+                                        <p:tgtEl>
+                                          <p:spTgt spid="255">
+                                            <p:bg/>
+                                          </p:spTgt>
+                                        </p:tgtEl>
+                                        <p:attrNameLst>
+                                          <p:attrName>style.visibility</p:attrName>
+                                        </p:attrNameLst>
+                                      </p:cBhvr>
+                                      <p:to>
+                                        <p:strVal val="visible"/>
+                                      </p:to>
+                                    </p:set>
+                                  </p:childTnLst>
+                                </p:cTn>
+                              </p:par>
+                              <p:par>
+                                <p:cTn id="7" presetClass="entr" nodeType="withEffect" presetSubtype="0" presetID="1" grpId="1" fill="hold">
+                                  <p:stCondLst>
+                                    <p:cond delay="0"/>
+                                  </p:stCondLst>
+                                  <p:iterate type="el" backwards="0">
+                                    <p:tmAbs val="0"/>
+                                  </p:iterate>
+                                  <p:childTnLst>
+                                    <p:set>
+                                      <p:cBhvr>
+                                        <p:cTn id="8" fill="hold"/>
+                                        <p:tgtEl>
+                                          <p:spTgt spid="255">
+                                            <p:txEl>
+                                              <p:pRg st="0" end="0"/>
+                                            </p:txEl>
+                                          </p:spTgt>
+                                        </p:tgtEl>
+                                        <p:attrNameLst>
+                                          <p:attrName>style.visibility</p:attrName>
+                                        </p:attrNameLst>
+                                      </p:cBhvr>
+                                      <p:to>
+                                        <p:strVal val="visible"/>
+                                      </p:to>
+                                    </p:set>
+                                  </p:childTnLst>
+                                </p:cTn>
+                              </p:par>
+                            </p:childTnLst>
+                          </p:cTn>
+                        </p:par>
+                      </p:childTnLst>
+                    </p:cTn>
+                  </p:par>
+                  <p:par>
+                    <p:cTn id="9" fill="hold">
+                      <p:stCondLst>
+                        <p:cond delay="indefinite"/>
+                      </p:stCondLst>
+                      <p:childTnLst>
+                        <p:par>
+                          <p:cTn id="10" fill="hold">
+                            <p:stCondLst>
+                              <p:cond delay="0"/>
+                            </p:stCondLst>
+                            <p:childTnLst>
+                              <p:par>
+                                <p:cTn id="11" presetClass="entr" nodeType="clickEffect" presetSubtype="0" presetID="1" grpId="2" fill="hold">
+                                  <p:stCondLst>
+                                    <p:cond delay="0"/>
+                                  </p:stCondLst>
+                                  <p:iterate type="el" backwards="0">
+                                    <p:tmAbs val="0"/>
+                                  </p:iterate>
+                                  <p:childTnLst>
+                                    <p:set>
+                                      <p:cBhvr>
+                                        <p:cTn id="12" fill="hold"/>
+                                        <p:tgtEl>
+                                          <p:spTgt spid="259"/>
+                                        </p:tgtEl>
+                                        <p:attrNameLst>
+                                          <p:attrName>style.visibility</p:attrName>
+                                        </p:attrNameLst>
+                                      </p:cBhvr>
+                                      <p:to>
+                                        <p:strVal val="visible"/>
+                                      </p:to>
+                                    </p:set>
+                                  </p:childTnLst>
+                                </p:cTn>
+                              </p:par>
+                            </p:childTnLst>
+                          </p:cTn>
+                        </p:par>
+                      </p:childTnLst>
+                    </p:cTn>
+                  </p:par>
+                  <p:par>
+                    <p:cTn id="13" fill="hold">
+                      <p:stCondLst>
+                        <p:cond delay="indefinite"/>
+                      </p:stCondLst>
+                      <p:childTnLst>
+                        <p:par>
+                          <p:cTn id="14" fill="hold">
+                            <p:stCondLst>
+                              <p:cond delay="0"/>
+                            </p:stCondLst>
+                            <p:childTnLst>
+                              <p:par>
+                                <p:cTn id="15" presetClass="entr" nodeType="clickEffect" presetSubtype="0" presetID="1" grpId="3" fill="hold">
+                                  <p:stCondLst>
+                                    <p:cond delay="0"/>
+                                  </p:stCondLst>
+                                  <p:iterate type="el" backwards="0">
+                                    <p:tmAbs val="0"/>
+                                  </p:iterate>
+                                  <p:childTnLst>
+                                    <p:set>
+                                      <p:cBhvr>
+                                        <p:cTn id="16" fill="hold"/>
+                                        <p:tgtEl>
+                                          <p:spTgt spid="260">
+                                            <p:bg/>
+                                          </p:spTgt>
+                                        </p:tgtEl>
+                                        <p:attrNameLst>
+                                          <p:attrName>style.visibility</p:attrName>
+                                        </p:attrNameLst>
+                                      </p:cBhvr>
+                                      <p:to>
+                                        <p:strVal val="visible"/>
+                                      </p:to>
+                                    </p:set>
+                                  </p:childTnLst>
+                                </p:cTn>
+                              </p:par>
+                              <p:par>
+                                <p:cTn id="17" presetClass="entr" nodeType="withEffect" presetSubtype="0" presetID="1" grpId="3" fill="hold">
+                                  <p:stCondLst>
+                                    <p:cond delay="0"/>
+                                  </p:stCondLst>
+                                  <p:iterate type="el" backwards="0">
+                                    <p:tmAbs val="0"/>
+                                  </p:iterate>
+                                  <p:childTnLst>
+                                    <p:set>
+                                      <p:cBhvr>
+                                        <p:cTn id="18" fill="hold"/>
+                                        <p:tgtEl>
+                                          <p:spTgt spid="260">
+                                            <p:txEl>
+                                              <p:pRg st="0" end="0"/>
+                                            </p:txEl>
+                                          </p:spTgt>
+                                        </p:tgtEl>
+                                        <p:attrNameLst>
+                                          <p:attrName>style.visibility</p:attrName>
+                                        </p:attrNameLst>
+                                      </p:cBhvr>
+                                      <p:to>
+                                        <p:strVal val="visible"/>
+                                      </p:to>
+                                    </p:set>
+                                  </p:childTnLst>
+                                </p:cTn>
+                              </p:par>
+                            </p:childTnLst>
+                          </p:cTn>
+                        </p:par>
+                      </p:childTnLst>
+                    </p:cTn>
+                  </p:par>
+                  <p:par>
+                    <p:cTn id="19" fill="hold">
+                      <p:stCondLst>
+                        <p:cond delay="indefinite"/>
+                      </p:stCondLst>
+                      <p:childTnLst>
+                        <p:par>
+                          <p:cTn id="20" fill="hold">
+                            <p:stCondLst>
+                              <p:cond delay="0"/>
+                            </p:stCondLst>
+                            <p:childTnLst>
+                              <p:par>
+                                <p:cTn id="21" presetClass="entr" nodeType="clickEffect" presetSubtype="0" presetID="1" grpId="3" fill="hold">
+                                  <p:stCondLst>
+                                    <p:cond delay="0"/>
+                                  </p:stCondLst>
+                                  <p:iterate type="el" backwards="0">
+                                    <p:tmAbs val="0"/>
+                                  </p:iterate>
+                                  <p:childTnLst>
+                                    <p:set>
+                                      <p:cBhvr>
+                                        <p:cTn id="22" fill="hold"/>
+                                        <p:tgtEl>
+                                          <p:spTgt spid="260">
+                                            <p:txEl>
+                                              <p:pRg st="1" end="1"/>
+                                            </p:txEl>
+                                          </p:spTgt>
+                                        </p:tgtEl>
+                                        <p:attrNameLst>
+                                          <p:attrName>style.visibility</p:attrName>
+                                        </p:attrNameLst>
+                                      </p:cBhvr>
+                                      <p:to>
+                                        <p:strVal val="visible"/>
+                                      </p:to>
+                                    </p:set>
+                                  </p:childTnLst>
+                                </p:cTn>
+                              </p:par>
+                            </p:childTnLst>
+                          </p:cTn>
+                        </p:par>
+                      </p:childTnLst>
+                    </p:cTn>
+                  </p:par>
+                  <p:par>
+                    <p:cTn id="23" fill="hold">
+                      <p:stCondLst>
+                        <p:cond delay="indefinite"/>
+                      </p:stCondLst>
+                      <p:childTnLst>
+                        <p:par>
+                          <p:cTn id="24" fill="hold">
+                            <p:stCondLst>
+                              <p:cond delay="0"/>
+                            </p:stCondLst>
+                            <p:childTnLst>
+                              <p:par>
+                                <p:cTn id="25" presetClass="entr" nodeType="clickEffect" presetSubtype="0" presetID="1" grpId="3" fill="hold">
+                                  <p:stCondLst>
+                                    <p:cond delay="0"/>
+                                  </p:stCondLst>
+                                  <p:iterate type="el" backwards="0">
+                                    <p:tmAbs val="0"/>
+                                  </p:iterate>
+                                  <p:childTnLst>
+                                    <p:set>
+                                      <p:cBhvr>
+                                        <p:cTn id="26" fill="hold"/>
+                                        <p:tgtEl>
+                                          <p:spTgt spid="260">
+                                            <p:txEl>
+                                              <p:pRg st="2" end="2"/>
+                                            </p:txEl>
+                                          </p:spTgt>
+                                        </p:tgtEl>
+                                        <p:attrNameLst>
+                                          <p:attrName>style.visibility</p:attrName>
+                                        </p:attrNameLst>
+                                      </p:cBhvr>
+                                      <p:to>
+                                        <p:strVal val="visible"/>
+                                      </p:to>
+                                    </p:set>
+                                  </p:childTnLst>
+                                </p:cTn>
+                              </p:par>
+                            </p:childTnLst>
+                          </p:cTn>
+                        </p:par>
+                      </p:childTnLst>
+                    </p:cTn>
+                  </p:par>
+                  <p:par>
+                    <p:cTn id="27" fill="hold">
+                      <p:stCondLst>
+                        <p:cond delay="indefinite"/>
+                      </p:stCondLst>
+                      <p:childTnLst>
+                        <p:par>
+                          <p:cTn id="28" fill="hold">
+                            <p:stCondLst>
+                              <p:cond delay="0"/>
+                            </p:stCondLst>
+                            <p:childTnLst>
+                              <p:par>
+                                <p:cTn id="29" presetClass="entr" nodeType="clickEffect" presetSubtype="0" presetID="1" grpId="3" fill="hold">
+                                  <p:stCondLst>
+                                    <p:cond delay="0"/>
+                                  </p:stCondLst>
+                                  <p:iterate type="el" backwards="0">
+                                    <p:tmAbs val="0"/>
+                                  </p:iterate>
+                                  <p:childTnLst>
+                                    <p:set>
+                                      <p:cBhvr>
+                                        <p:cTn id="30" fill="hold"/>
+                                        <p:tgtEl>
+                                          <p:spTgt spid="260">
+                                            <p:txEl>
+                                              <p:pRg st="3" end="3"/>
+                                            </p:txEl>
+                                          </p:spTgt>
+                                        </p:tgtEl>
+                                        <p:attrNameLst>
+                                          <p:attrName>style.visibility</p:attrName>
+                                        </p:attrNameLst>
+                                      </p:cBhvr>
+                                      <p:to>
+                                        <p:strVal val="visible"/>
+                                      </p:to>
+                                    </p:set>
+                                  </p:childTnLst>
+                                </p:cTn>
+                              </p:par>
+                            </p:childTnLst>
+                          </p:cTn>
+                        </p:par>
+                      </p:childTnLst>
+                    </p:cTn>
+                  </p:par>
+                  <p:par>
+                    <p:cTn id="31" fill="hold">
+                      <p:stCondLst>
+                        <p:cond delay="indefinite"/>
+                      </p:stCondLst>
+                      <p:childTnLst>
+                        <p:par>
+                          <p:cTn id="32" fill="hold">
+                            <p:stCondLst>
+                              <p:cond delay="0"/>
+                            </p:stCondLst>
+                            <p:childTnLst>
+                              <p:par>
+                                <p:cTn id="33" presetClass="entr" nodeType="clickEffect" presetSubtype="0" presetID="1" grpId="3" fill="hold">
+                                  <p:stCondLst>
+                                    <p:cond delay="0"/>
+                                  </p:stCondLst>
+                                  <p:iterate type="el" backwards="0">
+                                    <p:tmAbs val="0"/>
+                                  </p:iterate>
+                                  <p:childTnLst>
+                                    <p:set>
+                                      <p:cBhvr>
+                                        <p:cTn id="34" fill="hold"/>
+                                        <p:tgtEl>
+                                          <p:spTgt spid="260">
+                                            <p:txEl>
+                                              <p:pRg st="4" end="4"/>
+                                            </p:txEl>
+                                          </p:spTgt>
+                                        </p:tgtEl>
+                                        <p:attrNameLst>
+                                          <p:attrName>style.visibility</p:attrName>
+                                        </p:attrNameLst>
+                                      </p:cBhvr>
+                                      <p:to>
+                                        <p:strVal val="visible"/>
+                                      </p:to>
+                                    </p:set>
+                                  </p:childTnLst>
+                                </p:cTn>
+                              </p:par>
+                            </p:childTnLst>
+                          </p:cTn>
+                        </p:par>
+                      </p:childTnLst>
+                    </p:cTn>
+                  </p:par>
+                  <p:par>
+                    <p:cTn id="35" fill="hold">
+                      <p:stCondLst>
+                        <p:cond delay="indefinite"/>
+                      </p:stCondLst>
+                      <p:childTnLst>
+                        <p:par>
+                          <p:cTn id="36" fill="hold">
+                            <p:stCondLst>
+                              <p:cond delay="0"/>
+                            </p:stCondLst>
+                            <p:childTnLst>
+                              <p:par>
+                                <p:cTn id="37" presetClass="entr" nodeType="clickEffect" presetSubtype="0" presetID="1" grpId="3" fill="hold">
+                                  <p:stCondLst>
+                                    <p:cond delay="0"/>
+                                  </p:stCondLst>
+                                  <p:iterate type="el" backwards="0">
+                                    <p:tmAbs val="0"/>
+                                  </p:iterate>
+                                  <p:childTnLst>
+                                    <p:set>
+                                      <p:cBhvr>
+                                        <p:cTn id="38" fill="hold"/>
+                                        <p:tgtEl>
+                                          <p:spTgt spid="260">
+                                            <p:txEl>
+                                              <p:pRg st="5" end="5"/>
+                                            </p:txEl>
+                                          </p:spTgt>
+                                        </p:tgtEl>
+                                        <p:attrNameLst>
+                                          <p:attrName>style.visibility</p:attrName>
+                                        </p:attrNameLst>
+                                      </p:cBhvr>
+                                      <p:to>
+                                        <p:strVal val="visible"/>
+                                      </p:to>
+                                    </p:set>
+                                  </p:childTnLst>
+                                </p:cTn>
+                              </p:par>
+                            </p:childTnLst>
+                          </p:cTn>
+                        </p:par>
+                      </p:childTnLst>
+                    </p:cTn>
+                  </p:par>
+                  <p:par>
+                    <p:cTn id="39" fill="hold">
+                      <p:stCondLst>
+                        <p:cond delay="indefinite"/>
+                      </p:stCondLst>
+                      <p:childTnLst>
+                        <p:par>
+                          <p:cTn id="40" fill="hold">
+                            <p:stCondLst>
+                              <p:cond delay="0"/>
+                            </p:stCondLst>
+                            <p:childTnLst>
+                              <p:par>
+                                <p:cTn id="41" presetClass="entr" nodeType="clickEffect" presetSubtype="0" presetID="1" grpId="3" fill="hold">
+                                  <p:stCondLst>
+                                    <p:cond delay="0"/>
+                                  </p:stCondLst>
+                                  <p:iterate type="el" backwards="0">
+                                    <p:tmAbs val="0"/>
+                                  </p:iterate>
+                                  <p:childTnLst>
+                                    <p:set>
+                                      <p:cBhvr>
+                                        <p:cTn id="42" fill="hold"/>
+                                        <p:tgtEl>
+                                          <p:spTgt spid="260">
+                                            <p:txEl>
+                                              <p:pRg st="6" end="6"/>
+                                            </p:txEl>
+                                          </p:spTgt>
+                                        </p:tgtEl>
+                                        <p:attrNameLst>
+                                          <p:attrName>style.visibility</p:attrName>
+                                        </p:attrNameLst>
+                                      </p:cBhvr>
+                                      <p:to>
+                                        <p:strVal val="visible"/>
+                                      </p:to>
+                                    </p:set>
+                                  </p:childTnLst>
+                                </p:cTn>
+                              </p:par>
+                            </p:childTnLst>
+                          </p:cTn>
+                        </p:par>
+                      </p:childTnLst>
+                    </p:cTn>
+                  </p:par>
+                  <p:par>
+                    <p:cTn id="43" fill="hold">
+                      <p:stCondLst>
+                        <p:cond delay="indefinite"/>
+                      </p:stCondLst>
+                      <p:childTnLst>
+                        <p:par>
+                          <p:cTn id="44" fill="hold">
+                            <p:stCondLst>
+                              <p:cond delay="0"/>
+                            </p:stCondLst>
+                            <p:childTnLst>
+                              <p:par>
+                                <p:cTn id="45" presetClass="entr" nodeType="clickEffect" presetSubtype="0" presetID="1" grpId="3" fill="hold">
+                                  <p:stCondLst>
+                                    <p:cond delay="0"/>
+                                  </p:stCondLst>
+                                  <p:iterate type="el" backwards="0">
+                                    <p:tmAbs val="0"/>
+                                  </p:iterate>
+                                  <p:childTnLst>
+                                    <p:set>
+                                      <p:cBhvr>
+                                        <p:cTn id="46" fill="hold"/>
+                                        <p:tgtEl>
+                                          <p:spTgt spid="260">
+                                            <p:txEl>
+                                              <p:pRg st="7" end="7"/>
+                                            </p:txEl>
+                                          </p:spTgt>
+                                        </p:tgtEl>
+                                        <p:attrNameLst>
+                                          <p:attrName>style.visibility</p:attrName>
+                                        </p:attrNameLst>
+                                      </p:cBhvr>
+                                      <p:to>
+                                        <p:strVal val="visible"/>
+                                      </p:to>
+                                    </p:set>
+                                  </p:childTnLst>
+                                </p:cTn>
+                              </p:par>
+                            </p:childTnLst>
+                          </p:cTn>
+                        </p:par>
+                      </p:childTnLst>
+                    </p:cTn>
+                  </p:par>
+                  <p:par>
+                    <p:cTn id="47" fill="hold">
+                      <p:stCondLst>
+                        <p:cond delay="indefinite"/>
+                      </p:stCondLst>
+                      <p:childTnLst>
+                        <p:par>
+                          <p:cTn id="48" fill="hold">
+                            <p:stCondLst>
+                              <p:cond delay="0"/>
+                            </p:stCondLst>
+                            <p:childTnLst>
+                              <p:par>
+                                <p:cTn id="49" presetClass="entr" nodeType="clickEffect" presetSubtype="0" presetID="1" grpId="3" fill="hold">
+                                  <p:stCondLst>
+                                    <p:cond delay="0"/>
+                                  </p:stCondLst>
+                                  <p:iterate type="el" backwards="0">
+                                    <p:tmAbs val="0"/>
+                                  </p:iterate>
+                                  <p:childTnLst>
+                                    <p:set>
+                                      <p:cBhvr>
+                                        <p:cTn id="50" fill="hold"/>
+                                        <p:tgtEl>
+                                          <p:spTgt spid="260">
+                                            <p:txEl>
+                                              <p:pRg st="8" end="8"/>
+                                            </p:txEl>
+                                          </p:spTgt>
+                                        </p:tgtEl>
+                                        <p:attrNameLst>
+                                          <p:attrName>style.visibility</p:attrName>
+                                        </p:attrNameLst>
+                                      </p:cBhvr>
+                                      <p:to>
+                                        <p:strVal val="visible"/>
+                                      </p:to>
+                                    </p:set>
+                                  </p:childTnLst>
+                                </p:cTn>
+                              </p:par>
+                            </p:childTnLst>
+                          </p:cTn>
+                        </p:par>
+                      </p:childTnLst>
+                    </p:cTn>
+                  </p:par>
+                  <p:par>
+                    <p:cTn id="51" fill="hold">
+                      <p:stCondLst>
+                        <p:cond delay="indefinite"/>
+                      </p:stCondLst>
+                      <p:childTnLst>
+                        <p:par>
+                          <p:cTn id="52" fill="hold">
+                            <p:stCondLst>
+                              <p:cond delay="0"/>
+                            </p:stCondLst>
+                            <p:childTnLst>
+                              <p:par>
+                                <p:cTn id="53" presetClass="entr" nodeType="clickEffect" presetSubtype="0" presetID="1" grpId="3" fill="hold">
+                                  <p:stCondLst>
+                                    <p:cond delay="0"/>
+                                  </p:stCondLst>
+                                  <p:iterate type="el" backwards="0">
+                                    <p:tmAbs val="0"/>
+                                  </p:iterate>
+                                  <p:childTnLst>
+                                    <p:set>
+                                      <p:cBhvr>
+                                        <p:cTn id="54" fill="hold"/>
+                                        <p:tgtEl>
+                                          <p:spTgt spid="260">
+                                            <p:txEl>
+                                              <p:pRg st="9" end="9"/>
+                                            </p:txEl>
+                                          </p:spTgt>
+                                        </p:tgtEl>
+                                        <p:attrNameLst>
+                                          <p:attrName>style.visibility</p:attrName>
+                                        </p:attrNameLst>
+                                      </p:cBhvr>
+                                      <p:to>
+                                        <p:strVal val="visible"/>
+                                      </p:to>
+                                    </p:set>
+                                  </p:childTnLst>
+                                </p:cTn>
+                              </p:par>
+                            </p:childTnLst>
+                          </p:cTn>
+                        </p:par>
+                      </p:childTnLst>
+                    </p:cTn>
+                  </p:par>
+                  <p:par>
+                    <p:cTn id="55" fill="hold">
+                      <p:stCondLst>
+                        <p:cond delay="indefinite"/>
+                      </p:stCondLst>
+                      <p:childTnLst>
+                        <p:par>
+                          <p:cTn id="56" fill="hold">
+                            <p:stCondLst>
+                              <p:cond delay="0"/>
+                            </p:stCondLst>
+                            <p:childTnLst>
+                              <p:par>
+                                <p:cTn id="57" presetClass="entr" nodeType="clickEffect" presetSubtype="0" presetID="1" grpId="3" fill="hold">
+                                  <p:stCondLst>
+                                    <p:cond delay="0"/>
+                                  </p:stCondLst>
+                                  <p:iterate type="el" backwards="0">
+                                    <p:tmAbs val="0"/>
+                                  </p:iterate>
+                                  <p:childTnLst>
+                                    <p:set>
+                                      <p:cBhvr>
+                                        <p:cTn id="58" fill="hold"/>
+                                        <p:tgtEl>
+                                          <p:spTgt spid="260">
+                                            <p:txEl>
+                                              <p:pRg st="10" end="10"/>
+                                            </p:txEl>
+                                          </p:spTgt>
+                                        </p:tgtEl>
+                                        <p:attrNameLst>
+                                          <p:attrName>style.visibility</p:attrName>
+                                        </p:attrNameLst>
+                                      </p:cBhvr>
+                                      <p:to>
+                                        <p:strVal val="visible"/>
+                                      </p:to>
+                                    </p:set>
+                                  </p:childTnLst>
+                                </p:cTn>
+                              </p:par>
+                            </p:childTnLst>
+                          </p:cTn>
+                        </p:par>
+                      </p:childTnLst>
+                    </p:cTn>
+                  </p:par>
+                </p:childTnLst>
+              </p:cTn>
+              <p:prevCondLst>
+                <p:cond evt="onPrev">
+                  <p:tgtEl>
+                    <p:sldTgt/>
+                  </p:tgtEl>
+                </p:cond>
+              </p:prevCondLst>
+              <p:nextCondLst>
+                <p:cond evt="onNext">
+                  <p:tgtEl>
+                    <p:sldTgt/>
+                  </p:tgtEl>
+                </p:cond>
+              </p:nextCondLst>
+            </p:seq>
+          </p:childTnLst>
+        </p:cTn>
+      </p:par>
+    </p:tnLst>
+    <p:bldLst>
+      <p:bldP build="p" bldLvl="5" animBg="1" rev="0" advAuto="0" spid="260" grpId="3"/>
+      <p:bldP build="p" bldLvl="1" animBg="1" rev="0" advAuto="0" spid="255" grpId="1"/>
+      <p:bldP build="whole" bldLvl="1" animBg="1" rev="0" advAuto="0" spid="259" grpId="2"/>
+    </p:bldLst>
+  </p:timing>
 </p:sld>
 </file>
 
@@ -5388,7 +6330,7 @@
       </p:grpSpPr>
       <p:sp>
         <p:nvSpPr>
-          <p:cNvPr id="260" name="Solving Recurrence Relation"/>
+          <p:cNvPr id="262" name="Game of 128 numbers - b"/>
           <p:cNvSpPr txBox="1"/>
           <p:nvPr>
             <p:ph type="title"/>
@@ -5405,65 +6347,26 @@
           <a:p>
             <a:pPr/>
             <a:r>
-              <a:t>Solving Recurrence Relation</a:t>
+              <a:t>Game of </a:t>
+            </a:r>
+            <a:r>
+              <a:rPr>
+                <a:latin typeface="Arial"/>
+                <a:ea typeface="Arial"/>
+                <a:cs typeface="Arial"/>
+                <a:sym typeface="Arial"/>
+              </a:rPr>
+              <a:t>128</a:t>
+            </a:r>
+            <a:r>
+              <a:t> numbers - b</a:t>
             </a:r>
           </a:p>
         </p:txBody>
       </p:sp>
       <p:sp>
         <p:nvSpPr>
-          <p:cNvPr id="261" name="Let n=bk, then"/>
-          <p:cNvSpPr txBox="1"/>
-          <p:nvPr>
-            <p:ph type="body" sz="quarter" idx="1"/>
-          </p:nvPr>
-        </p:nvSpPr>
-        <p:spPr>
-          <a:xfrm>
-            <a:off x="1305158" y="1261266"/>
-            <a:ext cx="3165646" cy="568094"/>
-          </a:xfrm>
-          <a:prstGeom prst="rect">
-            <a:avLst/>
-          </a:prstGeom>
-        </p:spPr>
-        <p:txBody>
-          <a:bodyPr/>
-          <a:lstStyle/>
-          <a:p>
-            <a:pPr>
-              <a:defRPr sz="3000"/>
-            </a:pPr>
-            <a:r>
-              <a:t>Let </a:t>
-            </a:r>
-            <a:r>
-              <a:rPr>
-                <a:latin typeface="Courier New"/>
-                <a:ea typeface="Courier New"/>
-                <a:cs typeface="Courier New"/>
-                <a:sym typeface="Courier New"/>
-              </a:rPr>
-              <a:t>n=b</a:t>
-            </a:r>
-            <a:r>
-              <a:rPr baseline="31999">
-                <a:latin typeface="Courier New"/>
-                <a:ea typeface="Courier New"/>
-                <a:cs typeface="Courier New"/>
-                <a:sym typeface="Courier New"/>
-              </a:rPr>
-              <a:t>k</a:t>
-            </a:r>
-            <a:r>
-              <a:t>, then </a:t>
-            </a:r>
-          </a:p>
-        </p:txBody>
-      </p:sp>
-      <p:sp>
-        <p:nvSpPr>
-          <p:cNvPr id="262" name="Slide Number"/>
+          <p:cNvPr id="263" name="Slide Number"/>
           <p:cNvSpPr txBox="1"/>
           <p:nvPr>
             <p:ph type="sldNum" sz="quarter" idx="2"/>
@@ -5490,7 +6393,7 @@
       </p:sp>
       <p:sp>
         <p:nvSpPr>
-          <p:cNvPr id="263" name="DAA/Divide and Conquer"/>
+          <p:cNvPr id="264" name="DAA/Divide and Conquer"/>
           <p:cNvSpPr txBox="1"/>
           <p:nvPr/>
         </p:nvSpPr>
@@ -5530,7 +6433,7 @@
       </p:sp>
       <p:sp>
         <p:nvSpPr>
-          <p:cNvPr id="264" name="RPR/"/>
+          <p:cNvPr id="265" name="RPR/"/>
           <p:cNvSpPr txBox="1"/>
           <p:nvPr/>
         </p:nvSpPr>
@@ -5568,9 +6471,1063 @@
           </a:p>
         </p:txBody>
       </p:sp>
+      <p:pic>
+        <p:nvPicPr>
+          <p:cNvPr id="266" name="droppedImage.png" descr="droppedImage.png"/>
+          <p:cNvPicPr>
+            <a:picLocks noChangeAspect="1"/>
+          </p:cNvPicPr>
+          <p:nvPr/>
+        </p:nvPicPr>
+        <p:blipFill>
+          <a:blip r:embed="rId2">
+            <a:extLst/>
+          </a:blip>
+          <a:stretch>
+            <a:fillRect/>
+          </a:stretch>
+        </p:blipFill>
+        <p:spPr>
+          <a:xfrm>
+            <a:off x="1359274" y="959816"/>
+            <a:ext cx="7962177" cy="6010664"/>
+          </a:xfrm>
+          <a:prstGeom prst="rect">
+            <a:avLst/>
+          </a:prstGeom>
+        </p:spPr>
+      </p:pic>
+    </p:spTree>
+  </p:cSld>
+  <p:clrMapOvr>
+    <a:masterClrMapping/>
+  </p:clrMapOvr>
+  <mc:AlternateContent xmlns:mc="http://schemas.openxmlformats.org/markup-compatibility/2006">
+    <mc:Choice xmlns:p15="http://schemas.microsoft.com/office/powerpoint/2012/main" Requires="p15">
+      <p:transition xmlns:p14="http://schemas.microsoft.com/office/powerpoint/2010/main" spd="med" advClick="1" p14:dur="1000">
+        <p15:prstTrans prst="peelOff" invX="1"/>
+      </p:transition>
+    </mc:Choice>
+    <mc:Choice xmlns:p14="http://schemas.microsoft.com/office/powerpoint/2010/main" Requires="p14">
+      <p:transition spd="med" advClick="1" p14:dur="1000">
+        <p:wipe dir="l"/>
+      </p:transition>
+    </mc:Choice>
+    <mc:Fallback>
+      <p:transition spd="med">
+        <p:fade/>
+      </p:transition>
+    </mc:Fallback>
+  </mc:AlternateContent>
+</p:sld>
+</file>
+
+<file path=ppt/slides/slide14.xml><?xml version="1.0" encoding="utf-8"?>
+<p:sld xmlns:a="http://schemas.openxmlformats.org/drawingml/2006/main" xmlns:r="http://schemas.openxmlformats.org/officeDocument/2006/relationships" xmlns:p="http://schemas.openxmlformats.org/presentationml/2006/main" xmlns:m="http://schemas.openxmlformats.org/officeDocument/2006/math" xmlns:a14="http://schemas.microsoft.com/office/drawing/2010/main" showMasterSp="1" showMasterPhAnim="1">
+  <p:cSld>
+    <p:spTree>
+      <p:nvGrpSpPr>
+        <p:cNvPr id="1" name=""/>
+        <p:cNvGrpSpPr/>
+        <p:nvPr/>
+      </p:nvGrpSpPr>
+      <p:grpSpPr>
+        <a:xfrm>
+          <a:off x="0" y="0"/>
+          <a:ext cx="0" cy="0"/>
+          <a:chOff x="0" y="0"/>
+          <a:chExt cx="0" cy="0"/>
+        </a:xfrm>
+      </p:grpSpPr>
       <p:sp>
         <p:nvSpPr>
-          <p:cNvPr id="265" name="Equation"/>
+          <p:cNvPr id="268" name="Game of 128 numbers - c"/>
+          <p:cNvSpPr txBox="1"/>
+          <p:nvPr>
+            <p:ph type="title"/>
+          </p:nvPr>
+        </p:nvSpPr>
+        <p:spPr>
+          <a:prstGeom prst="rect">
+            <a:avLst/>
+          </a:prstGeom>
+        </p:spPr>
+        <p:txBody>
+          <a:bodyPr/>
+          <a:lstStyle/>
+          <a:p>
+            <a:pPr/>
+            <a:r>
+              <a:t>Game of </a:t>
+            </a:r>
+            <a:r>
+              <a:rPr>
+                <a:latin typeface="Arial"/>
+                <a:ea typeface="Arial"/>
+                <a:cs typeface="Arial"/>
+                <a:sym typeface="Arial"/>
+              </a:rPr>
+              <a:t>128</a:t>
+            </a:r>
+            <a:r>
+              <a:t> numbers - c</a:t>
+            </a:r>
+          </a:p>
+        </p:txBody>
+      </p:sp>
+      <p:sp>
+        <p:nvSpPr>
+          <p:cNvPr id="269" name="Slide Number"/>
+          <p:cNvSpPr txBox="1"/>
+          <p:nvPr>
+            <p:ph type="sldNum" sz="quarter" idx="2"/>
+          </p:nvPr>
+        </p:nvSpPr>
+        <p:spPr>
+          <a:prstGeom prst="rect">
+            <a:avLst/>
+          </a:prstGeom>
+          <a:extLst>
+            <a:ext uri="{C572A759-6A51-4108-AA02-DFA0A04FC94B}">
+              <ma14:wrappingTextBoxFlag xmlns:ma14="http://schemas.microsoft.com/office/mac/drawingml/2011/main" val="1"/>
+            </a:ext>
+          </a:extLst>
+        </p:spPr>
+        <p:txBody>
+          <a:bodyPr/>
+          <a:lstStyle/>
+          <a:p>
+            <a:pPr/>
+            <a:fld id="{86CB4B4D-7CA3-9044-876B-883B54F8677D}" type="slidenum"/>
+          </a:p>
+        </p:txBody>
+      </p:sp>
+      <p:sp>
+        <p:nvSpPr>
+          <p:cNvPr id="270" name="DAA/Divide and Conquer"/>
+          <p:cNvSpPr txBox="1"/>
+          <p:nvPr/>
+        </p:nvSpPr>
+        <p:spPr>
+          <a:xfrm>
+            <a:off x="423212" y="6963885"/>
+            <a:ext cx="3371712" cy="431552"/>
+          </a:xfrm>
+          <a:prstGeom prst="rect">
+            <a:avLst/>
+          </a:prstGeom>
+          <a:ln w="12700">
+            <a:miter lim="400000"/>
+          </a:ln>
+          <a:extLst>
+            <a:ext uri="{C572A759-6A51-4108-AA02-DFA0A04FC94B}">
+              <ma14:wrappingTextBoxFlag xmlns:ma14="http://schemas.microsoft.com/office/mac/drawingml/2011/main" val="1"/>
+            </a:ext>
+          </a:extLst>
+        </p:spPr>
+        <p:txBody>
+          <a:bodyPr wrap="none" lIns="50800" tIns="50800" rIns="50800" bIns="50800" anchor="ctr">
+            <a:spAutoFit/>
+          </a:bodyPr>
+          <a:lstStyle>
+            <a:lvl1pPr>
+              <a:defRPr sz="2400"/>
+            </a:lvl1pPr>
+          </a:lstStyle>
+          <a:p>
+            <a:pPr/>
+            <a:r>
+              <a:t>DAA/Divide and Conquer</a:t>
+            </a:r>
+          </a:p>
+        </p:txBody>
+      </p:sp>
+      <p:sp>
+        <p:nvSpPr>
+          <p:cNvPr id="271" name="RPR/"/>
+          <p:cNvSpPr txBox="1"/>
+          <p:nvPr/>
+        </p:nvSpPr>
+        <p:spPr>
+          <a:xfrm>
+            <a:off x="7535212" y="6988206"/>
+            <a:ext cx="705605" cy="382910"/>
+          </a:xfrm>
+          <a:prstGeom prst="rect">
+            <a:avLst/>
+          </a:prstGeom>
+          <a:ln w="12700">
+            <a:miter lim="400000"/>
+          </a:ln>
+          <a:extLst>
+            <a:ext uri="{C572A759-6A51-4108-AA02-DFA0A04FC94B}">
+              <ma14:wrappingTextBoxFlag xmlns:ma14="http://schemas.microsoft.com/office/mac/drawingml/2011/main" val="1"/>
+            </a:ext>
+          </a:extLst>
+        </p:spPr>
+        <p:txBody>
+          <a:bodyPr wrap="none" lIns="50800" tIns="50800" rIns="50800" bIns="50800" anchor="ctr">
+            <a:spAutoFit/>
+          </a:bodyPr>
+          <a:lstStyle>
+            <a:lvl1pPr>
+              <a:defRPr sz="2000"/>
+            </a:lvl1pPr>
+          </a:lstStyle>
+          <a:p>
+            <a:pPr/>
+            <a:r>
+              <a:t>RPR/</a:t>
+            </a:r>
+          </a:p>
+        </p:txBody>
+      </p:sp>
+      <p:pic>
+        <p:nvPicPr>
+          <p:cNvPr id="272" name="droppedImage.png" descr="droppedImage.png"/>
+          <p:cNvPicPr>
+            <a:picLocks noChangeAspect="1"/>
+          </p:cNvPicPr>
+          <p:nvPr/>
+        </p:nvPicPr>
+        <p:blipFill>
+          <a:blip r:embed="rId2">
+            <a:extLst/>
+          </a:blip>
+          <a:stretch>
+            <a:fillRect/>
+          </a:stretch>
+        </p:blipFill>
+        <p:spPr>
+          <a:xfrm>
+            <a:off x="988604" y="930488"/>
+            <a:ext cx="7918389" cy="5938791"/>
+          </a:xfrm>
+          <a:prstGeom prst="rect">
+            <a:avLst/>
+          </a:prstGeom>
+        </p:spPr>
+      </p:pic>
+    </p:spTree>
+  </p:cSld>
+  <p:clrMapOvr>
+    <a:masterClrMapping/>
+  </p:clrMapOvr>
+  <mc:AlternateContent xmlns:mc="http://schemas.openxmlformats.org/markup-compatibility/2006">
+    <mc:Choice xmlns:p15="http://schemas.microsoft.com/office/powerpoint/2012/main" Requires="p15">
+      <p:transition xmlns:p14="http://schemas.microsoft.com/office/powerpoint/2010/main" spd="med" advClick="1" p14:dur="1000">
+        <p15:prstTrans prst="peelOff" invX="1"/>
+      </p:transition>
+    </mc:Choice>
+    <mc:Choice xmlns:p14="http://schemas.microsoft.com/office/powerpoint/2010/main" Requires="p14">
+      <p:transition spd="med" advClick="1" p14:dur="1000">
+        <p:wipe dir="l"/>
+      </p:transition>
+    </mc:Choice>
+    <mc:Fallback>
+      <p:transition spd="med">
+        <p:fade/>
+      </p:transition>
+    </mc:Fallback>
+  </mc:AlternateContent>
+</p:sld>
+</file>
+
+<file path=ppt/slides/slide15.xml><?xml version="1.0" encoding="utf-8"?>
+<p:sld xmlns:a="http://schemas.openxmlformats.org/drawingml/2006/main" xmlns:r="http://schemas.openxmlformats.org/officeDocument/2006/relationships" xmlns:p="http://schemas.openxmlformats.org/presentationml/2006/main" xmlns:m="http://schemas.openxmlformats.org/officeDocument/2006/math" xmlns:a14="http://schemas.microsoft.com/office/drawing/2010/main" showMasterSp="1" showMasterPhAnim="1">
+  <p:cSld>
+    <p:spTree>
+      <p:nvGrpSpPr>
+        <p:cNvPr id="1" name=""/>
+        <p:cNvGrpSpPr/>
+        <p:nvPr/>
+      </p:nvGrpSpPr>
+      <p:grpSpPr>
+        <a:xfrm>
+          <a:off x="0" y="0"/>
+          <a:ext cx="0" cy="0"/>
+          <a:chOff x="0" y="0"/>
+          <a:chExt cx="0" cy="0"/>
+        </a:xfrm>
+      </p:grpSpPr>
+      <p:sp>
+        <p:nvSpPr>
+          <p:cNvPr id="274" name="Game of 128 numbers - d"/>
+          <p:cNvSpPr txBox="1"/>
+          <p:nvPr>
+            <p:ph type="title"/>
+          </p:nvPr>
+        </p:nvSpPr>
+        <p:spPr>
+          <a:prstGeom prst="rect">
+            <a:avLst/>
+          </a:prstGeom>
+        </p:spPr>
+        <p:txBody>
+          <a:bodyPr/>
+          <a:lstStyle/>
+          <a:p>
+            <a:pPr/>
+            <a:r>
+              <a:t>Game of </a:t>
+            </a:r>
+            <a:r>
+              <a:rPr>
+                <a:latin typeface="Arial"/>
+                <a:ea typeface="Arial"/>
+                <a:cs typeface="Arial"/>
+                <a:sym typeface="Arial"/>
+              </a:rPr>
+              <a:t>128</a:t>
+            </a:r>
+            <a:r>
+              <a:t> numbers - d</a:t>
+            </a:r>
+          </a:p>
+        </p:txBody>
+      </p:sp>
+      <p:sp>
+        <p:nvSpPr>
+          <p:cNvPr id="275" name="Slide Number"/>
+          <p:cNvSpPr txBox="1"/>
+          <p:nvPr>
+            <p:ph type="sldNum" sz="quarter" idx="2"/>
+          </p:nvPr>
+        </p:nvSpPr>
+        <p:spPr>
+          <a:prstGeom prst="rect">
+            <a:avLst/>
+          </a:prstGeom>
+          <a:extLst>
+            <a:ext uri="{C572A759-6A51-4108-AA02-DFA0A04FC94B}">
+              <ma14:wrappingTextBoxFlag xmlns:ma14="http://schemas.microsoft.com/office/mac/drawingml/2011/main" val="1"/>
+            </a:ext>
+          </a:extLst>
+        </p:spPr>
+        <p:txBody>
+          <a:bodyPr/>
+          <a:lstStyle/>
+          <a:p>
+            <a:pPr/>
+            <a:fld id="{86CB4B4D-7CA3-9044-876B-883B54F8677D}" type="slidenum"/>
+          </a:p>
+        </p:txBody>
+      </p:sp>
+      <p:sp>
+        <p:nvSpPr>
+          <p:cNvPr id="276" name="DAA/Divide and Conquer"/>
+          <p:cNvSpPr txBox="1"/>
+          <p:nvPr/>
+        </p:nvSpPr>
+        <p:spPr>
+          <a:xfrm>
+            <a:off x="423212" y="6963885"/>
+            <a:ext cx="3371712" cy="431552"/>
+          </a:xfrm>
+          <a:prstGeom prst="rect">
+            <a:avLst/>
+          </a:prstGeom>
+          <a:ln w="12700">
+            <a:miter lim="400000"/>
+          </a:ln>
+          <a:extLst>
+            <a:ext uri="{C572A759-6A51-4108-AA02-DFA0A04FC94B}">
+              <ma14:wrappingTextBoxFlag xmlns:ma14="http://schemas.microsoft.com/office/mac/drawingml/2011/main" val="1"/>
+            </a:ext>
+          </a:extLst>
+        </p:spPr>
+        <p:txBody>
+          <a:bodyPr wrap="none" lIns="50800" tIns="50800" rIns="50800" bIns="50800" anchor="ctr">
+            <a:spAutoFit/>
+          </a:bodyPr>
+          <a:lstStyle>
+            <a:lvl1pPr>
+              <a:defRPr sz="2400"/>
+            </a:lvl1pPr>
+          </a:lstStyle>
+          <a:p>
+            <a:pPr/>
+            <a:r>
+              <a:t>DAA/Divide and Conquer</a:t>
+            </a:r>
+          </a:p>
+        </p:txBody>
+      </p:sp>
+      <p:sp>
+        <p:nvSpPr>
+          <p:cNvPr id="277" name="RPR/"/>
+          <p:cNvSpPr txBox="1"/>
+          <p:nvPr/>
+        </p:nvSpPr>
+        <p:spPr>
+          <a:xfrm>
+            <a:off x="7535212" y="6988206"/>
+            <a:ext cx="705605" cy="382910"/>
+          </a:xfrm>
+          <a:prstGeom prst="rect">
+            <a:avLst/>
+          </a:prstGeom>
+          <a:ln w="12700">
+            <a:miter lim="400000"/>
+          </a:ln>
+          <a:extLst>
+            <a:ext uri="{C572A759-6A51-4108-AA02-DFA0A04FC94B}">
+              <ma14:wrappingTextBoxFlag xmlns:ma14="http://schemas.microsoft.com/office/mac/drawingml/2011/main" val="1"/>
+            </a:ext>
+          </a:extLst>
+        </p:spPr>
+        <p:txBody>
+          <a:bodyPr wrap="none" lIns="50800" tIns="50800" rIns="50800" bIns="50800" anchor="ctr">
+            <a:spAutoFit/>
+          </a:bodyPr>
+          <a:lstStyle>
+            <a:lvl1pPr>
+              <a:defRPr sz="2000"/>
+            </a:lvl1pPr>
+          </a:lstStyle>
+          <a:p>
+            <a:pPr/>
+            <a:r>
+              <a:t>RPR/</a:t>
+            </a:r>
+          </a:p>
+        </p:txBody>
+      </p:sp>
+      <p:pic>
+        <p:nvPicPr>
+          <p:cNvPr id="278" name="Image" descr="Image"/>
+          <p:cNvPicPr>
+            <a:picLocks noChangeAspect="1"/>
+          </p:cNvPicPr>
+          <p:nvPr/>
+        </p:nvPicPr>
+        <p:blipFill>
+          <a:blip r:embed="rId2">
+            <a:extLst/>
+          </a:blip>
+          <a:stretch>
+            <a:fillRect/>
+          </a:stretch>
+        </p:blipFill>
+        <p:spPr>
+          <a:xfrm>
+            <a:off x="1004185" y="918328"/>
+            <a:ext cx="8151630" cy="6121651"/>
+          </a:xfrm>
+          <a:prstGeom prst="rect">
+            <a:avLst/>
+          </a:prstGeom>
+        </p:spPr>
+      </p:pic>
+    </p:spTree>
+  </p:cSld>
+  <p:clrMapOvr>
+    <a:masterClrMapping/>
+  </p:clrMapOvr>
+  <mc:AlternateContent xmlns:mc="http://schemas.openxmlformats.org/markup-compatibility/2006">
+    <mc:Choice xmlns:p15="http://schemas.microsoft.com/office/powerpoint/2012/main" Requires="p15">
+      <p:transition xmlns:p14="http://schemas.microsoft.com/office/powerpoint/2010/main" spd="med" advClick="1" p14:dur="1000">
+        <p15:prstTrans prst="peelOff" invX="1"/>
+      </p:transition>
+    </mc:Choice>
+    <mc:Choice xmlns:p14="http://schemas.microsoft.com/office/powerpoint/2010/main" Requires="p14">
+      <p:transition spd="med" advClick="1" p14:dur="1000">
+        <p:wipe dir="l"/>
+      </p:transition>
+    </mc:Choice>
+    <mc:Fallback>
+      <p:transition spd="med">
+        <p:fade/>
+      </p:transition>
+    </mc:Fallback>
+  </mc:AlternateContent>
+</p:sld>
+</file>
+
+<file path=ppt/slides/slide16.xml><?xml version="1.0" encoding="utf-8"?>
+<p:sld xmlns:a="http://schemas.openxmlformats.org/drawingml/2006/main" xmlns:r="http://schemas.openxmlformats.org/officeDocument/2006/relationships" xmlns:p="http://schemas.openxmlformats.org/presentationml/2006/main" xmlns:m="http://schemas.openxmlformats.org/officeDocument/2006/math" xmlns:a14="http://schemas.microsoft.com/office/drawing/2010/main" showMasterSp="1" showMasterPhAnim="1">
+  <p:cSld>
+    <p:spTree>
+      <p:nvGrpSpPr>
+        <p:cNvPr id="1" name=""/>
+        <p:cNvGrpSpPr/>
+        <p:nvPr/>
+      </p:nvGrpSpPr>
+      <p:grpSpPr>
+        <a:xfrm>
+          <a:off x="0" y="0"/>
+          <a:ext cx="0" cy="0"/>
+          <a:chOff x="0" y="0"/>
+          <a:chExt cx="0" cy="0"/>
+        </a:xfrm>
+      </p:grpSpPr>
+      <p:sp>
+        <p:nvSpPr>
+          <p:cNvPr id="280" name="Game of 128 numbers - d"/>
+          <p:cNvSpPr txBox="1"/>
+          <p:nvPr>
+            <p:ph type="title"/>
+          </p:nvPr>
+        </p:nvSpPr>
+        <p:spPr>
+          <a:prstGeom prst="rect">
+            <a:avLst/>
+          </a:prstGeom>
+        </p:spPr>
+        <p:txBody>
+          <a:bodyPr/>
+          <a:lstStyle/>
+          <a:p>
+            <a:pPr/>
+            <a:r>
+              <a:t>Game of </a:t>
+            </a:r>
+            <a:r>
+              <a:rPr>
+                <a:latin typeface="Arial"/>
+                <a:ea typeface="Arial"/>
+                <a:cs typeface="Arial"/>
+                <a:sym typeface="Arial"/>
+              </a:rPr>
+              <a:t>128</a:t>
+            </a:r>
+            <a:r>
+              <a:t> numbers - d</a:t>
+            </a:r>
+          </a:p>
+        </p:txBody>
+      </p:sp>
+      <p:sp>
+        <p:nvSpPr>
+          <p:cNvPr id="281" name="Slide Number"/>
+          <p:cNvSpPr txBox="1"/>
+          <p:nvPr>
+            <p:ph type="sldNum" sz="quarter" idx="2"/>
+          </p:nvPr>
+        </p:nvSpPr>
+        <p:spPr>
+          <a:prstGeom prst="rect">
+            <a:avLst/>
+          </a:prstGeom>
+          <a:extLst>
+            <a:ext uri="{C572A759-6A51-4108-AA02-DFA0A04FC94B}">
+              <ma14:wrappingTextBoxFlag xmlns:ma14="http://schemas.microsoft.com/office/mac/drawingml/2011/main" val="1"/>
+            </a:ext>
+          </a:extLst>
+        </p:spPr>
+        <p:txBody>
+          <a:bodyPr/>
+          <a:lstStyle/>
+          <a:p>
+            <a:pPr/>
+            <a:fld id="{86CB4B4D-7CA3-9044-876B-883B54F8677D}" type="slidenum"/>
+          </a:p>
+        </p:txBody>
+      </p:sp>
+      <p:sp>
+        <p:nvSpPr>
+          <p:cNvPr id="282" name="DAA/Divide and Conquer"/>
+          <p:cNvSpPr txBox="1"/>
+          <p:nvPr/>
+        </p:nvSpPr>
+        <p:spPr>
+          <a:xfrm>
+            <a:off x="423212" y="6963885"/>
+            <a:ext cx="3371712" cy="431552"/>
+          </a:xfrm>
+          <a:prstGeom prst="rect">
+            <a:avLst/>
+          </a:prstGeom>
+          <a:ln w="12700">
+            <a:miter lim="400000"/>
+          </a:ln>
+          <a:extLst>
+            <a:ext uri="{C572A759-6A51-4108-AA02-DFA0A04FC94B}">
+              <ma14:wrappingTextBoxFlag xmlns:ma14="http://schemas.microsoft.com/office/mac/drawingml/2011/main" val="1"/>
+            </a:ext>
+          </a:extLst>
+        </p:spPr>
+        <p:txBody>
+          <a:bodyPr wrap="none" lIns="50800" tIns="50800" rIns="50800" bIns="50800" anchor="ctr">
+            <a:spAutoFit/>
+          </a:bodyPr>
+          <a:lstStyle>
+            <a:lvl1pPr>
+              <a:defRPr sz="2400"/>
+            </a:lvl1pPr>
+          </a:lstStyle>
+          <a:p>
+            <a:pPr/>
+            <a:r>
+              <a:t>DAA/Divide and Conquer</a:t>
+            </a:r>
+          </a:p>
+        </p:txBody>
+      </p:sp>
+      <p:sp>
+        <p:nvSpPr>
+          <p:cNvPr id="283" name="RPR/"/>
+          <p:cNvSpPr txBox="1"/>
+          <p:nvPr/>
+        </p:nvSpPr>
+        <p:spPr>
+          <a:xfrm>
+            <a:off x="7535212" y="6988206"/>
+            <a:ext cx="705605" cy="382910"/>
+          </a:xfrm>
+          <a:prstGeom prst="rect">
+            <a:avLst/>
+          </a:prstGeom>
+          <a:ln w="12700">
+            <a:miter lim="400000"/>
+          </a:ln>
+          <a:extLst>
+            <a:ext uri="{C572A759-6A51-4108-AA02-DFA0A04FC94B}">
+              <ma14:wrappingTextBoxFlag xmlns:ma14="http://schemas.microsoft.com/office/mac/drawingml/2011/main" val="1"/>
+            </a:ext>
+          </a:extLst>
+        </p:spPr>
+        <p:txBody>
+          <a:bodyPr wrap="none" lIns="50800" tIns="50800" rIns="50800" bIns="50800" anchor="ctr">
+            <a:spAutoFit/>
+          </a:bodyPr>
+          <a:lstStyle>
+            <a:lvl1pPr>
+              <a:defRPr sz="2000"/>
+            </a:lvl1pPr>
+          </a:lstStyle>
+          <a:p>
+            <a:pPr/>
+            <a:r>
+              <a:t>RPR/</a:t>
+            </a:r>
+          </a:p>
+        </p:txBody>
+      </p:sp>
+      <p:pic>
+        <p:nvPicPr>
+          <p:cNvPr id="284" name="Image" descr="Image"/>
+          <p:cNvPicPr>
+            <a:picLocks noChangeAspect="1"/>
+          </p:cNvPicPr>
+          <p:nvPr/>
+        </p:nvPicPr>
+        <p:blipFill>
+          <a:blip r:embed="rId2">
+            <a:extLst/>
+          </a:blip>
+          <a:stretch>
+            <a:fillRect/>
+          </a:stretch>
+        </p:blipFill>
+        <p:spPr>
+          <a:xfrm>
+            <a:off x="874717" y="798269"/>
+            <a:ext cx="8410566" cy="6328261"/>
+          </a:xfrm>
+          <a:prstGeom prst="rect">
+            <a:avLst/>
+          </a:prstGeom>
+        </p:spPr>
+      </p:pic>
+    </p:spTree>
+  </p:cSld>
+  <p:clrMapOvr>
+    <a:masterClrMapping/>
+  </p:clrMapOvr>
+  <p:transition xmlns:p14="http://schemas.microsoft.com/office/powerpoint/2010/main" spd="med" advClick="1"/>
+</p:sld>
+</file>
+
+<file path=ppt/slides/slide17.xml><?xml version="1.0" encoding="utf-8"?>
+<p:sld xmlns:a="http://schemas.openxmlformats.org/drawingml/2006/main" xmlns:r="http://schemas.openxmlformats.org/officeDocument/2006/relationships" xmlns:p="http://schemas.openxmlformats.org/presentationml/2006/main" xmlns:m="http://schemas.openxmlformats.org/officeDocument/2006/math" xmlns:a14="http://schemas.microsoft.com/office/drawing/2010/main" showMasterSp="1" showMasterPhAnim="1">
+  <p:cSld>
+    <p:spTree>
+      <p:nvGrpSpPr>
+        <p:cNvPr id="1" name=""/>
+        <p:cNvGrpSpPr/>
+        <p:nvPr/>
+      </p:nvGrpSpPr>
+      <p:grpSpPr>
+        <a:xfrm>
+          <a:off x="0" y="0"/>
+          <a:ext cx="0" cy="0"/>
+          <a:chOff x="0" y="0"/>
+          <a:chExt cx="0" cy="0"/>
+        </a:xfrm>
+      </p:grpSpPr>
+      <p:sp>
+        <p:nvSpPr>
+          <p:cNvPr id="286" name="Exercise G"/>
+          <p:cNvSpPr txBox="1"/>
+          <p:nvPr>
+            <p:ph type="title"/>
+          </p:nvPr>
+        </p:nvSpPr>
+        <p:spPr>
+          <a:prstGeom prst="rect">
+            <a:avLst/>
+          </a:prstGeom>
+        </p:spPr>
+        <p:txBody>
+          <a:bodyPr/>
+          <a:lstStyle/>
+          <a:p>
+            <a:pPr/>
+            <a:r>
+              <a:t>Exercise G</a:t>
+            </a:r>
+          </a:p>
+        </p:txBody>
+      </p:sp>
+      <p:sp>
+        <p:nvSpPr>
+          <p:cNvPr id="287" name="Exercise G…"/>
+          <p:cNvSpPr txBox="1"/>
+          <p:nvPr>
+            <p:ph type="body" idx="1"/>
+          </p:nvPr>
+        </p:nvSpPr>
+        <p:spPr>
+          <a:prstGeom prst="rect">
+            <a:avLst/>
+          </a:prstGeom>
+        </p:spPr>
+        <p:txBody>
+          <a:bodyPr/>
+          <a:lstStyle/>
+          <a:p>
+            <a:pPr/>
+            <a:r>
+              <a:t>Exercise G</a:t>
+            </a:r>
+          </a:p>
+          <a:p>
+            <a:pPr lvl="1"/>
+            <a:r>
+              <a:t>Work out the remaining 3 cards</a:t>
+            </a:r>
+          </a:p>
+        </p:txBody>
+      </p:sp>
+      <p:sp>
+        <p:nvSpPr>
+          <p:cNvPr id="288" name="Slide Number"/>
+          <p:cNvSpPr txBox="1"/>
+          <p:nvPr>
+            <p:ph type="sldNum" sz="quarter" idx="2"/>
+          </p:nvPr>
+        </p:nvSpPr>
+        <p:spPr>
+          <a:prstGeom prst="rect">
+            <a:avLst/>
+          </a:prstGeom>
+          <a:extLst>
+            <a:ext uri="{C572A759-6A51-4108-AA02-DFA0A04FC94B}">
+              <ma14:wrappingTextBoxFlag xmlns:ma14="http://schemas.microsoft.com/office/mac/drawingml/2011/main" val="1"/>
+            </a:ext>
+          </a:extLst>
+        </p:spPr>
+        <p:txBody>
+          <a:bodyPr/>
+          <a:lstStyle/>
+          <a:p>
+            <a:pPr/>
+            <a:fld id="{86CB4B4D-7CA3-9044-876B-883B54F8677D}" type="slidenum"/>
+          </a:p>
+        </p:txBody>
+      </p:sp>
+      <p:sp>
+        <p:nvSpPr>
+          <p:cNvPr id="289" name="DAA/Divide and Conquer"/>
+          <p:cNvSpPr txBox="1"/>
+          <p:nvPr/>
+        </p:nvSpPr>
+        <p:spPr>
+          <a:xfrm>
+            <a:off x="423212" y="6963885"/>
+            <a:ext cx="3371712" cy="431552"/>
+          </a:xfrm>
+          <a:prstGeom prst="rect">
+            <a:avLst/>
+          </a:prstGeom>
+          <a:ln w="12700">
+            <a:miter lim="400000"/>
+          </a:ln>
+          <a:extLst>
+            <a:ext uri="{C572A759-6A51-4108-AA02-DFA0A04FC94B}">
+              <ma14:wrappingTextBoxFlag xmlns:ma14="http://schemas.microsoft.com/office/mac/drawingml/2011/main" val="1"/>
+            </a:ext>
+          </a:extLst>
+        </p:spPr>
+        <p:txBody>
+          <a:bodyPr wrap="none" lIns="50800" tIns="50800" rIns="50800" bIns="50800" anchor="ctr">
+            <a:spAutoFit/>
+          </a:bodyPr>
+          <a:lstStyle>
+            <a:lvl1pPr>
+              <a:defRPr sz="2400"/>
+            </a:lvl1pPr>
+          </a:lstStyle>
+          <a:p>
+            <a:pPr/>
+            <a:r>
+              <a:t>DAA/Divide and Conquer</a:t>
+            </a:r>
+          </a:p>
+        </p:txBody>
+      </p:sp>
+      <p:sp>
+        <p:nvSpPr>
+          <p:cNvPr id="290" name="RPR/"/>
+          <p:cNvSpPr txBox="1"/>
+          <p:nvPr/>
+        </p:nvSpPr>
+        <p:spPr>
+          <a:xfrm>
+            <a:off x="7535212" y="6988206"/>
+            <a:ext cx="705605" cy="382910"/>
+          </a:xfrm>
+          <a:prstGeom prst="rect">
+            <a:avLst/>
+          </a:prstGeom>
+          <a:ln w="12700">
+            <a:miter lim="400000"/>
+          </a:ln>
+          <a:extLst>
+            <a:ext uri="{C572A759-6A51-4108-AA02-DFA0A04FC94B}">
+              <ma14:wrappingTextBoxFlag xmlns:ma14="http://schemas.microsoft.com/office/mac/drawingml/2011/main" val="1"/>
+            </a:ext>
+          </a:extLst>
+        </p:spPr>
+        <p:txBody>
+          <a:bodyPr wrap="none" lIns="50800" tIns="50800" rIns="50800" bIns="50800" anchor="ctr">
+            <a:spAutoFit/>
+          </a:bodyPr>
+          <a:lstStyle>
+            <a:lvl1pPr>
+              <a:defRPr sz="2000"/>
+            </a:lvl1pPr>
+          </a:lstStyle>
+          <a:p>
+            <a:pPr/>
+            <a:r>
+              <a:t>RPR/</a:t>
+            </a:r>
+          </a:p>
+        </p:txBody>
+      </p:sp>
+    </p:spTree>
+  </p:cSld>
+  <p:clrMapOvr>
+    <a:masterClrMapping/>
+  </p:clrMapOvr>
+  <p:transition xmlns:p14="http://schemas.microsoft.com/office/powerpoint/2010/main" spd="med" advClick="1"/>
+</p:sld>
+</file>
+
+<file path=ppt/slides/slide18.xml><?xml version="1.0" encoding="utf-8"?>
+<p:sld xmlns:a="http://schemas.openxmlformats.org/drawingml/2006/main" xmlns:r="http://schemas.openxmlformats.org/officeDocument/2006/relationships" xmlns:p="http://schemas.openxmlformats.org/presentationml/2006/main" xmlns:m="http://schemas.openxmlformats.org/officeDocument/2006/math" xmlns:a14="http://schemas.microsoft.com/office/drawing/2010/main" showMasterSp="1" showMasterPhAnim="1">
+  <p:cSld>
+    <p:spTree>
+      <p:nvGrpSpPr>
+        <p:cNvPr id="1" name=""/>
+        <p:cNvGrpSpPr/>
+        <p:nvPr/>
+      </p:nvGrpSpPr>
+      <p:grpSpPr>
+        <a:xfrm>
+          <a:off x="0" y="0"/>
+          <a:ext cx="0" cy="0"/>
+          <a:chOff x="0" y="0"/>
+          <a:chExt cx="0" cy="0"/>
+        </a:xfrm>
+      </p:grpSpPr>
+      <p:sp>
+        <p:nvSpPr>
+          <p:cNvPr id="292" name="Solving Recurrence Relation"/>
+          <p:cNvSpPr txBox="1"/>
+          <p:nvPr>
+            <p:ph type="title"/>
+          </p:nvPr>
+        </p:nvSpPr>
+        <p:spPr>
+          <a:prstGeom prst="rect">
+            <a:avLst/>
+          </a:prstGeom>
+        </p:spPr>
+        <p:txBody>
+          <a:bodyPr/>
+          <a:lstStyle/>
+          <a:p>
+            <a:pPr/>
+            <a:r>
+              <a:t>Solving Recurrence Relation</a:t>
+            </a:r>
+          </a:p>
+        </p:txBody>
+      </p:sp>
+      <p:sp>
+        <p:nvSpPr>
+          <p:cNvPr id="293" name="Let n=bk, then"/>
+          <p:cNvSpPr txBox="1"/>
+          <p:nvPr>
+            <p:ph type="body" sz="quarter" idx="1"/>
+          </p:nvPr>
+        </p:nvSpPr>
+        <p:spPr>
+          <a:xfrm>
+            <a:off x="1305158" y="1261266"/>
+            <a:ext cx="3165646" cy="568094"/>
+          </a:xfrm>
+          <a:prstGeom prst="rect">
+            <a:avLst/>
+          </a:prstGeom>
+        </p:spPr>
+        <p:txBody>
+          <a:bodyPr/>
+          <a:lstStyle/>
+          <a:p>
+            <a:pPr>
+              <a:defRPr sz="3000"/>
+            </a:pPr>
+            <a:r>
+              <a:t>Let </a:t>
+            </a:r>
+            <a:r>
+              <a:rPr>
+                <a:latin typeface="Courier New"/>
+                <a:ea typeface="Courier New"/>
+                <a:cs typeface="Courier New"/>
+                <a:sym typeface="Courier New"/>
+              </a:rPr>
+              <a:t>n=b</a:t>
+            </a:r>
+            <a:r>
+              <a:rPr baseline="31999">
+                <a:latin typeface="Courier New"/>
+                <a:ea typeface="Courier New"/>
+                <a:cs typeface="Courier New"/>
+                <a:sym typeface="Courier New"/>
+              </a:rPr>
+              <a:t>k</a:t>
+            </a:r>
+            <a:r>
+              <a:t>, then </a:t>
+            </a:r>
+          </a:p>
+        </p:txBody>
+      </p:sp>
+      <p:sp>
+        <p:nvSpPr>
+          <p:cNvPr id="294" name="Slide Number"/>
+          <p:cNvSpPr txBox="1"/>
+          <p:nvPr>
+            <p:ph type="sldNum" sz="quarter" idx="2"/>
+          </p:nvPr>
+        </p:nvSpPr>
+        <p:spPr>
+          <a:prstGeom prst="rect">
+            <a:avLst/>
+          </a:prstGeom>
+          <a:extLst>
+            <a:ext uri="{C572A759-6A51-4108-AA02-DFA0A04FC94B}">
+              <ma14:wrappingTextBoxFlag xmlns:ma14="http://schemas.microsoft.com/office/mac/drawingml/2011/main" val="1"/>
+            </a:ext>
+          </a:extLst>
+        </p:spPr>
+        <p:txBody>
+          <a:bodyPr/>
+          <a:lstStyle/>
+          <a:p>
+            <a:pPr/>
+            <a:fld id="{86CB4B4D-7CA3-9044-876B-883B54F8677D}" type="slidenum"/>
+          </a:p>
+        </p:txBody>
+      </p:sp>
+      <p:sp>
+        <p:nvSpPr>
+          <p:cNvPr id="295" name="DAA/Divide and Conquer"/>
+          <p:cNvSpPr txBox="1"/>
+          <p:nvPr/>
+        </p:nvSpPr>
+        <p:spPr>
+          <a:xfrm>
+            <a:off x="423212" y="6963885"/>
+            <a:ext cx="3371712" cy="431552"/>
+          </a:xfrm>
+          <a:prstGeom prst="rect">
+            <a:avLst/>
+          </a:prstGeom>
+          <a:ln w="12700">
+            <a:miter lim="400000"/>
+          </a:ln>
+          <a:extLst>
+            <a:ext uri="{C572A759-6A51-4108-AA02-DFA0A04FC94B}">
+              <ma14:wrappingTextBoxFlag xmlns:ma14="http://schemas.microsoft.com/office/mac/drawingml/2011/main" val="1"/>
+            </a:ext>
+          </a:extLst>
+        </p:spPr>
+        <p:txBody>
+          <a:bodyPr wrap="none" lIns="50800" tIns="50800" rIns="50800" bIns="50800" anchor="ctr">
+            <a:spAutoFit/>
+          </a:bodyPr>
+          <a:lstStyle>
+            <a:lvl1pPr>
+              <a:defRPr sz="2400"/>
+            </a:lvl1pPr>
+          </a:lstStyle>
+          <a:p>
+            <a:pPr/>
+            <a:r>
+              <a:t>DAA/Divide and Conquer</a:t>
+            </a:r>
+          </a:p>
+        </p:txBody>
+      </p:sp>
+      <p:sp>
+        <p:nvSpPr>
+          <p:cNvPr id="296" name="RPR/"/>
+          <p:cNvSpPr txBox="1"/>
+          <p:nvPr/>
+        </p:nvSpPr>
+        <p:spPr>
+          <a:xfrm>
+            <a:off x="7535212" y="6988206"/>
+            <a:ext cx="705605" cy="382910"/>
+          </a:xfrm>
+          <a:prstGeom prst="rect">
+            <a:avLst/>
+          </a:prstGeom>
+          <a:ln w="12700">
+            <a:miter lim="400000"/>
+          </a:ln>
+          <a:extLst>
+            <a:ext uri="{C572A759-6A51-4108-AA02-DFA0A04FC94B}">
+              <ma14:wrappingTextBoxFlag xmlns:ma14="http://schemas.microsoft.com/office/mac/drawingml/2011/main" val="1"/>
+            </a:ext>
+          </a:extLst>
+        </p:spPr>
+        <p:txBody>
+          <a:bodyPr wrap="none" lIns="50800" tIns="50800" rIns="50800" bIns="50800" anchor="ctr">
+            <a:spAutoFit/>
+          </a:bodyPr>
+          <a:lstStyle>
+            <a:lvl1pPr>
+              <a:defRPr sz="2000"/>
+            </a:lvl1pPr>
+          </a:lstStyle>
+          <a:p>
+            <a:pPr/>
+            <a:r>
+              <a:t>RPR/</a:t>
+            </a:r>
+          </a:p>
+        </p:txBody>
+      </p:sp>
+      <p:sp>
+        <p:nvSpPr>
+          <p:cNvPr id="297" name="Equation"/>
           <p:cNvSpPr txBox="1"/>
           <p:nvPr/>
         </p:nvSpPr>
@@ -5765,7 +7722,7 @@
       </p:sp>
       <p:sp>
         <p:nvSpPr>
-          <p:cNvPr id="266" name="Equation"/>
+          <p:cNvPr id="298" name="Equation"/>
           <p:cNvSpPr txBox="1"/>
           <p:nvPr/>
         </p:nvSpPr>
@@ -6005,7 +7962,7 @@
       </p:sp>
       <p:sp>
         <p:nvSpPr>
-          <p:cNvPr id="267" name="Equation"/>
+          <p:cNvPr id="299" name="Equation"/>
           <p:cNvSpPr txBox="1"/>
           <p:nvPr/>
         </p:nvSpPr>
@@ -6296,7 +8253,7 @@
       </p:sp>
       <p:sp>
         <p:nvSpPr>
-          <p:cNvPr id="268" name="Equation"/>
+          <p:cNvPr id="300" name="Equation"/>
           <p:cNvSpPr txBox="1"/>
           <p:nvPr/>
         </p:nvSpPr>
@@ -6713,7 +8670,7 @@
       </p:sp>
       <p:sp>
         <p:nvSpPr>
-          <p:cNvPr id="269" name="Equation"/>
+          <p:cNvPr id="301" name="Equation"/>
           <p:cNvSpPr txBox="1"/>
           <p:nvPr/>
         </p:nvSpPr>
@@ -7277,7 +9234,7 @@
       </p:sp>
       <p:sp>
         <p:nvSpPr>
-          <p:cNvPr id="270" name=":"/>
+          <p:cNvPr id="302" name=":"/>
           <p:cNvSpPr txBox="1"/>
           <p:nvPr/>
         </p:nvSpPr>
@@ -7317,7 +9274,7 @@
       </p:sp>
       <p:sp>
         <p:nvSpPr>
-          <p:cNvPr id="271" name="Equation"/>
+          <p:cNvPr id="303" name="Equation"/>
           <p:cNvSpPr txBox="1"/>
           <p:nvPr/>
         </p:nvSpPr>
@@ -7752,7 +9709,7 @@
       </p:sp>
       <p:sp>
         <p:nvSpPr>
-          <p:cNvPr id="272" name="Equation"/>
+          <p:cNvPr id="304" name="Equation"/>
           <p:cNvSpPr txBox="1"/>
           <p:nvPr/>
         </p:nvSpPr>
@@ -8196,7 +10153,7 @@
       </p:sp>
       <p:sp>
         <p:nvSpPr>
-          <p:cNvPr id="273" name="Equation"/>
+          <p:cNvPr id="305" name="Equation"/>
           <p:cNvSpPr txBox="1"/>
           <p:nvPr/>
         </p:nvSpPr>
@@ -8527,7 +10484,7 @@
                                       <p:cBhvr>
                                         <p:cTn id="6" fill="hold"/>
                                         <p:tgtEl>
-                                          <p:spTgt spid="265"/>
+                                          <p:spTgt spid="297"/>
                                         </p:tgtEl>
                                         <p:attrNameLst>
                                           <p:attrName>style.visibility</p:attrName>
@@ -8571,7 +10528,7 @@
                                       <p:cBhvr>
                                         <p:cTn id="10" fill="hold"/>
                                         <p:tgtEl>
-                                          <p:spTgt spid="261"/>
+                                          <p:spTgt spid="293"/>
                                         </p:tgtEl>
                                         <p:attrNameLst>
                                           <p:attrName>style.visibility</p:attrName>
@@ -8615,7 +10572,7 @@
                                       <p:cBhvr>
                                         <p:cTn id="14" fill="hold"/>
                                         <p:tgtEl>
-                                          <p:spTgt spid="266"/>
+                                          <p:spTgt spid="298"/>
                                         </p:tgtEl>
                                         <p:attrNameLst>
                                           <p:attrName>style.visibility</p:attrName>
@@ -8659,7 +10616,7 @@
                                       <p:cBhvr>
                                         <p:cTn id="18" fill="hold"/>
                                         <p:tgtEl>
-                                          <p:spTgt spid="273"/>
+                                          <p:spTgt spid="305"/>
                                         </p:tgtEl>
                                         <p:attrNameLst>
                                           <p:attrName>style.visibility</p:attrName>
@@ -8703,7 +10660,7 @@
                                       <p:cBhvr>
                                         <p:cTn id="22" fill="hold"/>
                                         <p:tgtEl>
-                                          <p:spTgt spid="267"/>
+                                          <p:spTgt spid="299"/>
                                         </p:tgtEl>
                                         <p:attrNameLst>
                                           <p:attrName>style.visibility</p:attrName>
@@ -8747,7 +10704,7 @@
                                       <p:cBhvr>
                                         <p:cTn id="26" fill="hold"/>
                                         <p:tgtEl>
-                                          <p:spTgt spid="268"/>
+                                          <p:spTgt spid="300"/>
                                         </p:tgtEl>
                                         <p:attrNameLst>
                                           <p:attrName>style.visibility</p:attrName>
@@ -8791,7 +10748,7 @@
                                       <p:cBhvr>
                                         <p:cTn id="30" fill="hold"/>
                                         <p:tgtEl>
-                                          <p:spTgt spid="270"/>
+                                          <p:spTgt spid="302"/>
                                         </p:tgtEl>
                                         <p:attrNameLst>
                                           <p:attrName>style.visibility</p:attrName>
@@ -8835,7 +10792,7 @@
                                       <p:cBhvr>
                                         <p:cTn id="34" fill="hold"/>
                                         <p:tgtEl>
-                                          <p:spTgt spid="269"/>
+                                          <p:spTgt spid="301"/>
                                         </p:tgtEl>
                                         <p:attrNameLst>
                                           <p:attrName>style.visibility</p:attrName>
@@ -8879,7 +10836,7 @@
                                       <p:cBhvr>
                                         <p:cTn id="38" fill="hold"/>
                                         <p:tgtEl>
-                                          <p:spTgt spid="271"/>
+                                          <p:spTgt spid="303"/>
                                         </p:tgtEl>
                                         <p:attrNameLst>
                                           <p:attrName>style.visibility</p:attrName>
@@ -8923,7 +10880,7 @@
                                       <p:cBhvr>
                                         <p:cTn id="42" fill="hold"/>
                                         <p:tgtEl>
-                                          <p:spTgt spid="272"/>
+                                          <p:spTgt spid="304"/>
                                         </p:tgtEl>
                                         <p:attrNameLst>
                                           <p:attrName>style.visibility</p:attrName>
@@ -8964,22 +10921,22 @@
       </p:par>
     </p:tnLst>
     <p:bldLst>
-      <p:bldP build="whole" bldLvl="1" animBg="1" rev="0" advAuto="0" spid="273" grpId="4"/>
-      <p:bldP build="whole" bldLvl="1" animBg="1" rev="0" advAuto="0" spid="266" grpId="3"/>
-      <p:bldP build="whole" bldLvl="1" animBg="1" rev="0" advAuto="0" spid="268" grpId="6"/>
-      <p:bldP build="whole" bldLvl="1" animBg="1" rev="0" advAuto="0" spid="270" grpId="7"/>
-      <p:bldP build="whole" bldLvl="1" animBg="1" rev="0" advAuto="0" spid="272" grpId="10"/>
-      <p:bldP build="whole" bldLvl="1" animBg="1" rev="0" advAuto="0" spid="261" grpId="2"/>
-      <p:bldP build="whole" bldLvl="1" animBg="1" rev="0" advAuto="0" spid="265" grpId="1"/>
-      <p:bldP build="whole" bldLvl="1" animBg="1" rev="0" advAuto="0" spid="269" grpId="8"/>
-      <p:bldP build="whole" bldLvl="1" animBg="1" rev="0" advAuto="0" spid="271" grpId="9"/>
-      <p:bldP build="whole" bldLvl="1" animBg="1" rev="0" advAuto="0" spid="267" grpId="5"/>
+      <p:bldP build="whole" bldLvl="1" animBg="1" rev="0" advAuto="0" spid="293" grpId="2"/>
+      <p:bldP build="whole" bldLvl="1" animBg="1" rev="0" advAuto="0" spid="303" grpId="9"/>
+      <p:bldP build="whole" bldLvl="1" animBg="1" rev="0" advAuto="0" spid="297" grpId="1"/>
+      <p:bldP build="whole" bldLvl="1" animBg="1" rev="0" advAuto="0" spid="301" grpId="8"/>
+      <p:bldP build="whole" bldLvl="1" animBg="1" rev="0" advAuto="0" spid="299" grpId="5"/>
+      <p:bldP build="whole" bldLvl="1" animBg="1" rev="0" advAuto="0" spid="300" grpId="6"/>
+      <p:bldP build="whole" bldLvl="1" animBg="1" rev="0" advAuto="0" spid="298" grpId="3"/>
+      <p:bldP build="whole" bldLvl="1" animBg="1" rev="0" advAuto="0" spid="302" grpId="7"/>
+      <p:bldP build="whole" bldLvl="1" animBg="1" rev="0" advAuto="0" spid="304" grpId="10"/>
+      <p:bldP build="whole" bldLvl="1" animBg="1" rev="0" advAuto="0" spid="305" grpId="4"/>
     </p:bldLst>
   </p:timing>
 </p:sld>
 </file>
 
-<file path=ppt/slides/slide14.xml><?xml version="1.0" encoding="utf-8"?>
+<file path=ppt/slides/slide19.xml><?xml version="1.0" encoding="utf-8"?>
 <p:sld xmlns:a="http://schemas.openxmlformats.org/drawingml/2006/main" xmlns:r="http://schemas.openxmlformats.org/officeDocument/2006/relationships" xmlns:p="http://schemas.openxmlformats.org/presentationml/2006/main" xmlns:m="http://schemas.openxmlformats.org/officeDocument/2006/math" xmlns:a14="http://schemas.microsoft.com/office/drawing/2010/main" showMasterSp="1" showMasterPhAnim="1">
   <p:cSld>
     <p:spTree>
@@ -8998,7 +10955,7 @@
       </p:grpSpPr>
       <p:sp>
         <p:nvSpPr>
-          <p:cNvPr id="275" name="Solving Recurrence Relation"/>
+          <p:cNvPr id="307" name="Solving Recurrence Relation"/>
           <p:cNvSpPr txBox="1"/>
           <p:nvPr>
             <p:ph type="title"/>
@@ -9022,7 +10979,7 @@
       </p:sp>
       <p:sp>
         <p:nvSpPr>
-          <p:cNvPr id="276" name="Slide Number"/>
+          <p:cNvPr id="308" name="Slide Number"/>
           <p:cNvSpPr txBox="1"/>
           <p:nvPr>
             <p:ph type="sldNum" sz="quarter" idx="2"/>
@@ -9049,7 +11006,7 @@
       </p:sp>
       <p:sp>
         <p:nvSpPr>
-          <p:cNvPr id="277" name="DAA/Divide and Conquer"/>
+          <p:cNvPr id="309" name="DAA/Divide and Conquer"/>
           <p:cNvSpPr txBox="1"/>
           <p:nvPr/>
         </p:nvSpPr>
@@ -9089,7 +11046,7 @@
       </p:sp>
       <p:sp>
         <p:nvSpPr>
-          <p:cNvPr id="278" name="RPR/"/>
+          <p:cNvPr id="310" name="RPR/"/>
           <p:cNvSpPr txBox="1"/>
           <p:nvPr/>
         </p:nvSpPr>
@@ -9129,7 +11086,7 @@
       </p:sp>
       <p:sp>
         <p:nvSpPr>
-          <p:cNvPr id="279" name="Equation"/>
+          <p:cNvPr id="311" name="Equation"/>
           <p:cNvSpPr txBox="1"/>
           <p:nvPr/>
         </p:nvSpPr>
@@ -9324,7 +11281,7 @@
       </p:sp>
       <p:sp>
         <p:nvSpPr>
-          <p:cNvPr id="280" name="Equation"/>
+          <p:cNvPr id="312" name="Equation"/>
           <p:cNvSpPr txBox="1"/>
           <p:nvPr/>
         </p:nvSpPr>
@@ -9564,7 +11521,7 @@
       </p:sp>
       <p:sp>
         <p:nvSpPr>
-          <p:cNvPr id="281" name="Equation"/>
+          <p:cNvPr id="313" name="Equation"/>
           <p:cNvSpPr txBox="1"/>
           <p:nvPr/>
         </p:nvSpPr>
@@ -10008,7 +11965,7 @@
       </p:sp>
       <p:sp>
         <p:nvSpPr>
-          <p:cNvPr id="282" name="Equation"/>
+          <p:cNvPr id="314" name="Equation"/>
           <p:cNvSpPr txBox="1"/>
           <p:nvPr/>
         </p:nvSpPr>
@@ -10295,7 +12252,7 @@
       </p:sp>
       <p:sp>
         <p:nvSpPr>
-          <p:cNvPr id="283" name="Thus, T(n) depends upon a, b, and f()"/>
+          <p:cNvPr id="315" name="Thus, T(n) depends upon a, b, and f()"/>
           <p:cNvSpPr txBox="1"/>
           <p:nvPr/>
         </p:nvSpPr>
@@ -10389,7 +12346,7 @@
       </p:sp>
       <p:sp>
         <p:nvSpPr>
-          <p:cNvPr id="284" name="As n=bk, then k=logbn, thus…"/>
+          <p:cNvPr id="316" name="As n=bk, then k=logbn, thus…"/>
           <p:cNvSpPr txBox="1"/>
           <p:nvPr/>
         </p:nvSpPr>
@@ -10549,7 +12506,7 @@
       </p:sp>
       <p:sp>
         <p:nvSpPr>
-          <p:cNvPr id="285" name="Equation"/>
+          <p:cNvPr id="317" name="Equation"/>
           <p:cNvSpPr txBox="1"/>
           <p:nvPr/>
         </p:nvSpPr>
@@ -11116,7 +13073,7 @@
                                       <p:cBhvr>
                                         <p:cTn id="6" fill="hold"/>
                                         <p:tgtEl>
-                                          <p:spTgt spid="279"/>
+                                          <p:spTgt spid="311"/>
                                         </p:tgtEl>
                                         <p:attrNameLst>
                                           <p:attrName>style.visibility</p:attrName>
@@ -11160,7 +13117,7 @@
                                       <p:cBhvr>
                                         <p:cTn id="10" fill="hold"/>
                                         <p:tgtEl>
-                                          <p:spTgt spid="280"/>
+                                          <p:spTgt spid="312"/>
                                         </p:tgtEl>
                                         <p:attrNameLst>
                                           <p:attrName>style.visibility</p:attrName>
@@ -11204,7 +13161,7 @@
                                       <p:cBhvr>
                                         <p:cTn id="14" fill="hold"/>
                                         <p:tgtEl>
-                                          <p:spTgt spid="281"/>
+                                          <p:spTgt spid="313"/>
                                         </p:tgtEl>
                                         <p:attrNameLst>
                                           <p:attrName>style.visibility</p:attrName>
@@ -11248,7 +13205,7 @@
                                       <p:cBhvr>
                                         <p:cTn id="18" fill="hold"/>
                                         <p:tgtEl>
-                                          <p:spTgt spid="282"/>
+                                          <p:spTgt spid="314"/>
                                         </p:tgtEl>
                                         <p:attrNameLst>
                                           <p:attrName>style.visibility</p:attrName>
@@ -11292,7 +13249,7 @@
                                       <p:cBhvr>
                                         <p:cTn id="22" fill="hold"/>
                                         <p:tgtEl>
-                                          <p:spTgt spid="283"/>
+                                          <p:spTgt spid="315"/>
                                         </p:tgtEl>
                                         <p:attrNameLst>
                                           <p:attrName>style.visibility</p:attrName>
@@ -11336,7 +13293,7 @@
                                       <p:cBhvr>
                                         <p:cTn id="26" fill="hold"/>
                                         <p:tgtEl>
-                                          <p:spTgt spid="284">
+                                          <p:spTgt spid="316">
                                             <p:bg/>
                                           </p:spTgt>
                                         </p:tgtEl>
@@ -11364,7 +13321,7 @@
                                       <p:cBhvr>
                                         <p:cTn id="28" fill="hold"/>
                                         <p:tgtEl>
-                                          <p:spTgt spid="284">
+                                          <p:spTgt spid="316">
                                             <p:txEl>
                                               <p:pRg st="0" end="0"/>
                                             </p:txEl>
@@ -11412,7 +13369,7 @@
                                       <p:cBhvr>
                                         <p:cTn id="32" fill="hold"/>
                                         <p:tgtEl>
-                                          <p:spTgt spid="284">
+                                          <p:spTgt spid="316">
                                             <p:txEl>
                                               <p:pRg st="1" end="1"/>
                                             </p:txEl>
@@ -11460,7 +13417,7 @@
                                       <p:cBhvr>
                                         <p:cTn id="36" fill="hold"/>
                                         <p:tgtEl>
-                                          <p:spTgt spid="285"/>
+                                          <p:spTgt spid="317"/>
                                         </p:tgtEl>
                                         <p:attrNameLst>
                                           <p:attrName>style.visibility</p:attrName>
@@ -11501,19 +13458,19 @@
       </p:par>
     </p:tnLst>
     <p:bldLst>
-      <p:bldP build="whole" bldLvl="1" animBg="1" rev="0" advAuto="0" spid="279" grpId="1"/>
-      <p:bldP build="whole" bldLvl="1" animBg="1" rev="0" advAuto="0" spid="283" grpId="5"/>
-      <p:bldP build="whole" bldLvl="1" animBg="1" rev="0" advAuto="0" spid="281" grpId="3"/>
-      <p:bldP build="whole" bldLvl="1" animBg="1" rev="0" advAuto="0" spid="280" grpId="2"/>
-      <p:bldP build="whole" bldLvl="1" animBg="1" rev="0" advAuto="0" spid="285" grpId="7"/>
-      <p:bldP build="whole" bldLvl="1" animBg="1" rev="0" advAuto="0" spid="282" grpId="4"/>
-      <p:bldP build="p" bldLvl="5" animBg="1" rev="0" advAuto="0" spid="284" grpId="6"/>
+      <p:bldP build="p" bldLvl="5" animBg="1" rev="0" advAuto="0" spid="316" grpId="6"/>
+      <p:bldP build="whole" bldLvl="1" animBg="1" rev="0" advAuto="0" spid="315" grpId="5"/>
+      <p:bldP build="whole" bldLvl="1" animBg="1" rev="0" advAuto="0" spid="311" grpId="1"/>
+      <p:bldP build="whole" bldLvl="1" animBg="1" rev="0" advAuto="0" spid="312" grpId="2"/>
+      <p:bldP build="whole" bldLvl="1" animBg="1" rev="0" advAuto="0" spid="314" grpId="4"/>
+      <p:bldP build="whole" bldLvl="1" animBg="1" rev="0" advAuto="0" spid="313" grpId="3"/>
+      <p:bldP build="whole" bldLvl="1" animBg="1" rev="0" advAuto="0" spid="317" grpId="7"/>
     </p:bldLst>
   </p:timing>
 </p:sld>
 </file>
 
-<file path=ppt/slides/slide15.xml><?xml version="1.0" encoding="utf-8"?>
+<file path=ppt/slides/slide2.xml><?xml version="1.0" encoding="utf-8"?>
 <p:sld xmlns:a="http://schemas.openxmlformats.org/drawingml/2006/main" xmlns:r="http://schemas.openxmlformats.org/officeDocument/2006/relationships" xmlns:p="http://schemas.openxmlformats.org/presentationml/2006/main" xmlns:m="http://schemas.openxmlformats.org/officeDocument/2006/math" xmlns:a14="http://schemas.microsoft.com/office/drawing/2010/main" showMasterSp="1" showMasterPhAnim="1">
   <p:cSld>
     <p:spTree>
@@ -11532,7 +13489,7 @@
       </p:grpSpPr>
       <p:sp>
         <p:nvSpPr>
-          <p:cNvPr id="287" name="Recurrence Relation: Examples"/>
+          <p:cNvPr id="47" name="Resources"/>
           <p:cNvSpPr txBox="1"/>
           <p:nvPr>
             <p:ph type="title"/>
@@ -11549,14 +13506,14 @@
           <a:p>
             <a:pPr/>
             <a:r>
-              <a:t>Recurrence Relation: Examples </a:t>
+              <a:t>Resources</a:t>
             </a:r>
           </a:p>
         </p:txBody>
       </p:sp>
       <p:sp>
         <p:nvSpPr>
-          <p:cNvPr id="288" name="Example 01: a=2, b=2,T(1)=1,f(n)=n…"/>
+          <p:cNvPr id="48" name="Text book 2: Horowitz…"/>
           <p:cNvSpPr txBox="1"/>
           <p:nvPr>
             <p:ph type="body" idx="1"/>
@@ -11564,8 +13521,8 @@
         </p:nvSpPr>
         <p:spPr>
           <a:xfrm>
-            <a:off x="679425" y="962434"/>
-            <a:ext cx="9048800" cy="4287936"/>
+            <a:off x="679425" y="938113"/>
+            <a:ext cx="9048800" cy="5891610"/>
           </a:xfrm>
           <a:prstGeom prst="rect">
             <a:avLst/>
@@ -11575,556 +13532,31 @@
           <a:bodyPr/>
           <a:lstStyle/>
           <a:p>
-            <a:pPr marL="382587" indent="-342899">
-              <a:spcBef>
-                <a:spcPts val="200"/>
-              </a:spcBef>
-              <a:defRPr sz="2900"/>
-            </a:pPr>
-            <a:r>
-              <a:t>Example </a:t>
-            </a:r>
-            <a:r>
-              <a:rPr>
-                <a:latin typeface="Arial"/>
-                <a:ea typeface="Arial"/>
-                <a:cs typeface="Arial"/>
-                <a:sym typeface="Arial"/>
-              </a:rPr>
-              <a:t>01</a:t>
-            </a:r>
-            <a:r>
-              <a:t>: </a:t>
-            </a:r>
-            <a:r>
-              <a:rPr>
-                <a:latin typeface="Courier New"/>
-                <a:ea typeface="Courier New"/>
-                <a:cs typeface="Courier New"/>
-                <a:sym typeface="Courier New"/>
-              </a:rPr>
-              <a:t>a=2, b=2,T(1)=1,f(n)=n</a:t>
-            </a:r>
-            <a:endParaRPr>
-              <a:latin typeface="Courier New"/>
-              <a:ea typeface="Courier New"/>
-              <a:cs typeface="Courier New"/>
-              <a:sym typeface="Courier New"/>
-            </a:endParaRPr>
+            <a:pPr/>
+            <a:r>
+              <a:t>Text book 2: Horowitz</a:t>
+            </a:r>
           </a:p>
           <a:p>
-            <a:pPr lvl="1" marL="0" indent="228600">
-              <a:spcBef>
-                <a:spcPts val="200"/>
-              </a:spcBef>
-              <a:buSzTx/>
-              <a:buNone/>
-              <a:defRPr sz="2900"/>
-            </a:pPr>
-            <a:r>
-              <a:rPr>
-                <a:latin typeface="Courier New"/>
-                <a:ea typeface="Courier New"/>
-                <a:cs typeface="Courier New"/>
-                <a:sym typeface="Courier New"/>
-              </a:rPr>
-              <a:t>T(n)=2T(n/2)+n</a:t>
-            </a:r>
-            <a:endParaRPr>
-              <a:latin typeface="Courier New"/>
-              <a:ea typeface="Courier New"/>
-              <a:cs typeface="Courier New"/>
-              <a:sym typeface="Courier New"/>
-            </a:endParaRPr>
+            <a:pPr/>
+            <a:r>
+              <a:t>Text book 1: Levitin</a:t>
+            </a:r>
           </a:p>
           <a:p>
-            <a:pPr lvl="4" marL="0" indent="914400">
-              <a:spcBef>
-                <a:spcPts val="200"/>
-              </a:spcBef>
-              <a:buSzTx/>
-              <a:buNone/>
-              <a:defRPr sz="2900"/>
-            </a:pPr>
-            <a:r>
-              <a:rPr>
-                <a:latin typeface="Courier New"/>
-                <a:ea typeface="Courier New"/>
-                <a:cs typeface="Courier New"/>
-                <a:sym typeface="Courier New"/>
+            <a:pPr/>
+            <a:r>
+              <a:rPr u="sng">
+                <a:hlinkClick r:id="rId2" invalidUrl="" action="" tgtFrame="" tooltip="" history="1" highlightClick="0" endSnd="0"/>
               </a:rPr>
-              <a:t>= 2[2T(n/2</a:t>
-            </a:r>
-            <a:r>
-              <a:rPr baseline="31999">
-                <a:latin typeface="Courier New"/>
-                <a:ea typeface="Courier New"/>
-                <a:cs typeface="Courier New"/>
-                <a:sym typeface="Courier New"/>
-              </a:rPr>
-              <a:t>2</a:t>
-            </a:r>
-            <a:r>
-              <a:rPr>
-                <a:latin typeface="Courier New"/>
-                <a:ea typeface="Courier New"/>
-                <a:cs typeface="Courier New"/>
-                <a:sym typeface="Courier New"/>
-              </a:rPr>
-              <a:t>)+n/2]=2</a:t>
-            </a:r>
-            <a:r>
-              <a:rPr baseline="31999">
-                <a:latin typeface="Courier New"/>
-                <a:ea typeface="Courier New"/>
-                <a:cs typeface="Courier New"/>
-                <a:sym typeface="Courier New"/>
-              </a:rPr>
-              <a:t>2</a:t>
-            </a:r>
-            <a:r>
-              <a:rPr>
-                <a:latin typeface="Courier New"/>
-                <a:ea typeface="Courier New"/>
-                <a:cs typeface="Courier New"/>
-                <a:sym typeface="Courier New"/>
-              </a:rPr>
-              <a:t>T(n/2</a:t>
-            </a:r>
-            <a:r>
-              <a:rPr baseline="31999">
-                <a:latin typeface="Courier New"/>
-                <a:ea typeface="Courier New"/>
-                <a:cs typeface="Courier New"/>
-                <a:sym typeface="Courier New"/>
-              </a:rPr>
-              <a:t>2</a:t>
-            </a:r>
-            <a:r>
-              <a:rPr>
-                <a:latin typeface="Courier New"/>
-                <a:ea typeface="Courier New"/>
-                <a:cs typeface="Courier New"/>
-                <a:sym typeface="Courier New"/>
-              </a:rPr>
-              <a:t>)+n+n</a:t>
-            </a:r>
-            <a:endParaRPr>
-              <a:latin typeface="Courier New"/>
-              <a:ea typeface="Courier New"/>
-              <a:cs typeface="Courier New"/>
-              <a:sym typeface="Courier New"/>
-            </a:endParaRPr>
-          </a:p>
-          <a:p>
-            <a:pPr lvl="4" marL="0" indent="914400">
-              <a:spcBef>
-                <a:spcPts val="200"/>
-              </a:spcBef>
-              <a:buSzTx/>
-              <a:buNone/>
-              <a:defRPr sz="2900"/>
-            </a:pPr>
-            <a:r>
-              <a:rPr>
-                <a:latin typeface="Courier New"/>
-                <a:ea typeface="Courier New"/>
-                <a:cs typeface="Courier New"/>
-                <a:sym typeface="Courier New"/>
-              </a:rPr>
-              <a:t>=</a:t>
-            </a:r>
-            <a:r>
-              <a:t>  </a:t>
-            </a:r>
-            <a:r>
-              <a:rPr>
-                <a:latin typeface="Courier New"/>
-                <a:ea typeface="Courier New"/>
-                <a:cs typeface="Courier New"/>
-                <a:sym typeface="Courier New"/>
-              </a:rPr>
-              <a:t>2</a:t>
-            </a:r>
-            <a:r>
-              <a:rPr baseline="31999">
-                <a:latin typeface="Courier New"/>
-                <a:ea typeface="Courier New"/>
-                <a:cs typeface="Courier New"/>
-                <a:sym typeface="Courier New"/>
-              </a:rPr>
-              <a:t>3</a:t>
-            </a:r>
-            <a:r>
-              <a:rPr>
-                <a:latin typeface="Courier New"/>
-                <a:ea typeface="Courier New"/>
-                <a:cs typeface="Courier New"/>
-                <a:sym typeface="Courier New"/>
-              </a:rPr>
-              <a:t>T(n/2</a:t>
-            </a:r>
-            <a:r>
-              <a:rPr baseline="31999">
-                <a:latin typeface="Courier New"/>
-                <a:ea typeface="Courier New"/>
-                <a:cs typeface="Courier New"/>
-                <a:sym typeface="Courier New"/>
-              </a:rPr>
-              <a:t>3</a:t>
-            </a:r>
-            <a:r>
-              <a:rPr>
-                <a:latin typeface="Courier New"/>
-                <a:ea typeface="Courier New"/>
-                <a:cs typeface="Courier New"/>
-                <a:sym typeface="Courier New"/>
-              </a:rPr>
-              <a:t>)+n+n+n</a:t>
-            </a:r>
-            <a:endParaRPr>
-              <a:latin typeface="Courier New"/>
-              <a:ea typeface="Courier New"/>
-              <a:cs typeface="Courier New"/>
-              <a:sym typeface="Courier New"/>
-            </a:endParaRPr>
-          </a:p>
-          <a:p>
-            <a:pPr lvl="4" marL="0" indent="914400">
-              <a:spcBef>
-                <a:spcPts val="200"/>
-              </a:spcBef>
-              <a:buSzTx/>
-              <a:buNone/>
-              <a:defRPr sz="2900"/>
-            </a:pPr>
-            <a:r>
-              <a:rPr>
-                <a:latin typeface="Courier New"/>
-                <a:ea typeface="Courier New"/>
-                <a:cs typeface="Courier New"/>
-                <a:sym typeface="Courier New"/>
-              </a:rPr>
-              <a:t>= 2</a:t>
-            </a:r>
-            <a:r>
-              <a:rPr baseline="31999">
-                <a:latin typeface="Courier New"/>
-                <a:ea typeface="Courier New"/>
-                <a:cs typeface="Courier New"/>
-                <a:sym typeface="Courier New"/>
-              </a:rPr>
-              <a:t>k</a:t>
-            </a:r>
-            <a:r>
-              <a:rPr>
-                <a:latin typeface="Courier New"/>
-                <a:ea typeface="Courier New"/>
-                <a:cs typeface="Courier New"/>
-                <a:sym typeface="Courier New"/>
-              </a:rPr>
-              <a:t>T(1)+n+…+n </a:t>
-            </a:r>
-            <a:r>
-              <a:rPr>
-                <a:latin typeface="Gill Sans MT"/>
-                <a:ea typeface="Gill Sans MT"/>
-                <a:cs typeface="Gill Sans MT"/>
-                <a:sym typeface="Gill Sans MT"/>
-              </a:rPr>
-              <a:t>(</a:t>
-            </a:r>
-            <a:r>
-              <a:rPr>
-                <a:latin typeface="Courier New"/>
-                <a:ea typeface="Courier New"/>
-                <a:cs typeface="Courier New"/>
-                <a:sym typeface="Courier New"/>
-              </a:rPr>
-              <a:t>log</a:t>
-            </a:r>
-            <a:r>
-              <a:rPr baseline="-5999">
-                <a:latin typeface="Courier New"/>
-                <a:ea typeface="Courier New"/>
-                <a:cs typeface="Courier New"/>
-                <a:sym typeface="Courier New"/>
-              </a:rPr>
-              <a:t>2</a:t>
-            </a:r>
-            <a:r>
-              <a:rPr>
-                <a:latin typeface="Courier New"/>
-                <a:ea typeface="Courier New"/>
-                <a:cs typeface="Courier New"/>
-                <a:sym typeface="Courier New"/>
-              </a:rPr>
-              <a:t>n</a:t>
-            </a:r>
-            <a:r>
-              <a:rPr>
-                <a:latin typeface="Gill Sans MT"/>
-                <a:ea typeface="Gill Sans MT"/>
-                <a:cs typeface="Gill Sans MT"/>
-                <a:sym typeface="Gill Sans MT"/>
-              </a:rPr>
-              <a:t> times)</a:t>
-            </a:r>
-            <a:endParaRPr>
-              <a:latin typeface="Courier New"/>
-              <a:ea typeface="Courier New"/>
-              <a:cs typeface="Courier New"/>
-              <a:sym typeface="Courier New"/>
-            </a:endParaRPr>
-          </a:p>
-          <a:p>
-            <a:pPr lvl="4" marL="0" indent="914400">
-              <a:spcBef>
-                <a:spcPts val="200"/>
-              </a:spcBef>
-              <a:buSzTx/>
-              <a:buNone/>
-              <a:defRPr sz="2900"/>
-            </a:pPr>
-            <a:r>
-              <a:rPr>
-                <a:latin typeface="Courier New"/>
-                <a:ea typeface="Courier New"/>
-                <a:cs typeface="Courier New"/>
-                <a:sym typeface="Courier New"/>
-              </a:rPr>
-              <a:t>= 2</a:t>
-            </a:r>
-            <a:r>
-              <a:rPr baseline="31999">
-                <a:latin typeface="Courier New"/>
-                <a:ea typeface="Courier New"/>
-                <a:cs typeface="Courier New"/>
-                <a:sym typeface="Courier New"/>
-              </a:rPr>
-              <a:t>k</a:t>
-            </a:r>
-            <a:r>
-              <a:rPr>
-                <a:latin typeface="Courier New"/>
-                <a:ea typeface="Courier New"/>
-                <a:cs typeface="Courier New"/>
-                <a:sym typeface="Courier New"/>
-              </a:rPr>
-              <a:t>+n.log</a:t>
-            </a:r>
-            <a:r>
-              <a:rPr baseline="-5999">
-                <a:latin typeface="Courier New"/>
-                <a:ea typeface="Courier New"/>
-                <a:cs typeface="Courier New"/>
-                <a:sym typeface="Courier New"/>
-              </a:rPr>
-              <a:t>2</a:t>
-            </a:r>
-            <a:r>
-              <a:rPr>
-                <a:latin typeface="Courier New"/>
-                <a:ea typeface="Courier New"/>
-                <a:cs typeface="Courier New"/>
-                <a:sym typeface="Courier New"/>
-              </a:rPr>
-              <a:t>n</a:t>
-            </a:r>
-            <a:endParaRPr>
-              <a:latin typeface="Courier New"/>
-              <a:ea typeface="Courier New"/>
-              <a:cs typeface="Courier New"/>
-              <a:sym typeface="Courier New"/>
-            </a:endParaRPr>
-          </a:p>
-          <a:p>
-            <a:pPr lvl="4" marL="0" indent="914400">
-              <a:spcBef>
-                <a:spcPts val="200"/>
-              </a:spcBef>
-              <a:buSzTx/>
-              <a:buNone/>
-              <a:defRPr sz="2900"/>
-            </a:pPr>
-            <a:r>
-              <a:rPr>
-                <a:latin typeface="Courier New"/>
-                <a:ea typeface="Courier New"/>
-                <a:cs typeface="Courier New"/>
-                <a:sym typeface="Courier New"/>
-              </a:rPr>
-              <a:t>= n + n.(log</a:t>
-            </a:r>
-            <a:r>
-              <a:rPr baseline="-5999">
-                <a:latin typeface="Courier New"/>
-                <a:ea typeface="Courier New"/>
-                <a:cs typeface="Courier New"/>
-                <a:sym typeface="Courier New"/>
-              </a:rPr>
-              <a:t>2</a:t>
-            </a:r>
-            <a:r>
-              <a:rPr>
-                <a:latin typeface="Courier New"/>
-                <a:ea typeface="Courier New"/>
-                <a:cs typeface="Courier New"/>
-                <a:sym typeface="Courier New"/>
-              </a:rPr>
-              <a:t>n)</a:t>
-            </a:r>
-            <a:endParaRPr>
-              <a:latin typeface="Courier New"/>
-              <a:ea typeface="Courier New"/>
-              <a:cs typeface="Courier New"/>
-              <a:sym typeface="Courier New"/>
-            </a:endParaRPr>
-          </a:p>
-          <a:p>
-            <a:pPr lvl="4" marL="0" indent="914400">
-              <a:spcBef>
-                <a:spcPts val="200"/>
-              </a:spcBef>
-              <a:buSzTx/>
-              <a:buNone/>
-              <a:defRPr sz="2900"/>
-            </a:pPr>
-            <a:r>
-              <a:rPr>
-                <a:latin typeface="Courier New"/>
-                <a:ea typeface="Courier New"/>
-                <a:cs typeface="Courier New"/>
-                <a:sym typeface="Courier New"/>
-              </a:rPr>
-              <a:t>= n + nlog</a:t>
-            </a:r>
-            <a:r>
-              <a:rPr baseline="-5999">
-                <a:latin typeface="Courier New"/>
-                <a:ea typeface="Courier New"/>
-                <a:cs typeface="Courier New"/>
-                <a:sym typeface="Courier New"/>
-              </a:rPr>
-              <a:t>2</a:t>
-            </a:r>
-            <a:r>
-              <a:rPr>
-                <a:latin typeface="Courier New"/>
-                <a:ea typeface="Courier New"/>
-                <a:cs typeface="Courier New"/>
-                <a:sym typeface="Courier New"/>
-              </a:rPr>
-              <a:t>n = Θ(nlog</a:t>
-            </a:r>
-            <a:r>
-              <a:rPr baseline="-5999">
-                <a:latin typeface="Courier New"/>
-                <a:ea typeface="Courier New"/>
-                <a:cs typeface="Courier New"/>
-                <a:sym typeface="Courier New"/>
-              </a:rPr>
-              <a:t>2</a:t>
-            </a:r>
-            <a:r>
-              <a:rPr>
-                <a:latin typeface="Courier New"/>
-                <a:ea typeface="Courier New"/>
-                <a:cs typeface="Courier New"/>
-                <a:sym typeface="Courier New"/>
-              </a:rPr>
-              <a:t>n)</a:t>
-            </a:r>
-            <a:endParaRPr>
-              <a:latin typeface="Courier New"/>
-              <a:ea typeface="Courier New"/>
-              <a:cs typeface="Courier New"/>
-              <a:sym typeface="Courier New"/>
-            </a:endParaRPr>
-          </a:p>
-          <a:p>
-            <a:pPr lvl="1" marL="0" indent="228600">
-              <a:spcBef>
-                <a:spcPts val="200"/>
-              </a:spcBef>
-              <a:buSzTx/>
-              <a:buNone/>
-              <a:defRPr sz="2900">
-                <a:latin typeface="Gill Sans MT"/>
-                <a:ea typeface="Gill Sans MT"/>
-                <a:cs typeface="Gill Sans MT"/>
-                <a:sym typeface="Gill Sans MT"/>
-              </a:defRPr>
-            </a:pPr>
-            <a:r>
-              <a:t>Using the eqn (1)</a:t>
-            </a:r>
-          </a:p>
-          <a:p>
-            <a:pPr lvl="2" marL="0" indent="457200">
-              <a:spcBef>
-                <a:spcPts val="200"/>
-              </a:spcBef>
-              <a:buSzTx/>
-              <a:buNone/>
-              <a:defRPr sz="2900">
-                <a:latin typeface="Courier New"/>
-                <a:ea typeface="Courier New"/>
-                <a:cs typeface="Courier New"/>
-                <a:sym typeface="Courier New"/>
-              </a:defRPr>
-            </a:pPr>
-            <a:r>
-              <a:t>log</a:t>
-            </a:r>
-            <a:r>
-              <a:rPr baseline="-5999"/>
-              <a:t>b</a:t>
-            </a:r>
-            <a:r>
-              <a:t>a=log</a:t>
-            </a:r>
-            <a:r>
-              <a:rPr baseline="-5999"/>
-              <a:t>2</a:t>
-            </a:r>
-            <a:r>
-              <a:t>2=1, b/a=1→f(b</a:t>
-            </a:r>
-            <a:r>
-              <a:rPr baseline="31999"/>
-              <a:t>j</a:t>
-            </a:r>
-            <a:r>
-              <a:t>)/a</a:t>
-            </a:r>
-            <a:r>
-              <a:rPr baseline="31999"/>
-              <a:t>j</a:t>
-            </a:r>
-            <a:r>
-              <a:t>=b</a:t>
-            </a:r>
-            <a:r>
-              <a:rPr baseline="31999"/>
-              <a:t>j</a:t>
-            </a:r>
-            <a:r>
-              <a:t>/a</a:t>
-            </a:r>
-            <a:r>
-              <a:rPr baseline="31999"/>
-              <a:t>j</a:t>
-            </a:r>
-            <a:r>
-              <a:t>=1</a:t>
+              <a:t>https://visualgo.net/en</a:t>
             </a:r>
           </a:p>
         </p:txBody>
       </p:sp>
       <p:sp>
         <p:nvSpPr>
-          <p:cNvPr id="289" name="Slide Number"/>
+          <p:cNvPr id="49" name="Slide Number"/>
           <p:cNvSpPr txBox="1"/>
           <p:nvPr>
             <p:ph type="sldNum" sz="quarter" idx="2"/>
@@ -12151,7 +13583,7 @@
       </p:sp>
       <p:sp>
         <p:nvSpPr>
-          <p:cNvPr id="290" name="DAA/Divide and Conquer"/>
+          <p:cNvPr id="50" name="DAA/Divide and Conquer"/>
           <p:cNvSpPr txBox="1"/>
           <p:nvPr/>
         </p:nvSpPr>
@@ -12191,7 +13623,7 @@
       </p:sp>
       <p:sp>
         <p:nvSpPr>
-          <p:cNvPr id="291" name="RPR/"/>
+          <p:cNvPr id="51" name="RPR/"/>
           <p:cNvSpPr txBox="1"/>
           <p:nvPr/>
         </p:nvSpPr>
@@ -12229,9 +13661,950 @@
           </a:p>
         </p:txBody>
       </p:sp>
+    </p:spTree>
+  </p:cSld>
+  <p:clrMapOvr>
+    <a:masterClrMapping/>
+  </p:clrMapOvr>
+  <mc:AlternateContent xmlns:mc="http://schemas.openxmlformats.org/markup-compatibility/2006">
+    <mc:Choice xmlns:p14="http://schemas.microsoft.com/office/powerpoint/2010/main" Requires="p14">
+      <p:transition spd="med" advClick="1" p14:dur="899">
+        <p:wipe dir="l"/>
+      </p:transition>
+    </mc:Choice>
+    <mc:Fallback>
+      <p:transition spd="med">
+        <p:fade/>
+      </p:transition>
+    </mc:Fallback>
+  </mc:AlternateContent>
+  <p:timing>
+    <p:tnLst>
+      <p:par>
+        <p:cTn id="1" nodeType="tmRoot" restart="never" dur="indefinite" fill="hold">
+          <p:childTnLst>
+            <p:seq concurrent="1" prevAc="none" nextAc="seek">
+              <p:cTn id="2" nodeType="mainSeq" dur="indefinite" fill="hold">
+                <p:childTnLst>
+                  <p:par>
+                    <p:cTn id="3" fill="hold">
+                      <p:stCondLst>
+                        <p:cond delay="indefinite"/>
+                      </p:stCondLst>
+                      <p:childTnLst>
+                        <p:par>
+                          <p:cTn id="4" fill="hold">
+                            <p:stCondLst>
+                              <p:cond delay="0"/>
+                            </p:stCondLst>
+                            <p:childTnLst>
+                              <p:par>
+                                <p:cTn id="5" presetClass="entr" nodeType="clickEffect" presetSubtype="0" presetID="1" grpId="1" fill="hold">
+                                  <p:stCondLst>
+                                    <p:cond delay="0"/>
+                                  </p:stCondLst>
+                                  <p:iterate type="el" backwards="0">
+                                    <p:tmAbs val="0"/>
+                                  </p:iterate>
+                                  <p:childTnLst>
+                                    <p:set>
+                                      <p:cBhvr>
+                                        <p:cTn id="6" fill="hold"/>
+                                        <p:tgtEl>
+                                          <p:spTgt spid="48">
+                                            <p:bg/>
+                                          </p:spTgt>
+                                        </p:tgtEl>
+                                        <p:attrNameLst>
+                                          <p:attrName>style.visibility</p:attrName>
+                                        </p:attrNameLst>
+                                      </p:cBhvr>
+                                      <p:to>
+                                        <p:strVal val="visible"/>
+                                      </p:to>
+                                    </p:set>
+                                  </p:childTnLst>
+                                </p:cTn>
+                              </p:par>
+                              <p:par>
+                                <p:cTn id="7" presetClass="entr" nodeType="withEffect" presetSubtype="0" presetID="1" grpId="1" fill="hold">
+                                  <p:stCondLst>
+                                    <p:cond delay="0"/>
+                                  </p:stCondLst>
+                                  <p:iterate type="el" backwards="0">
+                                    <p:tmAbs val="0"/>
+                                  </p:iterate>
+                                  <p:childTnLst>
+                                    <p:set>
+                                      <p:cBhvr>
+                                        <p:cTn id="8" fill="hold"/>
+                                        <p:tgtEl>
+                                          <p:spTgt spid="48">
+                                            <p:txEl>
+                                              <p:pRg st="0" end="0"/>
+                                            </p:txEl>
+                                          </p:spTgt>
+                                        </p:tgtEl>
+                                        <p:attrNameLst>
+                                          <p:attrName>style.visibility</p:attrName>
+                                        </p:attrNameLst>
+                                      </p:cBhvr>
+                                      <p:to>
+                                        <p:strVal val="visible"/>
+                                      </p:to>
+                                    </p:set>
+                                  </p:childTnLst>
+                                </p:cTn>
+                              </p:par>
+                            </p:childTnLst>
+                          </p:cTn>
+                        </p:par>
+                      </p:childTnLst>
+                    </p:cTn>
+                  </p:par>
+                  <p:par>
+                    <p:cTn id="9" fill="hold">
+                      <p:stCondLst>
+                        <p:cond delay="indefinite"/>
+                      </p:stCondLst>
+                      <p:childTnLst>
+                        <p:par>
+                          <p:cTn id="10" fill="hold">
+                            <p:stCondLst>
+                              <p:cond delay="0"/>
+                            </p:stCondLst>
+                            <p:childTnLst>
+                              <p:par>
+                                <p:cTn id="11" presetClass="entr" nodeType="clickEffect" presetSubtype="0" presetID="1" grpId="1" fill="hold">
+                                  <p:stCondLst>
+                                    <p:cond delay="0"/>
+                                  </p:stCondLst>
+                                  <p:iterate type="el" backwards="0">
+                                    <p:tmAbs val="0"/>
+                                  </p:iterate>
+                                  <p:childTnLst>
+                                    <p:set>
+                                      <p:cBhvr>
+                                        <p:cTn id="12" fill="hold"/>
+                                        <p:tgtEl>
+                                          <p:spTgt spid="48">
+                                            <p:txEl>
+                                              <p:pRg st="1" end="1"/>
+                                            </p:txEl>
+                                          </p:spTgt>
+                                        </p:tgtEl>
+                                        <p:attrNameLst>
+                                          <p:attrName>style.visibility</p:attrName>
+                                        </p:attrNameLst>
+                                      </p:cBhvr>
+                                      <p:to>
+                                        <p:strVal val="visible"/>
+                                      </p:to>
+                                    </p:set>
+                                  </p:childTnLst>
+                                </p:cTn>
+                              </p:par>
+                            </p:childTnLst>
+                          </p:cTn>
+                        </p:par>
+                      </p:childTnLst>
+                    </p:cTn>
+                  </p:par>
+                  <p:par>
+                    <p:cTn id="13" fill="hold">
+                      <p:stCondLst>
+                        <p:cond delay="indefinite"/>
+                      </p:stCondLst>
+                      <p:childTnLst>
+                        <p:par>
+                          <p:cTn id="14" fill="hold">
+                            <p:stCondLst>
+                              <p:cond delay="0"/>
+                            </p:stCondLst>
+                            <p:childTnLst>
+                              <p:par>
+                                <p:cTn id="15" presetClass="entr" nodeType="clickEffect" presetSubtype="0" presetID="1" grpId="1" fill="hold">
+                                  <p:stCondLst>
+                                    <p:cond delay="0"/>
+                                  </p:stCondLst>
+                                  <p:iterate type="el" backwards="0">
+                                    <p:tmAbs val="0"/>
+                                  </p:iterate>
+                                  <p:childTnLst>
+                                    <p:set>
+                                      <p:cBhvr>
+                                        <p:cTn id="16" fill="hold"/>
+                                        <p:tgtEl>
+                                          <p:spTgt spid="48">
+                                            <p:txEl>
+                                              <p:pRg st="2" end="2"/>
+                                            </p:txEl>
+                                          </p:spTgt>
+                                        </p:tgtEl>
+                                        <p:attrNameLst>
+                                          <p:attrName>style.visibility</p:attrName>
+                                        </p:attrNameLst>
+                                      </p:cBhvr>
+                                      <p:to>
+                                        <p:strVal val="visible"/>
+                                      </p:to>
+                                    </p:set>
+                                  </p:childTnLst>
+                                </p:cTn>
+                              </p:par>
+                            </p:childTnLst>
+                          </p:cTn>
+                        </p:par>
+                      </p:childTnLst>
+                    </p:cTn>
+                  </p:par>
+                </p:childTnLst>
+              </p:cTn>
+              <p:prevCondLst>
+                <p:cond evt="onPrev">
+                  <p:tgtEl>
+                    <p:sldTgt/>
+                  </p:tgtEl>
+                </p:cond>
+              </p:prevCondLst>
+              <p:nextCondLst>
+                <p:cond evt="onNext">
+                  <p:tgtEl>
+                    <p:sldTgt/>
+                  </p:tgtEl>
+                </p:cond>
+              </p:nextCondLst>
+            </p:seq>
+          </p:childTnLst>
+        </p:cTn>
+      </p:par>
+    </p:tnLst>
+    <p:bldLst>
+      <p:bldP build="p" bldLvl="5" animBg="1" rev="0" advAuto="0" spid="48" grpId="1"/>
+    </p:bldLst>
+  </p:timing>
+</p:sld>
+</file>
+
+<file path=ppt/slides/slide20.xml><?xml version="1.0" encoding="utf-8"?>
+<p:sld xmlns:a="http://schemas.openxmlformats.org/drawingml/2006/main" xmlns:r="http://schemas.openxmlformats.org/officeDocument/2006/relationships" xmlns:p="http://schemas.openxmlformats.org/presentationml/2006/main" xmlns:m="http://schemas.openxmlformats.org/officeDocument/2006/math" xmlns:a14="http://schemas.microsoft.com/office/drawing/2010/main" showMasterSp="1" showMasterPhAnim="1">
+  <p:cSld>
+    <p:spTree>
+      <p:nvGrpSpPr>
+        <p:cNvPr id="1" name=""/>
+        <p:cNvGrpSpPr/>
+        <p:nvPr/>
+      </p:nvGrpSpPr>
+      <p:grpSpPr>
+        <a:xfrm>
+          <a:off x="0" y="0"/>
+          <a:ext cx="0" cy="0"/>
+          <a:chOff x="0" y="0"/>
+          <a:chExt cx="0" cy="0"/>
+        </a:xfrm>
+      </p:grpSpPr>
       <p:sp>
         <p:nvSpPr>
-          <p:cNvPr id="292" name="Equation"/>
+          <p:cNvPr id="319" name="Recurrence Relation: Examples"/>
+          <p:cNvSpPr txBox="1"/>
+          <p:nvPr>
+            <p:ph type="title"/>
+          </p:nvPr>
+        </p:nvSpPr>
+        <p:spPr>
+          <a:prstGeom prst="rect">
+            <a:avLst/>
+          </a:prstGeom>
+        </p:spPr>
+        <p:txBody>
+          <a:bodyPr/>
+          <a:lstStyle/>
+          <a:p>
+            <a:pPr/>
+            <a:r>
+              <a:t>Recurrence Relation: Examples </a:t>
+            </a:r>
+          </a:p>
+        </p:txBody>
+      </p:sp>
+      <p:sp>
+        <p:nvSpPr>
+          <p:cNvPr id="320" name="Example 01: a=2, b=2,T(1)=1,f(n)=n…"/>
+          <p:cNvSpPr txBox="1"/>
+          <p:nvPr>
+            <p:ph type="body" idx="1"/>
+          </p:nvPr>
+        </p:nvSpPr>
+        <p:spPr>
+          <a:xfrm>
+            <a:off x="679425" y="962434"/>
+            <a:ext cx="9048800" cy="4287936"/>
+          </a:xfrm>
+          <a:prstGeom prst="rect">
+            <a:avLst/>
+          </a:prstGeom>
+        </p:spPr>
+        <p:txBody>
+          <a:bodyPr/>
+          <a:lstStyle/>
+          <a:p>
+            <a:pPr marL="382587" indent="-342899">
+              <a:spcBef>
+                <a:spcPts val="200"/>
+              </a:spcBef>
+              <a:defRPr sz="2900"/>
+            </a:pPr>
+            <a:r>
+              <a:t>Example </a:t>
+            </a:r>
+            <a:r>
+              <a:rPr>
+                <a:latin typeface="Arial"/>
+                <a:ea typeface="Arial"/>
+                <a:cs typeface="Arial"/>
+                <a:sym typeface="Arial"/>
+              </a:rPr>
+              <a:t>01</a:t>
+            </a:r>
+            <a:r>
+              <a:t>: </a:t>
+            </a:r>
+            <a:r>
+              <a:rPr>
+                <a:latin typeface="Courier New"/>
+                <a:ea typeface="Courier New"/>
+                <a:cs typeface="Courier New"/>
+                <a:sym typeface="Courier New"/>
+              </a:rPr>
+              <a:t>a=2, b=2,T(1)=1,f(n)=n</a:t>
+            </a:r>
+            <a:endParaRPr>
+              <a:latin typeface="Courier New"/>
+              <a:ea typeface="Courier New"/>
+              <a:cs typeface="Courier New"/>
+              <a:sym typeface="Courier New"/>
+            </a:endParaRPr>
+          </a:p>
+          <a:p>
+            <a:pPr lvl="1" marL="0" indent="228600">
+              <a:spcBef>
+                <a:spcPts val="200"/>
+              </a:spcBef>
+              <a:buSzTx/>
+              <a:buNone/>
+              <a:defRPr sz="2900"/>
+            </a:pPr>
+            <a:r>
+              <a:rPr>
+                <a:latin typeface="Courier New"/>
+                <a:ea typeface="Courier New"/>
+                <a:cs typeface="Courier New"/>
+                <a:sym typeface="Courier New"/>
+              </a:rPr>
+              <a:t>T(n)=2T(n/2)+n</a:t>
+            </a:r>
+            <a:endParaRPr>
+              <a:latin typeface="Courier New"/>
+              <a:ea typeface="Courier New"/>
+              <a:cs typeface="Courier New"/>
+              <a:sym typeface="Courier New"/>
+            </a:endParaRPr>
+          </a:p>
+          <a:p>
+            <a:pPr lvl="4" marL="0" indent="914400">
+              <a:spcBef>
+                <a:spcPts val="200"/>
+              </a:spcBef>
+              <a:buSzTx/>
+              <a:buNone/>
+              <a:defRPr sz="2900"/>
+            </a:pPr>
+            <a:r>
+              <a:rPr>
+                <a:latin typeface="Courier New"/>
+                <a:ea typeface="Courier New"/>
+                <a:cs typeface="Courier New"/>
+                <a:sym typeface="Courier New"/>
+              </a:rPr>
+              <a:t>= 2[2T(n/2</a:t>
+            </a:r>
+            <a:r>
+              <a:rPr baseline="31999">
+                <a:latin typeface="Courier New"/>
+                <a:ea typeface="Courier New"/>
+                <a:cs typeface="Courier New"/>
+                <a:sym typeface="Courier New"/>
+              </a:rPr>
+              <a:t>2</a:t>
+            </a:r>
+            <a:r>
+              <a:rPr>
+                <a:latin typeface="Courier New"/>
+                <a:ea typeface="Courier New"/>
+                <a:cs typeface="Courier New"/>
+                <a:sym typeface="Courier New"/>
+              </a:rPr>
+              <a:t>)+n/2]=2</a:t>
+            </a:r>
+            <a:r>
+              <a:rPr baseline="31999">
+                <a:latin typeface="Courier New"/>
+                <a:ea typeface="Courier New"/>
+                <a:cs typeface="Courier New"/>
+                <a:sym typeface="Courier New"/>
+              </a:rPr>
+              <a:t>2</a:t>
+            </a:r>
+            <a:r>
+              <a:rPr>
+                <a:latin typeface="Courier New"/>
+                <a:ea typeface="Courier New"/>
+                <a:cs typeface="Courier New"/>
+                <a:sym typeface="Courier New"/>
+              </a:rPr>
+              <a:t>T(n/2</a:t>
+            </a:r>
+            <a:r>
+              <a:rPr baseline="31999">
+                <a:latin typeface="Courier New"/>
+                <a:ea typeface="Courier New"/>
+                <a:cs typeface="Courier New"/>
+                <a:sym typeface="Courier New"/>
+              </a:rPr>
+              <a:t>2</a:t>
+            </a:r>
+            <a:r>
+              <a:rPr>
+                <a:latin typeface="Courier New"/>
+                <a:ea typeface="Courier New"/>
+                <a:cs typeface="Courier New"/>
+                <a:sym typeface="Courier New"/>
+              </a:rPr>
+              <a:t>)+n+n</a:t>
+            </a:r>
+            <a:endParaRPr>
+              <a:latin typeface="Courier New"/>
+              <a:ea typeface="Courier New"/>
+              <a:cs typeface="Courier New"/>
+              <a:sym typeface="Courier New"/>
+            </a:endParaRPr>
+          </a:p>
+          <a:p>
+            <a:pPr lvl="4" marL="0" indent="914400">
+              <a:spcBef>
+                <a:spcPts val="200"/>
+              </a:spcBef>
+              <a:buSzTx/>
+              <a:buNone/>
+              <a:defRPr sz="2900"/>
+            </a:pPr>
+            <a:r>
+              <a:rPr>
+                <a:latin typeface="Courier New"/>
+                <a:ea typeface="Courier New"/>
+                <a:cs typeface="Courier New"/>
+                <a:sym typeface="Courier New"/>
+              </a:rPr>
+              <a:t>=</a:t>
+            </a:r>
+            <a:r>
+              <a:t>  </a:t>
+            </a:r>
+            <a:r>
+              <a:rPr>
+                <a:latin typeface="Courier New"/>
+                <a:ea typeface="Courier New"/>
+                <a:cs typeface="Courier New"/>
+                <a:sym typeface="Courier New"/>
+              </a:rPr>
+              <a:t>2</a:t>
+            </a:r>
+            <a:r>
+              <a:rPr baseline="31999">
+                <a:latin typeface="Courier New"/>
+                <a:ea typeface="Courier New"/>
+                <a:cs typeface="Courier New"/>
+                <a:sym typeface="Courier New"/>
+              </a:rPr>
+              <a:t>3</a:t>
+            </a:r>
+            <a:r>
+              <a:rPr>
+                <a:latin typeface="Courier New"/>
+                <a:ea typeface="Courier New"/>
+                <a:cs typeface="Courier New"/>
+                <a:sym typeface="Courier New"/>
+              </a:rPr>
+              <a:t>T(n/2</a:t>
+            </a:r>
+            <a:r>
+              <a:rPr baseline="31999">
+                <a:latin typeface="Courier New"/>
+                <a:ea typeface="Courier New"/>
+                <a:cs typeface="Courier New"/>
+                <a:sym typeface="Courier New"/>
+              </a:rPr>
+              <a:t>3</a:t>
+            </a:r>
+            <a:r>
+              <a:rPr>
+                <a:latin typeface="Courier New"/>
+                <a:ea typeface="Courier New"/>
+                <a:cs typeface="Courier New"/>
+                <a:sym typeface="Courier New"/>
+              </a:rPr>
+              <a:t>)+n+n+n</a:t>
+            </a:r>
+            <a:endParaRPr>
+              <a:latin typeface="Courier New"/>
+              <a:ea typeface="Courier New"/>
+              <a:cs typeface="Courier New"/>
+              <a:sym typeface="Courier New"/>
+            </a:endParaRPr>
+          </a:p>
+          <a:p>
+            <a:pPr lvl="4" marL="0" indent="914400">
+              <a:spcBef>
+                <a:spcPts val="200"/>
+              </a:spcBef>
+              <a:buSzTx/>
+              <a:buNone/>
+              <a:defRPr sz="2900"/>
+            </a:pPr>
+            <a:r>
+              <a:rPr>
+                <a:latin typeface="Courier New"/>
+                <a:ea typeface="Courier New"/>
+                <a:cs typeface="Courier New"/>
+                <a:sym typeface="Courier New"/>
+              </a:rPr>
+              <a:t>= 2</a:t>
+            </a:r>
+            <a:r>
+              <a:rPr baseline="31999">
+                <a:latin typeface="Courier New"/>
+                <a:ea typeface="Courier New"/>
+                <a:cs typeface="Courier New"/>
+                <a:sym typeface="Courier New"/>
+              </a:rPr>
+              <a:t>k</a:t>
+            </a:r>
+            <a:r>
+              <a:rPr>
+                <a:latin typeface="Courier New"/>
+                <a:ea typeface="Courier New"/>
+                <a:cs typeface="Courier New"/>
+                <a:sym typeface="Courier New"/>
+              </a:rPr>
+              <a:t>T(1)+n+…+n </a:t>
+            </a:r>
+            <a:r>
+              <a:rPr>
+                <a:latin typeface="Gill Sans MT"/>
+                <a:ea typeface="Gill Sans MT"/>
+                <a:cs typeface="Gill Sans MT"/>
+                <a:sym typeface="Gill Sans MT"/>
+              </a:rPr>
+              <a:t>(</a:t>
+            </a:r>
+            <a:r>
+              <a:rPr>
+                <a:latin typeface="Courier New"/>
+                <a:ea typeface="Courier New"/>
+                <a:cs typeface="Courier New"/>
+                <a:sym typeface="Courier New"/>
+              </a:rPr>
+              <a:t>log</a:t>
+            </a:r>
+            <a:r>
+              <a:rPr baseline="-5999">
+                <a:latin typeface="Courier New"/>
+                <a:ea typeface="Courier New"/>
+                <a:cs typeface="Courier New"/>
+                <a:sym typeface="Courier New"/>
+              </a:rPr>
+              <a:t>2</a:t>
+            </a:r>
+            <a:r>
+              <a:rPr>
+                <a:latin typeface="Courier New"/>
+                <a:ea typeface="Courier New"/>
+                <a:cs typeface="Courier New"/>
+                <a:sym typeface="Courier New"/>
+              </a:rPr>
+              <a:t>n</a:t>
+            </a:r>
+            <a:r>
+              <a:rPr>
+                <a:latin typeface="Gill Sans MT"/>
+                <a:ea typeface="Gill Sans MT"/>
+                <a:cs typeface="Gill Sans MT"/>
+                <a:sym typeface="Gill Sans MT"/>
+              </a:rPr>
+              <a:t> times)</a:t>
+            </a:r>
+            <a:endParaRPr>
+              <a:latin typeface="Courier New"/>
+              <a:ea typeface="Courier New"/>
+              <a:cs typeface="Courier New"/>
+              <a:sym typeface="Courier New"/>
+            </a:endParaRPr>
+          </a:p>
+          <a:p>
+            <a:pPr lvl="4" marL="0" indent="914400">
+              <a:spcBef>
+                <a:spcPts val="200"/>
+              </a:spcBef>
+              <a:buSzTx/>
+              <a:buNone/>
+              <a:defRPr sz="2900"/>
+            </a:pPr>
+            <a:r>
+              <a:rPr>
+                <a:latin typeface="Courier New"/>
+                <a:ea typeface="Courier New"/>
+                <a:cs typeface="Courier New"/>
+                <a:sym typeface="Courier New"/>
+              </a:rPr>
+              <a:t>= 2</a:t>
+            </a:r>
+            <a:r>
+              <a:rPr baseline="31999">
+                <a:latin typeface="Courier New"/>
+                <a:ea typeface="Courier New"/>
+                <a:cs typeface="Courier New"/>
+                <a:sym typeface="Courier New"/>
+              </a:rPr>
+              <a:t>k</a:t>
+            </a:r>
+            <a:r>
+              <a:rPr>
+                <a:latin typeface="Courier New"/>
+                <a:ea typeface="Courier New"/>
+                <a:cs typeface="Courier New"/>
+                <a:sym typeface="Courier New"/>
+              </a:rPr>
+              <a:t>+n.log</a:t>
+            </a:r>
+            <a:r>
+              <a:rPr baseline="-5999">
+                <a:latin typeface="Courier New"/>
+                <a:ea typeface="Courier New"/>
+                <a:cs typeface="Courier New"/>
+                <a:sym typeface="Courier New"/>
+              </a:rPr>
+              <a:t>2</a:t>
+            </a:r>
+            <a:r>
+              <a:rPr>
+                <a:latin typeface="Courier New"/>
+                <a:ea typeface="Courier New"/>
+                <a:cs typeface="Courier New"/>
+                <a:sym typeface="Courier New"/>
+              </a:rPr>
+              <a:t>n</a:t>
+            </a:r>
+            <a:endParaRPr>
+              <a:latin typeface="Courier New"/>
+              <a:ea typeface="Courier New"/>
+              <a:cs typeface="Courier New"/>
+              <a:sym typeface="Courier New"/>
+            </a:endParaRPr>
+          </a:p>
+          <a:p>
+            <a:pPr lvl="4" marL="0" indent="914400">
+              <a:spcBef>
+                <a:spcPts val="200"/>
+              </a:spcBef>
+              <a:buSzTx/>
+              <a:buNone/>
+              <a:defRPr sz="2900"/>
+            </a:pPr>
+            <a:r>
+              <a:rPr>
+                <a:latin typeface="Courier New"/>
+                <a:ea typeface="Courier New"/>
+                <a:cs typeface="Courier New"/>
+                <a:sym typeface="Courier New"/>
+              </a:rPr>
+              <a:t>= n + n.(log</a:t>
+            </a:r>
+            <a:r>
+              <a:rPr baseline="-5999">
+                <a:latin typeface="Courier New"/>
+                <a:ea typeface="Courier New"/>
+                <a:cs typeface="Courier New"/>
+                <a:sym typeface="Courier New"/>
+              </a:rPr>
+              <a:t>2</a:t>
+            </a:r>
+            <a:r>
+              <a:rPr>
+                <a:latin typeface="Courier New"/>
+                <a:ea typeface="Courier New"/>
+                <a:cs typeface="Courier New"/>
+                <a:sym typeface="Courier New"/>
+              </a:rPr>
+              <a:t>n)</a:t>
+            </a:r>
+            <a:endParaRPr>
+              <a:latin typeface="Courier New"/>
+              <a:ea typeface="Courier New"/>
+              <a:cs typeface="Courier New"/>
+              <a:sym typeface="Courier New"/>
+            </a:endParaRPr>
+          </a:p>
+          <a:p>
+            <a:pPr lvl="4" marL="0" indent="914400">
+              <a:spcBef>
+                <a:spcPts val="200"/>
+              </a:spcBef>
+              <a:buSzTx/>
+              <a:buNone/>
+              <a:defRPr sz="2900"/>
+            </a:pPr>
+            <a:r>
+              <a:rPr>
+                <a:latin typeface="Courier New"/>
+                <a:ea typeface="Courier New"/>
+                <a:cs typeface="Courier New"/>
+                <a:sym typeface="Courier New"/>
+              </a:rPr>
+              <a:t>= n + nlog</a:t>
+            </a:r>
+            <a:r>
+              <a:rPr baseline="-5999">
+                <a:latin typeface="Courier New"/>
+                <a:ea typeface="Courier New"/>
+                <a:cs typeface="Courier New"/>
+                <a:sym typeface="Courier New"/>
+              </a:rPr>
+              <a:t>2</a:t>
+            </a:r>
+            <a:r>
+              <a:rPr>
+                <a:latin typeface="Courier New"/>
+                <a:ea typeface="Courier New"/>
+                <a:cs typeface="Courier New"/>
+                <a:sym typeface="Courier New"/>
+              </a:rPr>
+              <a:t>n = Θ(nlog</a:t>
+            </a:r>
+            <a:r>
+              <a:rPr baseline="-5999">
+                <a:latin typeface="Courier New"/>
+                <a:ea typeface="Courier New"/>
+                <a:cs typeface="Courier New"/>
+                <a:sym typeface="Courier New"/>
+              </a:rPr>
+              <a:t>2</a:t>
+            </a:r>
+            <a:r>
+              <a:rPr>
+                <a:latin typeface="Courier New"/>
+                <a:ea typeface="Courier New"/>
+                <a:cs typeface="Courier New"/>
+                <a:sym typeface="Courier New"/>
+              </a:rPr>
+              <a:t>n)</a:t>
+            </a:r>
+            <a:endParaRPr>
+              <a:latin typeface="Courier New"/>
+              <a:ea typeface="Courier New"/>
+              <a:cs typeface="Courier New"/>
+              <a:sym typeface="Courier New"/>
+            </a:endParaRPr>
+          </a:p>
+          <a:p>
+            <a:pPr lvl="1" marL="0" indent="228600">
+              <a:spcBef>
+                <a:spcPts val="200"/>
+              </a:spcBef>
+              <a:buSzTx/>
+              <a:buNone/>
+              <a:defRPr sz="2900">
+                <a:latin typeface="Gill Sans MT"/>
+                <a:ea typeface="Gill Sans MT"/>
+                <a:cs typeface="Gill Sans MT"/>
+                <a:sym typeface="Gill Sans MT"/>
+              </a:defRPr>
+            </a:pPr>
+            <a:r>
+              <a:t>Using the eqn (1)</a:t>
+            </a:r>
+          </a:p>
+          <a:p>
+            <a:pPr lvl="2" marL="0" indent="457200">
+              <a:spcBef>
+                <a:spcPts val="200"/>
+              </a:spcBef>
+              <a:buSzTx/>
+              <a:buNone/>
+              <a:defRPr sz="2900">
+                <a:latin typeface="Courier New"/>
+                <a:ea typeface="Courier New"/>
+                <a:cs typeface="Courier New"/>
+                <a:sym typeface="Courier New"/>
+              </a:defRPr>
+            </a:pPr>
+            <a:r>
+              <a:t>log</a:t>
+            </a:r>
+            <a:r>
+              <a:rPr baseline="-5999"/>
+              <a:t>b</a:t>
+            </a:r>
+            <a:r>
+              <a:t>a=log</a:t>
+            </a:r>
+            <a:r>
+              <a:rPr baseline="-5999"/>
+              <a:t>2</a:t>
+            </a:r>
+            <a:r>
+              <a:t>2=1, b/a=1→f(b</a:t>
+            </a:r>
+            <a:r>
+              <a:rPr baseline="31999"/>
+              <a:t>j</a:t>
+            </a:r>
+            <a:r>
+              <a:t>)/a</a:t>
+            </a:r>
+            <a:r>
+              <a:rPr baseline="31999"/>
+              <a:t>j</a:t>
+            </a:r>
+            <a:r>
+              <a:t>=b</a:t>
+            </a:r>
+            <a:r>
+              <a:rPr baseline="31999"/>
+              <a:t>j</a:t>
+            </a:r>
+            <a:r>
+              <a:t>/a</a:t>
+            </a:r>
+            <a:r>
+              <a:rPr baseline="31999"/>
+              <a:t>j</a:t>
+            </a:r>
+            <a:r>
+              <a:t>=1</a:t>
+            </a:r>
+          </a:p>
+        </p:txBody>
+      </p:sp>
+      <p:sp>
+        <p:nvSpPr>
+          <p:cNvPr id="321" name="Slide Number"/>
+          <p:cNvSpPr txBox="1"/>
+          <p:nvPr>
+            <p:ph type="sldNum" sz="quarter" idx="2"/>
+          </p:nvPr>
+        </p:nvSpPr>
+        <p:spPr>
+          <a:prstGeom prst="rect">
+            <a:avLst/>
+          </a:prstGeom>
+          <a:extLst>
+            <a:ext uri="{C572A759-6A51-4108-AA02-DFA0A04FC94B}">
+              <ma14:wrappingTextBoxFlag xmlns:ma14="http://schemas.microsoft.com/office/mac/drawingml/2011/main" val="1"/>
+            </a:ext>
+          </a:extLst>
+        </p:spPr>
+        <p:txBody>
+          <a:bodyPr/>
+          <a:lstStyle/>
+          <a:p>
+            <a:pPr/>
+            <a:fld id="{86CB4B4D-7CA3-9044-876B-883B54F8677D}" type="slidenum"/>
+          </a:p>
+        </p:txBody>
+      </p:sp>
+      <p:sp>
+        <p:nvSpPr>
+          <p:cNvPr id="322" name="DAA/Divide and Conquer"/>
+          <p:cNvSpPr txBox="1"/>
+          <p:nvPr/>
+        </p:nvSpPr>
+        <p:spPr>
+          <a:xfrm>
+            <a:off x="423212" y="6963885"/>
+            <a:ext cx="3371712" cy="431552"/>
+          </a:xfrm>
+          <a:prstGeom prst="rect">
+            <a:avLst/>
+          </a:prstGeom>
+          <a:ln w="12700">
+            <a:miter lim="400000"/>
+          </a:ln>
+          <a:extLst>
+            <a:ext uri="{C572A759-6A51-4108-AA02-DFA0A04FC94B}">
+              <ma14:wrappingTextBoxFlag xmlns:ma14="http://schemas.microsoft.com/office/mac/drawingml/2011/main" val="1"/>
+            </a:ext>
+          </a:extLst>
+        </p:spPr>
+        <p:txBody>
+          <a:bodyPr wrap="none" lIns="50800" tIns="50800" rIns="50800" bIns="50800" anchor="ctr">
+            <a:spAutoFit/>
+          </a:bodyPr>
+          <a:lstStyle>
+            <a:lvl1pPr>
+              <a:defRPr sz="2400"/>
+            </a:lvl1pPr>
+          </a:lstStyle>
+          <a:p>
+            <a:pPr/>
+            <a:r>
+              <a:t>DAA/Divide and Conquer</a:t>
+            </a:r>
+          </a:p>
+        </p:txBody>
+      </p:sp>
+      <p:sp>
+        <p:nvSpPr>
+          <p:cNvPr id="323" name="RPR/"/>
+          <p:cNvSpPr txBox="1"/>
+          <p:nvPr/>
+        </p:nvSpPr>
+        <p:spPr>
+          <a:xfrm>
+            <a:off x="7535212" y="6988206"/>
+            <a:ext cx="705605" cy="382910"/>
+          </a:xfrm>
+          <a:prstGeom prst="rect">
+            <a:avLst/>
+          </a:prstGeom>
+          <a:ln w="12700">
+            <a:miter lim="400000"/>
+          </a:ln>
+          <a:extLst>
+            <a:ext uri="{C572A759-6A51-4108-AA02-DFA0A04FC94B}">
+              <ma14:wrappingTextBoxFlag xmlns:ma14="http://schemas.microsoft.com/office/mac/drawingml/2011/main" val="1"/>
+            </a:ext>
+          </a:extLst>
+        </p:spPr>
+        <p:txBody>
+          <a:bodyPr wrap="none" lIns="50800" tIns="50800" rIns="50800" bIns="50800" anchor="ctr">
+            <a:spAutoFit/>
+          </a:bodyPr>
+          <a:lstStyle>
+            <a:lvl1pPr>
+              <a:defRPr sz="2000"/>
+            </a:lvl1pPr>
+          </a:lstStyle>
+          <a:p>
+            <a:pPr/>
+            <a:r>
+              <a:t>RPR/</a:t>
+            </a:r>
+          </a:p>
+        </p:txBody>
+      </p:sp>
+      <p:sp>
+        <p:nvSpPr>
+          <p:cNvPr id="324" name="Equation"/>
           <p:cNvSpPr txBox="1"/>
           <p:nvPr/>
         </p:nvSpPr>
@@ -12638,7 +15011,7 @@
       </p:sp>
       <p:sp>
         <p:nvSpPr>
-          <p:cNvPr id="293" name="= n[1+(1+1+…(log2n times)+1)]=nlog2n…"/>
+          <p:cNvPr id="325" name="= n[1+(1+1+…(log2n times)+1)]=nlog2n…"/>
           <p:cNvSpPr txBox="1"/>
           <p:nvPr/>
         </p:nvSpPr>
@@ -12857,7 +15230,7 @@
                                       <p:cBhvr>
                                         <p:cTn id="6" fill="hold"/>
                                         <p:tgtEl>
-                                          <p:spTgt spid="288">
+                                          <p:spTgt spid="320">
                                             <p:bg/>
                                           </p:spTgt>
                                         </p:tgtEl>
@@ -12885,7 +15258,7 @@
                                       <p:cBhvr>
                                         <p:cTn id="8" fill="hold"/>
                                         <p:tgtEl>
-                                          <p:spTgt spid="288">
+                                          <p:spTgt spid="320">
                                             <p:txEl>
                                               <p:pRg st="0" end="0"/>
                                             </p:txEl>
@@ -12933,7 +15306,7 @@
                                       <p:cBhvr>
                                         <p:cTn id="12" fill="hold"/>
                                         <p:tgtEl>
-                                          <p:spTgt spid="288">
+                                          <p:spTgt spid="320">
                                             <p:txEl>
                                               <p:pRg st="1" end="1"/>
                                             </p:txEl>
@@ -12981,7 +15354,7 @@
                                       <p:cBhvr>
                                         <p:cTn id="16" fill="hold"/>
                                         <p:tgtEl>
-                                          <p:spTgt spid="288">
+                                          <p:spTgt spid="320">
                                             <p:txEl>
                                               <p:pRg st="2" end="2"/>
                                             </p:txEl>
@@ -13029,7 +15402,7 @@
                                       <p:cBhvr>
                                         <p:cTn id="20" fill="hold"/>
                                         <p:tgtEl>
-                                          <p:spTgt spid="288">
+                                          <p:spTgt spid="320">
                                             <p:txEl>
                                               <p:pRg st="3" end="3"/>
                                             </p:txEl>
@@ -13077,7 +15450,7 @@
                                       <p:cBhvr>
                                         <p:cTn id="24" fill="hold"/>
                                         <p:tgtEl>
-                                          <p:spTgt spid="288">
+                                          <p:spTgt spid="320">
                                             <p:txEl>
                                               <p:pRg st="4" end="4"/>
                                             </p:txEl>
@@ -13125,7 +15498,7 @@
                                       <p:cBhvr>
                                         <p:cTn id="28" fill="hold"/>
                                         <p:tgtEl>
-                                          <p:spTgt spid="288">
+                                          <p:spTgt spid="320">
                                             <p:txEl>
                                               <p:pRg st="5" end="5"/>
                                             </p:txEl>
@@ -13173,7 +15546,7 @@
                                       <p:cBhvr>
                                         <p:cTn id="32" fill="hold"/>
                                         <p:tgtEl>
-                                          <p:spTgt spid="288">
+                                          <p:spTgt spid="320">
                                             <p:txEl>
                                               <p:pRg st="6" end="6"/>
                                             </p:txEl>
@@ -13221,7 +15594,7 @@
                                       <p:cBhvr>
                                         <p:cTn id="36" fill="hold"/>
                                         <p:tgtEl>
-                                          <p:spTgt spid="288">
+                                          <p:spTgt spid="320">
                                             <p:txEl>
                                               <p:pRg st="7" end="7"/>
                                             </p:txEl>
@@ -13269,7 +15642,7 @@
                                       <p:cBhvr>
                                         <p:cTn id="40" fill="hold"/>
                                         <p:tgtEl>
-                                          <p:spTgt spid="288">
+                                          <p:spTgt spid="320">
                                             <p:txEl>
                                               <p:pRg st="8" end="8"/>
                                             </p:txEl>
@@ -13317,7 +15690,7 @@
                                       <p:cBhvr>
                                         <p:cTn id="44" fill="hold"/>
                                         <p:tgtEl>
-                                          <p:spTgt spid="288">
+                                          <p:spTgt spid="320">
                                             <p:txEl>
                                               <p:pRg st="9" end="9"/>
                                             </p:txEl>
@@ -13365,7 +15738,7 @@
                                       <p:cBhvr>
                                         <p:cTn id="48" fill="hold"/>
                                         <p:tgtEl>
-                                          <p:spTgt spid="292"/>
+                                          <p:spTgt spid="324"/>
                                         </p:tgtEl>
                                         <p:attrNameLst>
                                           <p:attrName>style.visibility</p:attrName>
@@ -13409,7 +15782,7 @@
                                       <p:cBhvr>
                                         <p:cTn id="52" fill="hold"/>
                                         <p:tgtEl>
-                                          <p:spTgt spid="293">
+                                          <p:spTgt spid="325">
                                             <p:bg/>
                                           </p:spTgt>
                                         </p:tgtEl>
@@ -13437,7 +15810,7 @@
                                       <p:cBhvr>
                                         <p:cTn id="54" fill="hold"/>
                                         <p:tgtEl>
-                                          <p:spTgt spid="293">
+                                          <p:spTgt spid="325">
                                             <p:txEl>
                                               <p:pRg st="0" end="0"/>
                                             </p:txEl>
@@ -13485,7 +15858,7 @@
                                       <p:cBhvr>
                                         <p:cTn id="58" fill="hold"/>
                                         <p:tgtEl>
-                                          <p:spTgt spid="293">
+                                          <p:spTgt spid="325">
                                             <p:txEl>
                                               <p:pRg st="1" end="1"/>
                                             </p:txEl>
@@ -13533,7 +15906,7 @@
                                       <p:cBhvr>
                                         <p:cTn id="62" fill="hold"/>
                                         <p:tgtEl>
-                                          <p:spTgt spid="293">
+                                          <p:spTgt spid="325">
                                             <p:txEl>
                                               <p:pRg st="2" end="2"/>
                                             </p:txEl>
@@ -13578,15 +15951,15 @@
       </p:par>
     </p:tnLst>
     <p:bldLst>
-      <p:bldP build="whole" bldLvl="1" animBg="1" rev="0" advAuto="0" spid="292" grpId="2"/>
-      <p:bldP build="p" bldLvl="5" animBg="1" rev="0" advAuto="0" spid="293" grpId="3"/>
-      <p:bldP build="p" bldLvl="5" animBg="1" rev="0" advAuto="0" spid="288" grpId="1"/>
+      <p:bldP build="whole" bldLvl="1" animBg="1" rev="0" advAuto="0" spid="324" grpId="2"/>
+      <p:bldP build="p" bldLvl="5" animBg="1" rev="0" advAuto="0" spid="320" grpId="1"/>
+      <p:bldP build="p" bldLvl="5" animBg="1" rev="0" advAuto="0" spid="325" grpId="3"/>
     </p:bldLst>
   </p:timing>
 </p:sld>
 </file>
 
-<file path=ppt/slides/slide16.xml><?xml version="1.0" encoding="utf-8"?>
+<file path=ppt/slides/slide21.xml><?xml version="1.0" encoding="utf-8"?>
 <p:sld xmlns:a="http://schemas.openxmlformats.org/drawingml/2006/main" xmlns:r="http://schemas.openxmlformats.org/officeDocument/2006/relationships" xmlns:p="http://schemas.openxmlformats.org/presentationml/2006/main" xmlns:m="http://schemas.openxmlformats.org/officeDocument/2006/math" xmlns:a14="http://schemas.microsoft.com/office/drawing/2010/main" showMasterSp="1" showMasterPhAnim="1">
   <p:cSld>
     <p:spTree>
@@ -13605,7 +15978,7 @@
       </p:grpSpPr>
       <p:sp>
         <p:nvSpPr>
-          <p:cNvPr id="295" name="Recurrence Relation: Examples"/>
+          <p:cNvPr id="327" name="Recurrence Relation: Examples"/>
           <p:cNvSpPr txBox="1"/>
           <p:nvPr>
             <p:ph type="title"/>
@@ -13629,7 +16002,7 @@
       </p:sp>
       <p:sp>
         <p:nvSpPr>
-          <p:cNvPr id="296" name="Example 02: a=9, b=3,T(1)=4,f(n)=4n6…"/>
+          <p:cNvPr id="328" name="Example 02: a=9, b=3,T(1)=4,f(n)=4n6…"/>
           <p:cNvSpPr txBox="1"/>
           <p:nvPr>
             <p:ph type="body" sz="half" idx="1"/>
@@ -13801,7 +16174,7 @@
       </p:sp>
       <p:sp>
         <p:nvSpPr>
-          <p:cNvPr id="297" name="Slide Number"/>
+          <p:cNvPr id="329" name="Slide Number"/>
           <p:cNvSpPr txBox="1"/>
           <p:nvPr>
             <p:ph type="sldNum" sz="quarter" idx="2"/>
@@ -13828,7 +16201,7 @@
       </p:sp>
       <p:sp>
         <p:nvSpPr>
-          <p:cNvPr id="298" name="DAA/Divide and Conquer"/>
+          <p:cNvPr id="330" name="DAA/Divide and Conquer"/>
           <p:cNvSpPr txBox="1"/>
           <p:nvPr/>
         </p:nvSpPr>
@@ -13868,7 +16241,7 @@
       </p:sp>
       <p:sp>
         <p:nvSpPr>
-          <p:cNvPr id="299" name="RPR/"/>
+          <p:cNvPr id="331" name="RPR/"/>
           <p:cNvSpPr txBox="1"/>
           <p:nvPr/>
         </p:nvSpPr>
@@ -13908,7 +16281,7 @@
       </p:sp>
       <p:sp>
         <p:nvSpPr>
-          <p:cNvPr id="300" name="Equation"/>
+          <p:cNvPr id="332" name="Equation"/>
           <p:cNvSpPr txBox="1"/>
           <p:nvPr/>
         </p:nvSpPr>
@@ -14315,7 +16688,7 @@
       </p:sp>
       <p:sp>
         <p:nvSpPr>
-          <p:cNvPr id="301" name="= n2[4+(4*34+4*34*2+…+4*34*log3n)]…"/>
+          <p:cNvPr id="333" name="= n2[4+(4*34+4*34*2+…+4*34*log3n)]…"/>
           <p:cNvSpPr txBox="1"/>
           <p:nvPr/>
         </p:nvSpPr>
@@ -14794,7 +17167,7 @@
                                       <p:cBhvr>
                                         <p:cTn id="6" fill="hold"/>
                                         <p:tgtEl>
-                                          <p:spTgt spid="296">
+                                          <p:spTgt spid="328">
                                             <p:bg/>
                                           </p:spTgt>
                                         </p:tgtEl>
@@ -14822,7 +17195,7 @@
                                       <p:cBhvr>
                                         <p:cTn id="8" fill="hold"/>
                                         <p:tgtEl>
-                                          <p:spTgt spid="296">
+                                          <p:spTgt spid="328">
                                             <p:txEl>
                                               <p:pRg st="0" end="0"/>
                                             </p:txEl>
@@ -14870,7 +17243,7 @@
                                       <p:cBhvr>
                                         <p:cTn id="12" fill="hold"/>
                                         <p:tgtEl>
-                                          <p:spTgt spid="296">
+                                          <p:spTgt spid="328">
                                             <p:txEl>
                                               <p:pRg st="1" end="1"/>
                                             </p:txEl>
@@ -14918,7 +17291,7 @@
                                       <p:cBhvr>
                                         <p:cTn id="16" fill="hold"/>
                                         <p:tgtEl>
-                                          <p:spTgt spid="296">
+                                          <p:spTgt spid="328">
                                             <p:txEl>
                                               <p:pRg st="2" end="2"/>
                                             </p:txEl>
@@ -14966,7 +17339,7 @@
                                       <p:cBhvr>
                                         <p:cTn id="20" fill="hold"/>
                                         <p:tgtEl>
-                                          <p:spTgt spid="296">
+                                          <p:spTgt spid="328">
                                             <p:txEl>
                                               <p:pRg st="3" end="3"/>
                                             </p:txEl>
@@ -15014,7 +17387,7 @@
                                       <p:cBhvr>
                                         <p:cTn id="24" fill="hold"/>
                                         <p:tgtEl>
-                                          <p:spTgt spid="300"/>
+                                          <p:spTgt spid="332"/>
                                         </p:tgtEl>
                                         <p:attrNameLst>
                                           <p:attrName>style.visibility</p:attrName>
@@ -15058,7 +17431,7 @@
                                       <p:cBhvr>
                                         <p:cTn id="28" fill="hold"/>
                                         <p:tgtEl>
-                                          <p:spTgt spid="301">
+                                          <p:spTgt spid="333">
                                             <p:bg/>
                                           </p:spTgt>
                                         </p:tgtEl>
@@ -15086,7 +17459,7 @@
                                       <p:cBhvr>
                                         <p:cTn id="30" fill="hold"/>
                                         <p:tgtEl>
-                                          <p:spTgt spid="301">
+                                          <p:spTgt spid="333">
                                             <p:txEl>
                                               <p:pRg st="0" end="0"/>
                                             </p:txEl>
@@ -15134,7 +17507,7 @@
                                       <p:cBhvr>
                                         <p:cTn id="34" fill="hold"/>
                                         <p:tgtEl>
-                                          <p:spTgt spid="301">
+                                          <p:spTgt spid="333">
                                             <p:txEl>
                                               <p:pRg st="1" end="1"/>
                                             </p:txEl>
@@ -15182,7 +17555,7 @@
                                       <p:cBhvr>
                                         <p:cTn id="38" fill="hold"/>
                                         <p:tgtEl>
-                                          <p:spTgt spid="301">
+                                          <p:spTgt spid="333">
                                             <p:txEl>
                                               <p:pRg st="2" end="2"/>
                                             </p:txEl>
@@ -15230,7 +17603,7 @@
                                       <p:cBhvr>
                                         <p:cTn id="42" fill="hold"/>
                                         <p:tgtEl>
-                                          <p:spTgt spid="301">
+                                          <p:spTgt spid="333">
                                             <p:txEl>
                                               <p:pRg st="3" end="3"/>
                                             </p:txEl>
@@ -15278,7 +17651,7 @@
                                       <p:cBhvr>
                                         <p:cTn id="46" fill="hold"/>
                                         <p:tgtEl>
-                                          <p:spTgt spid="301">
+                                          <p:spTgt spid="333">
                                             <p:txEl>
                                               <p:pRg st="4" end="4"/>
                                             </p:txEl>
@@ -15323,15 +17696,15 @@
       </p:par>
     </p:tnLst>
     <p:bldLst>
-      <p:bldP build="p" bldLvl="5" animBg="1" rev="0" advAuto="0" spid="301" grpId="3"/>
-      <p:bldP build="p" bldLvl="5" animBg="1" rev="0" advAuto="0" spid="296" grpId="1"/>
-      <p:bldP build="whole" bldLvl="1" animBg="1" rev="0" advAuto="0" spid="300" grpId="2"/>
+      <p:bldP build="p" bldLvl="5" animBg="1" rev="0" advAuto="0" spid="333" grpId="3"/>
+      <p:bldP build="whole" bldLvl="1" animBg="1" rev="0" advAuto="0" spid="332" grpId="2"/>
+      <p:bldP build="p" bldLvl="5" animBg="1" rev="0" advAuto="0" spid="328" grpId="1"/>
     </p:bldLst>
   </p:timing>
 </p:sld>
 </file>
 
-<file path=ppt/slides/slide17.xml><?xml version="1.0" encoding="utf-8"?>
+<file path=ppt/slides/slide22.xml><?xml version="1.0" encoding="utf-8"?>
 <p:sld xmlns:a="http://schemas.openxmlformats.org/drawingml/2006/main" xmlns:r="http://schemas.openxmlformats.org/officeDocument/2006/relationships" xmlns:p="http://schemas.openxmlformats.org/presentationml/2006/main" xmlns:m="http://schemas.openxmlformats.org/officeDocument/2006/math" xmlns:a14="http://schemas.microsoft.com/office/drawing/2010/main" showMasterSp="1" showMasterPhAnim="1">
   <p:cSld>
     <p:spTree>
@@ -15350,59 +17723,13 @@
       </p:grpSpPr>
       <p:sp>
         <p:nvSpPr>
-          <p:cNvPr id="303" name="Fun Exercise of Game of 128 numbers"/>
+          <p:cNvPr id="335" name="Summary: Divide and Conquer"/>
           <p:cNvSpPr txBox="1"/>
           <p:nvPr>
             <p:ph type="title"/>
           </p:nvPr>
         </p:nvSpPr>
         <p:spPr>
-          <a:xfrm>
-            <a:off x="623353" y="93581"/>
-            <a:ext cx="9027875" cy="826489"/>
-          </a:xfrm>
-          <a:prstGeom prst="rect">
-            <a:avLst/>
-          </a:prstGeom>
-        </p:spPr>
-        <p:txBody>
-          <a:bodyPr/>
-          <a:lstStyle/>
-          <a:p>
-            <a:pPr>
-              <a:defRPr sz="4400"/>
-            </a:pPr>
-            <a:r>
-              <a:t>Fun Exercise of Game of </a:t>
-            </a:r>
-            <a:r>
-              <a:rPr>
-                <a:latin typeface="Arial"/>
-                <a:ea typeface="Arial"/>
-                <a:cs typeface="Arial"/>
-                <a:sym typeface="Arial"/>
-              </a:rPr>
-              <a:t>128</a:t>
-            </a:r>
-            <a:r>
-              <a:t> numbers</a:t>
-            </a:r>
-          </a:p>
-        </p:txBody>
-      </p:sp>
-      <p:sp>
-        <p:nvSpPr>
-          <p:cNvPr id="304" name="A practical fun example of Data structures and Algorithm"/>
-          <p:cNvSpPr txBox="1"/>
-          <p:nvPr>
-            <p:ph type="body" idx="1"/>
-          </p:nvPr>
-        </p:nvSpPr>
-        <p:spPr>
-          <a:xfrm>
-            <a:off x="887784" y="938113"/>
-            <a:ext cx="8384432" cy="5743774"/>
-          </a:xfrm>
           <a:prstGeom prst="rect">
             <a:avLst/>
           </a:prstGeom>
@@ -15413,20 +17740,147 @@
           <a:p>
             <a:pPr/>
             <a:r>
-              <a:t>A practical fun example of Data structures and Algorithm</a:t>
+              <a:t>Summary: Divide and Conquer</a:t>
             </a:r>
           </a:p>
         </p:txBody>
       </p:sp>
       <p:sp>
         <p:nvSpPr>
-          <p:cNvPr id="305" name="Slide Number"/>
+          <p:cNvPr id="336" name="Break the problem into smaller subsets…"/>
+          <p:cNvSpPr txBox="1"/>
+          <p:nvPr>
+            <p:ph type="body" idx="1"/>
+          </p:nvPr>
+        </p:nvSpPr>
+        <p:spPr>
+          <a:prstGeom prst="rect">
+            <a:avLst/>
+          </a:prstGeom>
+        </p:spPr>
+        <p:txBody>
+          <a:bodyPr/>
+          <a:lstStyle/>
+          <a:p>
+            <a:pPr/>
+            <a:r>
+              <a:t>Break the problem into smaller subsets</a:t>
+            </a:r>
+          </a:p>
+          <a:p>
+            <a:pPr lvl="1"/>
+            <a:r>
+              <a:t>By a factor </a:t>
+            </a:r>
+            <a:r>
+              <a:rPr>
+                <a:latin typeface="Courier New"/>
+                <a:ea typeface="Courier New"/>
+                <a:cs typeface="Courier New"/>
+                <a:sym typeface="Courier New"/>
+              </a:rPr>
+              <a:t>c</a:t>
+            </a:r>
+            <a:r>
+              <a:t> i.e. </a:t>
+            </a:r>
+            <a:r>
+              <a:rPr>
+                <a:latin typeface="Courier New"/>
+                <a:ea typeface="Courier New"/>
+                <a:cs typeface="Courier New"/>
+                <a:sym typeface="Courier New"/>
+              </a:rPr>
+              <a:t>n</a:t>
+            </a:r>
+            <a:r>
+              <a:t>—&gt; </a:t>
+            </a:r>
+            <a:r>
+              <a:rPr>
+                <a:latin typeface="Courier New"/>
+                <a:ea typeface="Courier New"/>
+                <a:cs typeface="Courier New"/>
+                <a:sym typeface="Courier New"/>
+              </a:rPr>
+              <a:t>n/c</a:t>
+            </a:r>
+          </a:p>
+          <a:p>
+            <a:pPr/>
+            <a:r>
+              <a:t>Conquer (Solve) the sub-problem</a:t>
+            </a:r>
+          </a:p>
+          <a:p>
+            <a:pPr/>
+            <a:r>
+              <a:t>Combine (Merge) the solution of sub-parts</a:t>
+            </a:r>
+          </a:p>
+          <a:p>
+            <a:pPr/>
+            <a:r>
+              <a:t>Example cases</a:t>
+            </a:r>
+          </a:p>
+          <a:p>
+            <a:pPr lvl="1"/>
+            <a:r>
+              <a:t>Sorting and Searching</a:t>
+            </a:r>
+          </a:p>
+          <a:p>
+            <a:pPr lvl="1"/>
+            <a:r>
+              <a:t>Binary Tree traversals</a:t>
+            </a:r>
+          </a:p>
+          <a:p>
+            <a:pPr lvl="1"/>
+            <a:r>
+              <a:t>Binary search</a:t>
+            </a:r>
+          </a:p>
+          <a:p>
+            <a:pPr lvl="1"/>
+            <a:r>
+              <a:t>Multiplication of large numbers (Karatsuba Algo)</a:t>
+            </a:r>
+          </a:p>
+          <a:p>
+            <a:pPr lvl="1"/>
+            <a:r>
+              <a:t>Matrix multiplicatin - Strassen’s algorithm</a:t>
+            </a:r>
+          </a:p>
+          <a:p>
+            <a:pPr lvl="1"/>
+            <a:r>
+              <a:t>Closest pair problem</a:t>
+            </a:r>
+          </a:p>
+          <a:p>
+            <a:pPr lvl="1"/>
+            <a:r>
+              <a:t>Convex Hull problem</a:t>
+            </a:r>
+          </a:p>
+        </p:txBody>
+      </p:sp>
+      <p:sp>
+        <p:nvSpPr>
+          <p:cNvPr id="337" name="Slide Number"/>
           <p:cNvSpPr txBox="1"/>
           <p:nvPr>
             <p:ph type="sldNum" sz="quarter" idx="2"/>
           </p:nvPr>
         </p:nvSpPr>
         <p:spPr>
+          <a:xfrm>
+            <a:off x="8154987" y="6942137"/>
+            <a:ext cx="368301" cy="382911"/>
+          </a:xfrm>
           <a:prstGeom prst="rect">
             <a:avLst/>
           </a:prstGeom>
@@ -15437,7 +17891,7 @@
           </a:extLst>
         </p:spPr>
         <p:txBody>
-          <a:bodyPr/>
+          <a:bodyPr wrap="none"/>
           <a:lstStyle/>
           <a:p>
             <a:pPr/>
@@ -15447,7 +17901,7 @@
       </p:sp>
       <p:sp>
         <p:nvSpPr>
-          <p:cNvPr id="306" name="DAA/Divide and Conquer"/>
+          <p:cNvPr id="338" name="DAA/Divide and Conquer"/>
           <p:cNvSpPr txBox="1"/>
           <p:nvPr/>
         </p:nvSpPr>
@@ -15487,7 +17941,7 @@
       </p:sp>
       <p:sp>
         <p:nvSpPr>
-          <p:cNvPr id="307" name="RPR/"/>
+          <p:cNvPr id="339" name="RPR/"/>
           <p:cNvSpPr txBox="1"/>
           <p:nvPr/>
         </p:nvSpPr>
@@ -15521,210 +17975,6 @@
             <a:pPr/>
             <a:r>
               <a:t>RPR/</a:t>
-            </a:r>
-          </a:p>
-        </p:txBody>
-      </p:sp>
-      <p:pic>
-        <p:nvPicPr>
-          <p:cNvPr id="308" name="droppedImage.png" descr="droppedImage.png"/>
-          <p:cNvPicPr>
-            <a:picLocks noChangeAspect="1"/>
-          </p:cNvPicPr>
-          <p:nvPr/>
-        </p:nvPicPr>
-        <p:blipFill>
-          <a:blip r:embed="rId2">
-            <a:extLst/>
-          </a:blip>
-          <a:stretch>
-            <a:fillRect/>
-          </a:stretch>
-        </p:blipFill>
-        <p:spPr>
-          <a:xfrm>
-            <a:off x="1333500" y="1778000"/>
-            <a:ext cx="3746500" cy="5619750"/>
-          </a:xfrm>
-          <a:prstGeom prst="rect">
-            <a:avLst/>
-          </a:prstGeom>
-        </p:spPr>
-      </p:pic>
-      <p:sp>
-        <p:nvSpPr>
-          <p:cNvPr id="309" name="Game:…"/>
-          <p:cNvSpPr txBox="1"/>
-          <p:nvPr/>
-        </p:nvSpPr>
-        <p:spPr>
-          <a:xfrm>
-            <a:off x="5461000" y="1943100"/>
-            <a:ext cx="4654759" cy="4991100"/>
-          </a:xfrm>
-          <a:prstGeom prst="rect">
-            <a:avLst/>
-          </a:prstGeom>
-          <a:ln w="12700">
-            <a:miter lim="400000"/>
-          </a:ln>
-          <a:extLst>
-            <a:ext uri="{C572A759-6A51-4108-AA02-DFA0A04FC94B}">
-              <ma14:wrappingTextBoxFlag xmlns:ma14="http://schemas.microsoft.com/office/mac/drawingml/2011/main" val="1"/>
-            </a:ext>
-          </a:extLst>
-        </p:spPr>
-        <p:txBody>
-          <a:bodyPr wrap="none" lIns="50800" tIns="50800" rIns="50800" bIns="50800">
-            <a:spAutoFit/>
-          </a:bodyPr>
-          <a:lstStyle/>
-          <a:p>
-            <a:pPr>
-              <a:defRPr b="1" sz="3000">
-                <a:latin typeface="Gill Sans MT"/>
-                <a:ea typeface="Gill Sans MT"/>
-                <a:cs typeface="Gill Sans MT"/>
-                <a:sym typeface="Gill Sans MT"/>
-              </a:defRPr>
-            </a:pPr>
-            <a:r>
-              <a:t>Game:</a:t>
-            </a:r>
-          </a:p>
-          <a:p>
-            <a:pPr>
-              <a:defRPr sz="3000">
-                <a:latin typeface="Gill Sans MT"/>
-                <a:ea typeface="Gill Sans MT"/>
-                <a:cs typeface="Gill Sans MT"/>
-                <a:sym typeface="Gill Sans MT"/>
-              </a:defRPr>
-            </a:pPr>
-            <a:r>
-              <a:t>. Go thru a set of cards</a:t>
-            </a:r>
-          </a:p>
-          <a:p>
-            <a:pPr>
-              <a:defRPr sz="3000">
-                <a:latin typeface="Gill Sans MT"/>
-                <a:ea typeface="Gill Sans MT"/>
-                <a:cs typeface="Gill Sans MT"/>
-                <a:sym typeface="Gill Sans MT"/>
-              </a:defRPr>
-            </a:pPr>
-            <a:r>
-              <a:t>. Say Y/N if present or not</a:t>
-            </a:r>
-          </a:p>
-          <a:p>
-            <a:pPr>
-              <a:defRPr sz="3000">
-                <a:latin typeface="Gill Sans MT"/>
-                <a:ea typeface="Gill Sans MT"/>
-                <a:cs typeface="Gill Sans MT"/>
-                <a:sym typeface="Gill Sans MT"/>
-              </a:defRPr>
-            </a:pPr>
-            <a:r>
-              <a:t>. You will get your number </a:t>
-            </a:r>
-          </a:p>
-          <a:p>
-            <a:pPr>
-              <a:defRPr sz="3000">
-                <a:latin typeface="Gill Sans MT"/>
-                <a:ea typeface="Gill Sans MT"/>
-                <a:cs typeface="Gill Sans MT"/>
-                <a:sym typeface="Gill Sans MT"/>
-              </a:defRPr>
-            </a:pPr>
-            <a:r>
-              <a:t>graphically displayed to you</a:t>
-            </a:r>
-          </a:p>
-          <a:p>
-            <a:pPr>
-              <a:defRPr sz="3000">
-                <a:latin typeface="Gill Sans MT"/>
-                <a:ea typeface="Gill Sans MT"/>
-                <a:cs typeface="Gill Sans MT"/>
-                <a:sym typeface="Gill Sans MT"/>
-              </a:defRPr>
-            </a:pPr>
-          </a:p>
-          <a:p>
-            <a:pPr>
-              <a:defRPr sz="3000">
-                <a:latin typeface="Gill Sans MT"/>
-                <a:ea typeface="Gill Sans MT"/>
-                <a:cs typeface="Gill Sans MT"/>
-                <a:sym typeface="Gill Sans MT"/>
-              </a:defRPr>
-            </a:pPr>
-            <a:r>
-              <a:rPr b="1"/>
-              <a:t>Q?</a:t>
-            </a:r>
-            <a:r>
-              <a:t>:</a:t>
-            </a:r>
-          </a:p>
-          <a:p>
-            <a:pPr>
-              <a:defRPr sz="3000">
-                <a:latin typeface="Gill Sans MT"/>
-                <a:ea typeface="Gill Sans MT"/>
-                <a:cs typeface="Gill Sans MT"/>
-                <a:sym typeface="Gill Sans MT"/>
-              </a:defRPr>
-            </a:pPr>
-            <a:r>
-              <a:t>Which algorithm we are </a:t>
-            </a:r>
-          </a:p>
-          <a:p>
-            <a:pPr>
-              <a:defRPr sz="3000">
-                <a:latin typeface="Gill Sans MT"/>
-                <a:ea typeface="Gill Sans MT"/>
-                <a:cs typeface="Gill Sans MT"/>
-                <a:sym typeface="Gill Sans MT"/>
-              </a:defRPr>
-            </a:pPr>
-            <a:r>
-              <a:t>discussing?</a:t>
-            </a:r>
-          </a:p>
-          <a:p>
-            <a:pPr>
-              <a:defRPr sz="3000">
-                <a:latin typeface="Gill Sans MT"/>
-                <a:ea typeface="Gill Sans MT"/>
-                <a:cs typeface="Gill Sans MT"/>
-                <a:sym typeface="Gill Sans MT"/>
-              </a:defRPr>
-            </a:pPr>
-            <a:r>
-              <a:rPr b="1"/>
-              <a:t>Aim</a:t>
-            </a:r>
-            <a:r>
-              <a:t>: Can we find more such</a:t>
-            </a:r>
-          </a:p>
-          <a:p>
-            <a:pPr>
-              <a:defRPr sz="3000">
-                <a:latin typeface="Gill Sans MT"/>
-                <a:ea typeface="Gill Sans MT"/>
-                <a:cs typeface="Gill Sans MT"/>
-                <a:sym typeface="Gill Sans MT"/>
-              </a:defRPr>
-            </a:pPr>
-            <a:r>
-              <a:t>examples</a:t>
             </a:r>
           </a:p>
         </p:txBody>
@@ -15768,7 +18018,7 @@
                                       <p:cBhvr>
                                         <p:cTn id="6" fill="hold"/>
                                         <p:tgtEl>
-                                          <p:spTgt spid="304">
+                                          <p:spTgt spid="336">
                                             <p:bg/>
                                           </p:spTgt>
                                         </p:tgtEl>
@@ -15796,2433 +18046,7 @@
                                       <p:cBhvr>
                                         <p:cTn id="8" fill="hold"/>
                                         <p:tgtEl>
-                                          <p:spTgt spid="304">
-                                            <p:txEl>
-                                              <p:pRg st="0" end="0"/>
-                                            </p:txEl>
-                                          </p:spTgt>
-                                        </p:tgtEl>
-                                        <p:attrNameLst>
-                                          <p:attrName>style.visibility</p:attrName>
-                                        </p:attrNameLst>
-                                      </p:cBhvr>
-                                      <p:to>
-                                        <p:strVal val="visible"/>
-                                      </p:to>
-                                    </p:set>
-                                  </p:childTnLst>
-                                </p:cTn>
-                              </p:par>
-                            </p:childTnLst>
-                          </p:cTn>
-                        </p:par>
-                      </p:childTnLst>
-                    </p:cTn>
-                  </p:par>
-                  <p:par>
-                    <p:cTn id="9" fill="hold">
-                      <p:stCondLst>
-                        <p:cond delay="indefinite"/>
-                      </p:stCondLst>
-                      <p:childTnLst>
-                        <p:par>
-                          <p:cTn id="10" fill="hold">
-                            <p:stCondLst>
-                              <p:cond delay="0"/>
-                            </p:stCondLst>
-                            <p:childTnLst>
-                              <p:par>
-                                <p:cTn id="11" presetClass="entr" nodeType="clickEffect" presetSubtype="0" presetID="1" grpId="2" fill="hold">
-                                  <p:stCondLst>
-                                    <p:cond delay="0"/>
-                                  </p:stCondLst>
-                                  <p:iterate type="el" backwards="0">
-                                    <p:tmAbs val="0"/>
-                                  </p:iterate>
-                                  <p:childTnLst>
-                                    <p:set>
-                                      <p:cBhvr>
-                                        <p:cTn id="12" fill="hold"/>
-                                        <p:tgtEl>
-                                          <p:spTgt spid="308"/>
-                                        </p:tgtEl>
-                                        <p:attrNameLst>
-                                          <p:attrName>style.visibility</p:attrName>
-                                        </p:attrNameLst>
-                                      </p:cBhvr>
-                                      <p:to>
-                                        <p:strVal val="visible"/>
-                                      </p:to>
-                                    </p:set>
-                                  </p:childTnLst>
-                                </p:cTn>
-                              </p:par>
-                            </p:childTnLst>
-                          </p:cTn>
-                        </p:par>
-                      </p:childTnLst>
-                    </p:cTn>
-                  </p:par>
-                  <p:par>
-                    <p:cTn id="13" fill="hold">
-                      <p:stCondLst>
-                        <p:cond delay="indefinite"/>
-                      </p:stCondLst>
-                      <p:childTnLst>
-                        <p:par>
-                          <p:cTn id="14" fill="hold">
-                            <p:stCondLst>
-                              <p:cond delay="0"/>
-                            </p:stCondLst>
-                            <p:childTnLst>
-                              <p:par>
-                                <p:cTn id="15" presetClass="entr" nodeType="clickEffect" presetSubtype="0" presetID="1" grpId="3" fill="hold">
-                                  <p:stCondLst>
-                                    <p:cond delay="0"/>
-                                  </p:stCondLst>
-                                  <p:iterate type="el" backwards="0">
-                                    <p:tmAbs val="0"/>
-                                  </p:iterate>
-                                  <p:childTnLst>
-                                    <p:set>
-                                      <p:cBhvr>
-                                        <p:cTn id="16" fill="hold"/>
-                                        <p:tgtEl>
-                                          <p:spTgt spid="309">
-                                            <p:bg/>
-                                          </p:spTgt>
-                                        </p:tgtEl>
-                                        <p:attrNameLst>
-                                          <p:attrName>style.visibility</p:attrName>
-                                        </p:attrNameLst>
-                                      </p:cBhvr>
-                                      <p:to>
-                                        <p:strVal val="visible"/>
-                                      </p:to>
-                                    </p:set>
-                                  </p:childTnLst>
-                                </p:cTn>
-                              </p:par>
-                              <p:par>
-                                <p:cTn id="17" presetClass="entr" nodeType="withEffect" presetSubtype="0" presetID="1" grpId="3" fill="hold">
-                                  <p:stCondLst>
-                                    <p:cond delay="0"/>
-                                  </p:stCondLst>
-                                  <p:iterate type="el" backwards="0">
-                                    <p:tmAbs val="0"/>
-                                  </p:iterate>
-                                  <p:childTnLst>
-                                    <p:set>
-                                      <p:cBhvr>
-                                        <p:cTn id="18" fill="hold"/>
-                                        <p:tgtEl>
-                                          <p:spTgt spid="309">
-                                            <p:txEl>
-                                              <p:pRg st="0" end="0"/>
-                                            </p:txEl>
-                                          </p:spTgt>
-                                        </p:tgtEl>
-                                        <p:attrNameLst>
-                                          <p:attrName>style.visibility</p:attrName>
-                                        </p:attrNameLst>
-                                      </p:cBhvr>
-                                      <p:to>
-                                        <p:strVal val="visible"/>
-                                      </p:to>
-                                    </p:set>
-                                  </p:childTnLst>
-                                </p:cTn>
-                              </p:par>
-                            </p:childTnLst>
-                          </p:cTn>
-                        </p:par>
-                      </p:childTnLst>
-                    </p:cTn>
-                  </p:par>
-                  <p:par>
-                    <p:cTn id="19" fill="hold">
-                      <p:stCondLst>
-                        <p:cond delay="indefinite"/>
-                      </p:stCondLst>
-                      <p:childTnLst>
-                        <p:par>
-                          <p:cTn id="20" fill="hold">
-                            <p:stCondLst>
-                              <p:cond delay="0"/>
-                            </p:stCondLst>
-                            <p:childTnLst>
-                              <p:par>
-                                <p:cTn id="21" presetClass="entr" nodeType="clickEffect" presetSubtype="0" presetID="1" grpId="3" fill="hold">
-                                  <p:stCondLst>
-                                    <p:cond delay="0"/>
-                                  </p:stCondLst>
-                                  <p:iterate type="el" backwards="0">
-                                    <p:tmAbs val="0"/>
-                                  </p:iterate>
-                                  <p:childTnLst>
-                                    <p:set>
-                                      <p:cBhvr>
-                                        <p:cTn id="22" fill="hold"/>
-                                        <p:tgtEl>
-                                          <p:spTgt spid="309">
-                                            <p:txEl>
-                                              <p:pRg st="1" end="1"/>
-                                            </p:txEl>
-                                          </p:spTgt>
-                                        </p:tgtEl>
-                                        <p:attrNameLst>
-                                          <p:attrName>style.visibility</p:attrName>
-                                        </p:attrNameLst>
-                                      </p:cBhvr>
-                                      <p:to>
-                                        <p:strVal val="visible"/>
-                                      </p:to>
-                                    </p:set>
-                                  </p:childTnLst>
-                                </p:cTn>
-                              </p:par>
-                            </p:childTnLst>
-                          </p:cTn>
-                        </p:par>
-                      </p:childTnLst>
-                    </p:cTn>
-                  </p:par>
-                  <p:par>
-                    <p:cTn id="23" fill="hold">
-                      <p:stCondLst>
-                        <p:cond delay="indefinite"/>
-                      </p:stCondLst>
-                      <p:childTnLst>
-                        <p:par>
-                          <p:cTn id="24" fill="hold">
-                            <p:stCondLst>
-                              <p:cond delay="0"/>
-                            </p:stCondLst>
-                            <p:childTnLst>
-                              <p:par>
-                                <p:cTn id="25" presetClass="entr" nodeType="clickEffect" presetSubtype="0" presetID="1" grpId="3" fill="hold">
-                                  <p:stCondLst>
-                                    <p:cond delay="0"/>
-                                  </p:stCondLst>
-                                  <p:iterate type="el" backwards="0">
-                                    <p:tmAbs val="0"/>
-                                  </p:iterate>
-                                  <p:childTnLst>
-                                    <p:set>
-                                      <p:cBhvr>
-                                        <p:cTn id="26" fill="hold"/>
-                                        <p:tgtEl>
-                                          <p:spTgt spid="309">
-                                            <p:txEl>
-                                              <p:pRg st="2" end="2"/>
-                                            </p:txEl>
-                                          </p:spTgt>
-                                        </p:tgtEl>
-                                        <p:attrNameLst>
-                                          <p:attrName>style.visibility</p:attrName>
-                                        </p:attrNameLst>
-                                      </p:cBhvr>
-                                      <p:to>
-                                        <p:strVal val="visible"/>
-                                      </p:to>
-                                    </p:set>
-                                  </p:childTnLst>
-                                </p:cTn>
-                              </p:par>
-                            </p:childTnLst>
-                          </p:cTn>
-                        </p:par>
-                      </p:childTnLst>
-                    </p:cTn>
-                  </p:par>
-                  <p:par>
-                    <p:cTn id="27" fill="hold">
-                      <p:stCondLst>
-                        <p:cond delay="indefinite"/>
-                      </p:stCondLst>
-                      <p:childTnLst>
-                        <p:par>
-                          <p:cTn id="28" fill="hold">
-                            <p:stCondLst>
-                              <p:cond delay="0"/>
-                            </p:stCondLst>
-                            <p:childTnLst>
-                              <p:par>
-                                <p:cTn id="29" presetClass="entr" nodeType="clickEffect" presetSubtype="0" presetID="1" grpId="3" fill="hold">
-                                  <p:stCondLst>
-                                    <p:cond delay="0"/>
-                                  </p:stCondLst>
-                                  <p:iterate type="el" backwards="0">
-                                    <p:tmAbs val="0"/>
-                                  </p:iterate>
-                                  <p:childTnLst>
-                                    <p:set>
-                                      <p:cBhvr>
-                                        <p:cTn id="30" fill="hold"/>
-                                        <p:tgtEl>
-                                          <p:spTgt spid="309">
-                                            <p:txEl>
-                                              <p:pRg st="3" end="3"/>
-                                            </p:txEl>
-                                          </p:spTgt>
-                                        </p:tgtEl>
-                                        <p:attrNameLst>
-                                          <p:attrName>style.visibility</p:attrName>
-                                        </p:attrNameLst>
-                                      </p:cBhvr>
-                                      <p:to>
-                                        <p:strVal val="visible"/>
-                                      </p:to>
-                                    </p:set>
-                                  </p:childTnLst>
-                                </p:cTn>
-                              </p:par>
-                            </p:childTnLst>
-                          </p:cTn>
-                        </p:par>
-                      </p:childTnLst>
-                    </p:cTn>
-                  </p:par>
-                  <p:par>
-                    <p:cTn id="31" fill="hold">
-                      <p:stCondLst>
-                        <p:cond delay="indefinite"/>
-                      </p:stCondLst>
-                      <p:childTnLst>
-                        <p:par>
-                          <p:cTn id="32" fill="hold">
-                            <p:stCondLst>
-                              <p:cond delay="0"/>
-                            </p:stCondLst>
-                            <p:childTnLst>
-                              <p:par>
-                                <p:cTn id="33" presetClass="entr" nodeType="clickEffect" presetSubtype="0" presetID="1" grpId="3" fill="hold">
-                                  <p:stCondLst>
-                                    <p:cond delay="0"/>
-                                  </p:stCondLst>
-                                  <p:iterate type="el" backwards="0">
-                                    <p:tmAbs val="0"/>
-                                  </p:iterate>
-                                  <p:childTnLst>
-                                    <p:set>
-                                      <p:cBhvr>
-                                        <p:cTn id="34" fill="hold"/>
-                                        <p:tgtEl>
-                                          <p:spTgt spid="309">
-                                            <p:txEl>
-                                              <p:pRg st="4" end="4"/>
-                                            </p:txEl>
-                                          </p:spTgt>
-                                        </p:tgtEl>
-                                        <p:attrNameLst>
-                                          <p:attrName>style.visibility</p:attrName>
-                                        </p:attrNameLst>
-                                      </p:cBhvr>
-                                      <p:to>
-                                        <p:strVal val="visible"/>
-                                      </p:to>
-                                    </p:set>
-                                  </p:childTnLst>
-                                </p:cTn>
-                              </p:par>
-                            </p:childTnLst>
-                          </p:cTn>
-                        </p:par>
-                      </p:childTnLst>
-                    </p:cTn>
-                  </p:par>
-                  <p:par>
-                    <p:cTn id="35" fill="hold">
-                      <p:stCondLst>
-                        <p:cond delay="indefinite"/>
-                      </p:stCondLst>
-                      <p:childTnLst>
-                        <p:par>
-                          <p:cTn id="36" fill="hold">
-                            <p:stCondLst>
-                              <p:cond delay="0"/>
-                            </p:stCondLst>
-                            <p:childTnLst>
-                              <p:par>
-                                <p:cTn id="37" presetClass="entr" nodeType="clickEffect" presetSubtype="0" presetID="1" grpId="3" fill="hold">
-                                  <p:stCondLst>
-                                    <p:cond delay="0"/>
-                                  </p:stCondLst>
-                                  <p:iterate type="el" backwards="0">
-                                    <p:tmAbs val="0"/>
-                                  </p:iterate>
-                                  <p:childTnLst>
-                                    <p:set>
-                                      <p:cBhvr>
-                                        <p:cTn id="38" fill="hold"/>
-                                        <p:tgtEl>
-                                          <p:spTgt spid="309">
-                                            <p:txEl>
-                                              <p:pRg st="5" end="5"/>
-                                            </p:txEl>
-                                          </p:spTgt>
-                                        </p:tgtEl>
-                                        <p:attrNameLst>
-                                          <p:attrName>style.visibility</p:attrName>
-                                        </p:attrNameLst>
-                                      </p:cBhvr>
-                                      <p:to>
-                                        <p:strVal val="visible"/>
-                                      </p:to>
-                                    </p:set>
-                                  </p:childTnLst>
-                                </p:cTn>
-                              </p:par>
-                            </p:childTnLst>
-                          </p:cTn>
-                        </p:par>
-                      </p:childTnLst>
-                    </p:cTn>
-                  </p:par>
-                  <p:par>
-                    <p:cTn id="39" fill="hold">
-                      <p:stCondLst>
-                        <p:cond delay="indefinite"/>
-                      </p:stCondLst>
-                      <p:childTnLst>
-                        <p:par>
-                          <p:cTn id="40" fill="hold">
-                            <p:stCondLst>
-                              <p:cond delay="0"/>
-                            </p:stCondLst>
-                            <p:childTnLst>
-                              <p:par>
-                                <p:cTn id="41" presetClass="entr" nodeType="clickEffect" presetSubtype="0" presetID="1" grpId="3" fill="hold">
-                                  <p:stCondLst>
-                                    <p:cond delay="0"/>
-                                  </p:stCondLst>
-                                  <p:iterate type="el" backwards="0">
-                                    <p:tmAbs val="0"/>
-                                  </p:iterate>
-                                  <p:childTnLst>
-                                    <p:set>
-                                      <p:cBhvr>
-                                        <p:cTn id="42" fill="hold"/>
-                                        <p:tgtEl>
-                                          <p:spTgt spid="309">
-                                            <p:txEl>
-                                              <p:pRg st="6" end="6"/>
-                                            </p:txEl>
-                                          </p:spTgt>
-                                        </p:tgtEl>
-                                        <p:attrNameLst>
-                                          <p:attrName>style.visibility</p:attrName>
-                                        </p:attrNameLst>
-                                      </p:cBhvr>
-                                      <p:to>
-                                        <p:strVal val="visible"/>
-                                      </p:to>
-                                    </p:set>
-                                  </p:childTnLst>
-                                </p:cTn>
-                              </p:par>
-                            </p:childTnLst>
-                          </p:cTn>
-                        </p:par>
-                      </p:childTnLst>
-                    </p:cTn>
-                  </p:par>
-                  <p:par>
-                    <p:cTn id="43" fill="hold">
-                      <p:stCondLst>
-                        <p:cond delay="indefinite"/>
-                      </p:stCondLst>
-                      <p:childTnLst>
-                        <p:par>
-                          <p:cTn id="44" fill="hold">
-                            <p:stCondLst>
-                              <p:cond delay="0"/>
-                            </p:stCondLst>
-                            <p:childTnLst>
-                              <p:par>
-                                <p:cTn id="45" presetClass="entr" nodeType="clickEffect" presetSubtype="0" presetID="1" grpId="3" fill="hold">
-                                  <p:stCondLst>
-                                    <p:cond delay="0"/>
-                                  </p:stCondLst>
-                                  <p:iterate type="el" backwards="0">
-                                    <p:tmAbs val="0"/>
-                                  </p:iterate>
-                                  <p:childTnLst>
-                                    <p:set>
-                                      <p:cBhvr>
-                                        <p:cTn id="46" fill="hold"/>
-                                        <p:tgtEl>
-                                          <p:spTgt spid="309">
-                                            <p:txEl>
-                                              <p:pRg st="7" end="7"/>
-                                            </p:txEl>
-                                          </p:spTgt>
-                                        </p:tgtEl>
-                                        <p:attrNameLst>
-                                          <p:attrName>style.visibility</p:attrName>
-                                        </p:attrNameLst>
-                                      </p:cBhvr>
-                                      <p:to>
-                                        <p:strVal val="visible"/>
-                                      </p:to>
-                                    </p:set>
-                                  </p:childTnLst>
-                                </p:cTn>
-                              </p:par>
-                            </p:childTnLst>
-                          </p:cTn>
-                        </p:par>
-                      </p:childTnLst>
-                    </p:cTn>
-                  </p:par>
-                  <p:par>
-                    <p:cTn id="47" fill="hold">
-                      <p:stCondLst>
-                        <p:cond delay="indefinite"/>
-                      </p:stCondLst>
-                      <p:childTnLst>
-                        <p:par>
-                          <p:cTn id="48" fill="hold">
-                            <p:stCondLst>
-                              <p:cond delay="0"/>
-                            </p:stCondLst>
-                            <p:childTnLst>
-                              <p:par>
-                                <p:cTn id="49" presetClass="entr" nodeType="clickEffect" presetSubtype="0" presetID="1" grpId="3" fill="hold">
-                                  <p:stCondLst>
-                                    <p:cond delay="0"/>
-                                  </p:stCondLst>
-                                  <p:iterate type="el" backwards="0">
-                                    <p:tmAbs val="0"/>
-                                  </p:iterate>
-                                  <p:childTnLst>
-                                    <p:set>
-                                      <p:cBhvr>
-                                        <p:cTn id="50" fill="hold"/>
-                                        <p:tgtEl>
-                                          <p:spTgt spid="309">
-                                            <p:txEl>
-                                              <p:pRg st="8" end="8"/>
-                                            </p:txEl>
-                                          </p:spTgt>
-                                        </p:tgtEl>
-                                        <p:attrNameLst>
-                                          <p:attrName>style.visibility</p:attrName>
-                                        </p:attrNameLst>
-                                      </p:cBhvr>
-                                      <p:to>
-                                        <p:strVal val="visible"/>
-                                      </p:to>
-                                    </p:set>
-                                  </p:childTnLst>
-                                </p:cTn>
-                              </p:par>
-                            </p:childTnLst>
-                          </p:cTn>
-                        </p:par>
-                      </p:childTnLst>
-                    </p:cTn>
-                  </p:par>
-                  <p:par>
-                    <p:cTn id="51" fill="hold">
-                      <p:stCondLst>
-                        <p:cond delay="indefinite"/>
-                      </p:stCondLst>
-                      <p:childTnLst>
-                        <p:par>
-                          <p:cTn id="52" fill="hold">
-                            <p:stCondLst>
-                              <p:cond delay="0"/>
-                            </p:stCondLst>
-                            <p:childTnLst>
-                              <p:par>
-                                <p:cTn id="53" presetClass="entr" nodeType="clickEffect" presetSubtype="0" presetID="1" grpId="3" fill="hold">
-                                  <p:stCondLst>
-                                    <p:cond delay="0"/>
-                                  </p:stCondLst>
-                                  <p:iterate type="el" backwards="0">
-                                    <p:tmAbs val="0"/>
-                                  </p:iterate>
-                                  <p:childTnLst>
-                                    <p:set>
-                                      <p:cBhvr>
-                                        <p:cTn id="54" fill="hold"/>
-                                        <p:tgtEl>
-                                          <p:spTgt spid="309">
-                                            <p:txEl>
-                                              <p:pRg st="9" end="9"/>
-                                            </p:txEl>
-                                          </p:spTgt>
-                                        </p:tgtEl>
-                                        <p:attrNameLst>
-                                          <p:attrName>style.visibility</p:attrName>
-                                        </p:attrNameLst>
-                                      </p:cBhvr>
-                                      <p:to>
-                                        <p:strVal val="visible"/>
-                                      </p:to>
-                                    </p:set>
-                                  </p:childTnLst>
-                                </p:cTn>
-                              </p:par>
-                            </p:childTnLst>
-                          </p:cTn>
-                        </p:par>
-                      </p:childTnLst>
-                    </p:cTn>
-                  </p:par>
-                  <p:par>
-                    <p:cTn id="55" fill="hold">
-                      <p:stCondLst>
-                        <p:cond delay="indefinite"/>
-                      </p:stCondLst>
-                      <p:childTnLst>
-                        <p:par>
-                          <p:cTn id="56" fill="hold">
-                            <p:stCondLst>
-                              <p:cond delay="0"/>
-                            </p:stCondLst>
-                            <p:childTnLst>
-                              <p:par>
-                                <p:cTn id="57" presetClass="entr" nodeType="clickEffect" presetSubtype="0" presetID="1" grpId="3" fill="hold">
-                                  <p:stCondLst>
-                                    <p:cond delay="0"/>
-                                  </p:stCondLst>
-                                  <p:iterate type="el" backwards="0">
-                                    <p:tmAbs val="0"/>
-                                  </p:iterate>
-                                  <p:childTnLst>
-                                    <p:set>
-                                      <p:cBhvr>
-                                        <p:cTn id="58" fill="hold"/>
-                                        <p:tgtEl>
-                                          <p:spTgt spid="309">
-                                            <p:txEl>
-                                              <p:pRg st="10" end="10"/>
-                                            </p:txEl>
-                                          </p:spTgt>
-                                        </p:tgtEl>
-                                        <p:attrNameLst>
-                                          <p:attrName>style.visibility</p:attrName>
-                                        </p:attrNameLst>
-                                      </p:cBhvr>
-                                      <p:to>
-                                        <p:strVal val="visible"/>
-                                      </p:to>
-                                    </p:set>
-                                  </p:childTnLst>
-                                </p:cTn>
-                              </p:par>
-                            </p:childTnLst>
-                          </p:cTn>
-                        </p:par>
-                      </p:childTnLst>
-                    </p:cTn>
-                  </p:par>
-                </p:childTnLst>
-              </p:cTn>
-              <p:prevCondLst>
-                <p:cond evt="onPrev">
-                  <p:tgtEl>
-                    <p:sldTgt/>
-                  </p:tgtEl>
-                </p:cond>
-              </p:prevCondLst>
-              <p:nextCondLst>
-                <p:cond evt="onNext">
-                  <p:tgtEl>
-                    <p:sldTgt/>
-                  </p:tgtEl>
-                </p:cond>
-              </p:nextCondLst>
-            </p:seq>
-          </p:childTnLst>
-        </p:cTn>
-      </p:par>
-    </p:tnLst>
-    <p:bldLst>
-      <p:bldP build="p" bldLvl="1" animBg="1" rev="0" advAuto="0" spid="304" grpId="1"/>
-      <p:bldP build="p" bldLvl="5" animBg="1" rev="0" advAuto="0" spid="309" grpId="3"/>
-      <p:bldP build="whole" bldLvl="1" animBg="1" rev="0" advAuto="0" spid="308" grpId="2"/>
-    </p:bldLst>
-  </p:timing>
-</p:sld>
-</file>
-
-<file path=ppt/slides/slide18.xml><?xml version="1.0" encoding="utf-8"?>
-<p:sld xmlns:a="http://schemas.openxmlformats.org/drawingml/2006/main" xmlns:r="http://schemas.openxmlformats.org/officeDocument/2006/relationships" xmlns:p="http://schemas.openxmlformats.org/presentationml/2006/main" xmlns:m="http://schemas.openxmlformats.org/officeDocument/2006/math" xmlns:a14="http://schemas.microsoft.com/office/drawing/2010/main" showMasterSp="1" showMasterPhAnim="1">
-  <p:cSld>
-    <p:spTree>
-      <p:nvGrpSpPr>
-        <p:cNvPr id="1" name=""/>
-        <p:cNvGrpSpPr/>
-        <p:nvPr/>
-      </p:nvGrpSpPr>
-      <p:grpSpPr>
-        <a:xfrm>
-          <a:off x="0" y="0"/>
-          <a:ext cx="0" cy="0"/>
-          <a:chOff x="0" y="0"/>
-          <a:chExt cx="0" cy="0"/>
-        </a:xfrm>
-      </p:grpSpPr>
-      <p:sp>
-        <p:nvSpPr>
-          <p:cNvPr id="311" name="Game of 128 numbers - b"/>
-          <p:cNvSpPr txBox="1"/>
-          <p:nvPr>
-            <p:ph type="title"/>
-          </p:nvPr>
-        </p:nvSpPr>
-        <p:spPr>
-          <a:prstGeom prst="rect">
-            <a:avLst/>
-          </a:prstGeom>
-        </p:spPr>
-        <p:txBody>
-          <a:bodyPr/>
-          <a:lstStyle/>
-          <a:p>
-            <a:pPr/>
-            <a:r>
-              <a:t>Game of </a:t>
-            </a:r>
-            <a:r>
-              <a:rPr>
-                <a:latin typeface="Arial"/>
-                <a:ea typeface="Arial"/>
-                <a:cs typeface="Arial"/>
-                <a:sym typeface="Arial"/>
-              </a:rPr>
-              <a:t>128</a:t>
-            </a:r>
-            <a:r>
-              <a:t> numbers - b</a:t>
-            </a:r>
-          </a:p>
-        </p:txBody>
-      </p:sp>
-      <p:sp>
-        <p:nvSpPr>
-          <p:cNvPr id="312" name="Slide Number"/>
-          <p:cNvSpPr txBox="1"/>
-          <p:nvPr>
-            <p:ph type="sldNum" sz="quarter" idx="2"/>
-          </p:nvPr>
-        </p:nvSpPr>
-        <p:spPr>
-          <a:prstGeom prst="rect">
-            <a:avLst/>
-          </a:prstGeom>
-          <a:extLst>
-            <a:ext uri="{C572A759-6A51-4108-AA02-DFA0A04FC94B}">
-              <ma14:wrappingTextBoxFlag xmlns:ma14="http://schemas.microsoft.com/office/mac/drawingml/2011/main" val="1"/>
-            </a:ext>
-          </a:extLst>
-        </p:spPr>
-        <p:txBody>
-          <a:bodyPr/>
-          <a:lstStyle/>
-          <a:p>
-            <a:pPr/>
-            <a:fld id="{86CB4B4D-7CA3-9044-876B-883B54F8677D}" type="slidenum"/>
-          </a:p>
-        </p:txBody>
-      </p:sp>
-      <p:sp>
-        <p:nvSpPr>
-          <p:cNvPr id="313" name="DAA/Divide and Conquer"/>
-          <p:cNvSpPr txBox="1"/>
-          <p:nvPr/>
-        </p:nvSpPr>
-        <p:spPr>
-          <a:xfrm>
-            <a:off x="423212" y="6963885"/>
-            <a:ext cx="3371712" cy="431552"/>
-          </a:xfrm>
-          <a:prstGeom prst="rect">
-            <a:avLst/>
-          </a:prstGeom>
-          <a:ln w="12700">
-            <a:miter lim="400000"/>
-          </a:ln>
-          <a:extLst>
-            <a:ext uri="{C572A759-6A51-4108-AA02-DFA0A04FC94B}">
-              <ma14:wrappingTextBoxFlag xmlns:ma14="http://schemas.microsoft.com/office/mac/drawingml/2011/main" val="1"/>
-            </a:ext>
-          </a:extLst>
-        </p:spPr>
-        <p:txBody>
-          <a:bodyPr wrap="none" lIns="50800" tIns="50800" rIns="50800" bIns="50800" anchor="ctr">
-            <a:spAutoFit/>
-          </a:bodyPr>
-          <a:lstStyle>
-            <a:lvl1pPr>
-              <a:defRPr sz="2400"/>
-            </a:lvl1pPr>
-          </a:lstStyle>
-          <a:p>
-            <a:pPr/>
-            <a:r>
-              <a:t>DAA/Divide and Conquer</a:t>
-            </a:r>
-          </a:p>
-        </p:txBody>
-      </p:sp>
-      <p:sp>
-        <p:nvSpPr>
-          <p:cNvPr id="314" name="RPR/"/>
-          <p:cNvSpPr txBox="1"/>
-          <p:nvPr/>
-        </p:nvSpPr>
-        <p:spPr>
-          <a:xfrm>
-            <a:off x="7535212" y="6988206"/>
-            <a:ext cx="705605" cy="382910"/>
-          </a:xfrm>
-          <a:prstGeom prst="rect">
-            <a:avLst/>
-          </a:prstGeom>
-          <a:ln w="12700">
-            <a:miter lim="400000"/>
-          </a:ln>
-          <a:extLst>
-            <a:ext uri="{C572A759-6A51-4108-AA02-DFA0A04FC94B}">
-              <ma14:wrappingTextBoxFlag xmlns:ma14="http://schemas.microsoft.com/office/mac/drawingml/2011/main" val="1"/>
-            </a:ext>
-          </a:extLst>
-        </p:spPr>
-        <p:txBody>
-          <a:bodyPr wrap="none" lIns="50800" tIns="50800" rIns="50800" bIns="50800" anchor="ctr">
-            <a:spAutoFit/>
-          </a:bodyPr>
-          <a:lstStyle>
-            <a:lvl1pPr>
-              <a:defRPr sz="2000"/>
-            </a:lvl1pPr>
-          </a:lstStyle>
-          <a:p>
-            <a:pPr/>
-            <a:r>
-              <a:t>RPR/</a:t>
-            </a:r>
-          </a:p>
-        </p:txBody>
-      </p:sp>
-      <p:pic>
-        <p:nvPicPr>
-          <p:cNvPr id="315" name="droppedImage.png" descr="droppedImage.png"/>
-          <p:cNvPicPr>
-            <a:picLocks noChangeAspect="1"/>
-          </p:cNvPicPr>
-          <p:nvPr/>
-        </p:nvPicPr>
-        <p:blipFill>
-          <a:blip r:embed="rId2">
-            <a:extLst/>
-          </a:blip>
-          <a:stretch>
-            <a:fillRect/>
-          </a:stretch>
-        </p:blipFill>
-        <p:spPr>
-          <a:xfrm>
-            <a:off x="1359274" y="959816"/>
-            <a:ext cx="7962177" cy="6010664"/>
-          </a:xfrm>
-          <a:prstGeom prst="rect">
-            <a:avLst/>
-          </a:prstGeom>
-        </p:spPr>
-      </p:pic>
-    </p:spTree>
-  </p:cSld>
-  <p:clrMapOvr>
-    <a:masterClrMapping/>
-  </p:clrMapOvr>
-  <mc:AlternateContent xmlns:mc="http://schemas.openxmlformats.org/markup-compatibility/2006">
-    <mc:Choice xmlns:p15="http://schemas.microsoft.com/office/powerpoint/2012/main" Requires="p15">
-      <p:transition xmlns:p14="http://schemas.microsoft.com/office/powerpoint/2010/main" spd="med" advClick="1" p14:dur="1000">
-        <p15:prstTrans prst="peelOff" invX="1"/>
-      </p:transition>
-    </mc:Choice>
-    <mc:Choice xmlns:p14="http://schemas.microsoft.com/office/powerpoint/2010/main" Requires="p14">
-      <p:transition spd="med" advClick="1" p14:dur="1000">
-        <p:wipe dir="l"/>
-      </p:transition>
-    </mc:Choice>
-    <mc:Fallback>
-      <p:transition spd="med">
-        <p:fade/>
-      </p:transition>
-    </mc:Fallback>
-  </mc:AlternateContent>
-</p:sld>
-</file>
-
-<file path=ppt/slides/slide19.xml><?xml version="1.0" encoding="utf-8"?>
-<p:sld xmlns:a="http://schemas.openxmlformats.org/drawingml/2006/main" xmlns:r="http://schemas.openxmlformats.org/officeDocument/2006/relationships" xmlns:p="http://schemas.openxmlformats.org/presentationml/2006/main" xmlns:m="http://schemas.openxmlformats.org/officeDocument/2006/math" xmlns:a14="http://schemas.microsoft.com/office/drawing/2010/main" showMasterSp="1" showMasterPhAnim="1">
-  <p:cSld>
-    <p:spTree>
-      <p:nvGrpSpPr>
-        <p:cNvPr id="1" name=""/>
-        <p:cNvGrpSpPr/>
-        <p:nvPr/>
-      </p:nvGrpSpPr>
-      <p:grpSpPr>
-        <a:xfrm>
-          <a:off x="0" y="0"/>
-          <a:ext cx="0" cy="0"/>
-          <a:chOff x="0" y="0"/>
-          <a:chExt cx="0" cy="0"/>
-        </a:xfrm>
-      </p:grpSpPr>
-      <p:sp>
-        <p:nvSpPr>
-          <p:cNvPr id="317" name="Game of 128 numbers - c"/>
-          <p:cNvSpPr txBox="1"/>
-          <p:nvPr>
-            <p:ph type="title"/>
-          </p:nvPr>
-        </p:nvSpPr>
-        <p:spPr>
-          <a:prstGeom prst="rect">
-            <a:avLst/>
-          </a:prstGeom>
-        </p:spPr>
-        <p:txBody>
-          <a:bodyPr/>
-          <a:lstStyle/>
-          <a:p>
-            <a:pPr/>
-            <a:r>
-              <a:t>Game of </a:t>
-            </a:r>
-            <a:r>
-              <a:rPr>
-                <a:latin typeface="Arial"/>
-                <a:ea typeface="Arial"/>
-                <a:cs typeface="Arial"/>
-                <a:sym typeface="Arial"/>
-              </a:rPr>
-              <a:t>128</a:t>
-            </a:r>
-            <a:r>
-              <a:t> numbers - c</a:t>
-            </a:r>
-          </a:p>
-        </p:txBody>
-      </p:sp>
-      <p:sp>
-        <p:nvSpPr>
-          <p:cNvPr id="318" name="Slide Number"/>
-          <p:cNvSpPr txBox="1"/>
-          <p:nvPr>
-            <p:ph type="sldNum" sz="quarter" idx="2"/>
-          </p:nvPr>
-        </p:nvSpPr>
-        <p:spPr>
-          <a:prstGeom prst="rect">
-            <a:avLst/>
-          </a:prstGeom>
-          <a:extLst>
-            <a:ext uri="{C572A759-6A51-4108-AA02-DFA0A04FC94B}">
-              <ma14:wrappingTextBoxFlag xmlns:ma14="http://schemas.microsoft.com/office/mac/drawingml/2011/main" val="1"/>
-            </a:ext>
-          </a:extLst>
-        </p:spPr>
-        <p:txBody>
-          <a:bodyPr/>
-          <a:lstStyle/>
-          <a:p>
-            <a:pPr/>
-            <a:fld id="{86CB4B4D-7CA3-9044-876B-883B54F8677D}" type="slidenum"/>
-          </a:p>
-        </p:txBody>
-      </p:sp>
-      <p:sp>
-        <p:nvSpPr>
-          <p:cNvPr id="319" name="DAA/Divide and Conquer"/>
-          <p:cNvSpPr txBox="1"/>
-          <p:nvPr/>
-        </p:nvSpPr>
-        <p:spPr>
-          <a:xfrm>
-            <a:off x="423212" y="6963885"/>
-            <a:ext cx="3371712" cy="431552"/>
-          </a:xfrm>
-          <a:prstGeom prst="rect">
-            <a:avLst/>
-          </a:prstGeom>
-          <a:ln w="12700">
-            <a:miter lim="400000"/>
-          </a:ln>
-          <a:extLst>
-            <a:ext uri="{C572A759-6A51-4108-AA02-DFA0A04FC94B}">
-              <ma14:wrappingTextBoxFlag xmlns:ma14="http://schemas.microsoft.com/office/mac/drawingml/2011/main" val="1"/>
-            </a:ext>
-          </a:extLst>
-        </p:spPr>
-        <p:txBody>
-          <a:bodyPr wrap="none" lIns="50800" tIns="50800" rIns="50800" bIns="50800" anchor="ctr">
-            <a:spAutoFit/>
-          </a:bodyPr>
-          <a:lstStyle>
-            <a:lvl1pPr>
-              <a:defRPr sz="2400"/>
-            </a:lvl1pPr>
-          </a:lstStyle>
-          <a:p>
-            <a:pPr/>
-            <a:r>
-              <a:t>DAA/Divide and Conquer</a:t>
-            </a:r>
-          </a:p>
-        </p:txBody>
-      </p:sp>
-      <p:sp>
-        <p:nvSpPr>
-          <p:cNvPr id="320" name="RPR/"/>
-          <p:cNvSpPr txBox="1"/>
-          <p:nvPr/>
-        </p:nvSpPr>
-        <p:spPr>
-          <a:xfrm>
-            <a:off x="7535212" y="6988206"/>
-            <a:ext cx="705605" cy="382910"/>
-          </a:xfrm>
-          <a:prstGeom prst="rect">
-            <a:avLst/>
-          </a:prstGeom>
-          <a:ln w="12700">
-            <a:miter lim="400000"/>
-          </a:ln>
-          <a:extLst>
-            <a:ext uri="{C572A759-6A51-4108-AA02-DFA0A04FC94B}">
-              <ma14:wrappingTextBoxFlag xmlns:ma14="http://schemas.microsoft.com/office/mac/drawingml/2011/main" val="1"/>
-            </a:ext>
-          </a:extLst>
-        </p:spPr>
-        <p:txBody>
-          <a:bodyPr wrap="none" lIns="50800" tIns="50800" rIns="50800" bIns="50800" anchor="ctr">
-            <a:spAutoFit/>
-          </a:bodyPr>
-          <a:lstStyle>
-            <a:lvl1pPr>
-              <a:defRPr sz="2000"/>
-            </a:lvl1pPr>
-          </a:lstStyle>
-          <a:p>
-            <a:pPr/>
-            <a:r>
-              <a:t>RPR/</a:t>
-            </a:r>
-          </a:p>
-        </p:txBody>
-      </p:sp>
-      <p:pic>
-        <p:nvPicPr>
-          <p:cNvPr id="321" name="droppedImage.png" descr="droppedImage.png"/>
-          <p:cNvPicPr>
-            <a:picLocks noChangeAspect="1"/>
-          </p:cNvPicPr>
-          <p:nvPr/>
-        </p:nvPicPr>
-        <p:blipFill>
-          <a:blip r:embed="rId2">
-            <a:extLst/>
-          </a:blip>
-          <a:stretch>
-            <a:fillRect/>
-          </a:stretch>
-        </p:blipFill>
-        <p:spPr>
-          <a:xfrm>
-            <a:off x="988604" y="930488"/>
-            <a:ext cx="7918389" cy="5938791"/>
-          </a:xfrm>
-          <a:prstGeom prst="rect">
-            <a:avLst/>
-          </a:prstGeom>
-        </p:spPr>
-      </p:pic>
-    </p:spTree>
-  </p:cSld>
-  <p:clrMapOvr>
-    <a:masterClrMapping/>
-  </p:clrMapOvr>
-  <mc:AlternateContent xmlns:mc="http://schemas.openxmlformats.org/markup-compatibility/2006">
-    <mc:Choice xmlns:p15="http://schemas.microsoft.com/office/powerpoint/2012/main" Requires="p15">
-      <p:transition xmlns:p14="http://schemas.microsoft.com/office/powerpoint/2010/main" spd="med" advClick="1" p14:dur="1000">
-        <p15:prstTrans prst="peelOff" invX="1"/>
-      </p:transition>
-    </mc:Choice>
-    <mc:Choice xmlns:p14="http://schemas.microsoft.com/office/powerpoint/2010/main" Requires="p14">
-      <p:transition spd="med" advClick="1" p14:dur="1000">
-        <p:wipe dir="l"/>
-      </p:transition>
-    </mc:Choice>
-    <mc:Fallback>
-      <p:transition spd="med">
-        <p:fade/>
-      </p:transition>
-    </mc:Fallback>
-  </mc:AlternateContent>
-</p:sld>
-</file>
-
-<file path=ppt/slides/slide2.xml><?xml version="1.0" encoding="utf-8"?>
-<p:sld xmlns:a="http://schemas.openxmlformats.org/drawingml/2006/main" xmlns:r="http://schemas.openxmlformats.org/officeDocument/2006/relationships" xmlns:p="http://schemas.openxmlformats.org/presentationml/2006/main" xmlns:m="http://schemas.openxmlformats.org/officeDocument/2006/math" xmlns:a14="http://schemas.microsoft.com/office/drawing/2010/main" showMasterSp="1" showMasterPhAnim="1">
-  <p:cSld>
-    <p:spTree>
-      <p:nvGrpSpPr>
-        <p:cNvPr id="1" name=""/>
-        <p:cNvGrpSpPr/>
-        <p:nvPr/>
-      </p:nvGrpSpPr>
-      <p:grpSpPr>
-        <a:xfrm>
-          <a:off x="0" y="0"/>
-          <a:ext cx="0" cy="0"/>
-          <a:chOff x="0" y="0"/>
-          <a:chExt cx="0" cy="0"/>
-        </a:xfrm>
-      </p:grpSpPr>
-      <p:sp>
-        <p:nvSpPr>
-          <p:cNvPr id="47" name="Resources"/>
-          <p:cNvSpPr txBox="1"/>
-          <p:nvPr>
-            <p:ph type="title"/>
-          </p:nvPr>
-        </p:nvSpPr>
-        <p:spPr>
-          <a:prstGeom prst="rect">
-            <a:avLst/>
-          </a:prstGeom>
-        </p:spPr>
-        <p:txBody>
-          <a:bodyPr/>
-          <a:lstStyle/>
-          <a:p>
-            <a:pPr/>
-            <a:r>
-              <a:t>Resources</a:t>
-            </a:r>
-          </a:p>
-        </p:txBody>
-      </p:sp>
-      <p:sp>
-        <p:nvSpPr>
-          <p:cNvPr id="48" name="Text book 2: Horowitz…"/>
-          <p:cNvSpPr txBox="1"/>
-          <p:nvPr>
-            <p:ph type="body" idx="1"/>
-          </p:nvPr>
-        </p:nvSpPr>
-        <p:spPr>
-          <a:xfrm>
-            <a:off x="679425" y="938113"/>
-            <a:ext cx="9048800" cy="5891610"/>
-          </a:xfrm>
-          <a:prstGeom prst="rect">
-            <a:avLst/>
-          </a:prstGeom>
-        </p:spPr>
-        <p:txBody>
-          <a:bodyPr/>
-          <a:lstStyle/>
-          <a:p>
-            <a:pPr/>
-            <a:r>
-              <a:t>Text book 2: Horowitz</a:t>
-            </a:r>
-          </a:p>
-          <a:p>
-            <a:pPr/>
-            <a:r>
-              <a:t>Text book 1: Levitin</a:t>
-            </a:r>
-          </a:p>
-          <a:p>
-            <a:pPr/>
-            <a:r>
-              <a:rPr u="sng">
-                <a:hlinkClick r:id="rId2" invalidUrl="" action="" tgtFrame="" tooltip="" history="1" highlightClick="0" endSnd="0"/>
-              </a:rPr>
-              <a:t>https://visualgo.net/en</a:t>
-            </a:r>
-          </a:p>
-        </p:txBody>
-      </p:sp>
-      <p:sp>
-        <p:nvSpPr>
-          <p:cNvPr id="49" name="Slide Number"/>
-          <p:cNvSpPr txBox="1"/>
-          <p:nvPr>
-            <p:ph type="sldNum" sz="quarter" idx="2"/>
-          </p:nvPr>
-        </p:nvSpPr>
-        <p:spPr>
-          <a:prstGeom prst="rect">
-            <a:avLst/>
-          </a:prstGeom>
-          <a:extLst>
-            <a:ext uri="{C572A759-6A51-4108-AA02-DFA0A04FC94B}">
-              <ma14:wrappingTextBoxFlag xmlns:ma14="http://schemas.microsoft.com/office/mac/drawingml/2011/main" val="1"/>
-            </a:ext>
-          </a:extLst>
-        </p:spPr>
-        <p:txBody>
-          <a:bodyPr/>
-          <a:lstStyle/>
-          <a:p>
-            <a:pPr/>
-            <a:fld id="{86CB4B4D-7CA3-9044-876B-883B54F8677D}" type="slidenum"/>
-          </a:p>
-        </p:txBody>
-      </p:sp>
-      <p:sp>
-        <p:nvSpPr>
-          <p:cNvPr id="50" name="DAA/Divide and Conquer"/>
-          <p:cNvSpPr txBox="1"/>
-          <p:nvPr/>
-        </p:nvSpPr>
-        <p:spPr>
-          <a:xfrm>
-            <a:off x="423212" y="6963885"/>
-            <a:ext cx="3371712" cy="431552"/>
-          </a:xfrm>
-          <a:prstGeom prst="rect">
-            <a:avLst/>
-          </a:prstGeom>
-          <a:ln w="12700">
-            <a:miter lim="400000"/>
-          </a:ln>
-          <a:extLst>
-            <a:ext uri="{C572A759-6A51-4108-AA02-DFA0A04FC94B}">
-              <ma14:wrappingTextBoxFlag xmlns:ma14="http://schemas.microsoft.com/office/mac/drawingml/2011/main" val="1"/>
-            </a:ext>
-          </a:extLst>
-        </p:spPr>
-        <p:txBody>
-          <a:bodyPr wrap="none" lIns="50800" tIns="50800" rIns="50800" bIns="50800" anchor="ctr">
-            <a:spAutoFit/>
-          </a:bodyPr>
-          <a:lstStyle>
-            <a:lvl1pPr>
-              <a:defRPr sz="2400"/>
-            </a:lvl1pPr>
-          </a:lstStyle>
-          <a:p>
-            <a:pPr/>
-            <a:r>
-              <a:t>DAA/Divide and Conquer</a:t>
-            </a:r>
-          </a:p>
-        </p:txBody>
-      </p:sp>
-      <p:sp>
-        <p:nvSpPr>
-          <p:cNvPr id="51" name="RPR/"/>
-          <p:cNvSpPr txBox="1"/>
-          <p:nvPr/>
-        </p:nvSpPr>
-        <p:spPr>
-          <a:xfrm>
-            <a:off x="7535212" y="6988206"/>
-            <a:ext cx="705605" cy="382910"/>
-          </a:xfrm>
-          <a:prstGeom prst="rect">
-            <a:avLst/>
-          </a:prstGeom>
-          <a:ln w="12700">
-            <a:miter lim="400000"/>
-          </a:ln>
-          <a:extLst>
-            <a:ext uri="{C572A759-6A51-4108-AA02-DFA0A04FC94B}">
-              <ma14:wrappingTextBoxFlag xmlns:ma14="http://schemas.microsoft.com/office/mac/drawingml/2011/main" val="1"/>
-            </a:ext>
-          </a:extLst>
-        </p:spPr>
-        <p:txBody>
-          <a:bodyPr wrap="none" lIns="50800" tIns="50800" rIns="50800" bIns="50800" anchor="ctr">
-            <a:spAutoFit/>
-          </a:bodyPr>
-          <a:lstStyle>
-            <a:lvl1pPr>
-              <a:defRPr sz="2000"/>
-            </a:lvl1pPr>
-          </a:lstStyle>
-          <a:p>
-            <a:pPr/>
-            <a:r>
-              <a:t>RPR/</a:t>
-            </a:r>
-          </a:p>
-        </p:txBody>
-      </p:sp>
-    </p:spTree>
-  </p:cSld>
-  <p:clrMapOvr>
-    <a:masterClrMapping/>
-  </p:clrMapOvr>
-  <mc:AlternateContent xmlns:mc="http://schemas.openxmlformats.org/markup-compatibility/2006">
-    <mc:Choice xmlns:p14="http://schemas.microsoft.com/office/powerpoint/2010/main" Requires="p14">
-      <p:transition spd="med" advClick="1" p14:dur="899">
-        <p:wipe dir="l"/>
-      </p:transition>
-    </mc:Choice>
-    <mc:Fallback>
-      <p:transition spd="med">
-        <p:fade/>
-      </p:transition>
-    </mc:Fallback>
-  </mc:AlternateContent>
-  <p:timing>
-    <p:tnLst>
-      <p:par>
-        <p:cTn id="1" nodeType="tmRoot" restart="never" dur="indefinite" fill="hold">
-          <p:childTnLst>
-            <p:seq concurrent="1" prevAc="none" nextAc="seek">
-              <p:cTn id="2" nodeType="mainSeq" dur="indefinite" fill="hold">
-                <p:childTnLst>
-                  <p:par>
-                    <p:cTn id="3" fill="hold">
-                      <p:stCondLst>
-                        <p:cond delay="indefinite"/>
-                      </p:stCondLst>
-                      <p:childTnLst>
-                        <p:par>
-                          <p:cTn id="4" fill="hold">
-                            <p:stCondLst>
-                              <p:cond delay="0"/>
-                            </p:stCondLst>
-                            <p:childTnLst>
-                              <p:par>
-                                <p:cTn id="5" presetClass="entr" nodeType="clickEffect" presetSubtype="0" presetID="1" grpId="1" fill="hold">
-                                  <p:stCondLst>
-                                    <p:cond delay="0"/>
-                                  </p:stCondLst>
-                                  <p:iterate type="el" backwards="0">
-                                    <p:tmAbs val="0"/>
-                                  </p:iterate>
-                                  <p:childTnLst>
-                                    <p:set>
-                                      <p:cBhvr>
-                                        <p:cTn id="6" fill="hold"/>
-                                        <p:tgtEl>
-                                          <p:spTgt spid="48">
-                                            <p:bg/>
-                                          </p:spTgt>
-                                        </p:tgtEl>
-                                        <p:attrNameLst>
-                                          <p:attrName>style.visibility</p:attrName>
-                                        </p:attrNameLst>
-                                      </p:cBhvr>
-                                      <p:to>
-                                        <p:strVal val="visible"/>
-                                      </p:to>
-                                    </p:set>
-                                  </p:childTnLst>
-                                </p:cTn>
-                              </p:par>
-                              <p:par>
-                                <p:cTn id="7" presetClass="entr" nodeType="withEffect" presetSubtype="0" presetID="1" grpId="1" fill="hold">
-                                  <p:stCondLst>
-                                    <p:cond delay="0"/>
-                                  </p:stCondLst>
-                                  <p:iterate type="el" backwards="0">
-                                    <p:tmAbs val="0"/>
-                                  </p:iterate>
-                                  <p:childTnLst>
-                                    <p:set>
-                                      <p:cBhvr>
-                                        <p:cTn id="8" fill="hold"/>
-                                        <p:tgtEl>
-                                          <p:spTgt spid="48">
-                                            <p:txEl>
-                                              <p:pRg st="0" end="0"/>
-                                            </p:txEl>
-                                          </p:spTgt>
-                                        </p:tgtEl>
-                                        <p:attrNameLst>
-                                          <p:attrName>style.visibility</p:attrName>
-                                        </p:attrNameLst>
-                                      </p:cBhvr>
-                                      <p:to>
-                                        <p:strVal val="visible"/>
-                                      </p:to>
-                                    </p:set>
-                                  </p:childTnLst>
-                                </p:cTn>
-                              </p:par>
-                            </p:childTnLst>
-                          </p:cTn>
-                        </p:par>
-                      </p:childTnLst>
-                    </p:cTn>
-                  </p:par>
-                  <p:par>
-                    <p:cTn id="9" fill="hold">
-                      <p:stCondLst>
-                        <p:cond delay="indefinite"/>
-                      </p:stCondLst>
-                      <p:childTnLst>
-                        <p:par>
-                          <p:cTn id="10" fill="hold">
-                            <p:stCondLst>
-                              <p:cond delay="0"/>
-                            </p:stCondLst>
-                            <p:childTnLst>
-                              <p:par>
-                                <p:cTn id="11" presetClass="entr" nodeType="clickEffect" presetSubtype="0" presetID="1" grpId="1" fill="hold">
-                                  <p:stCondLst>
-                                    <p:cond delay="0"/>
-                                  </p:stCondLst>
-                                  <p:iterate type="el" backwards="0">
-                                    <p:tmAbs val="0"/>
-                                  </p:iterate>
-                                  <p:childTnLst>
-                                    <p:set>
-                                      <p:cBhvr>
-                                        <p:cTn id="12" fill="hold"/>
-                                        <p:tgtEl>
-                                          <p:spTgt spid="48">
-                                            <p:txEl>
-                                              <p:pRg st="1" end="1"/>
-                                            </p:txEl>
-                                          </p:spTgt>
-                                        </p:tgtEl>
-                                        <p:attrNameLst>
-                                          <p:attrName>style.visibility</p:attrName>
-                                        </p:attrNameLst>
-                                      </p:cBhvr>
-                                      <p:to>
-                                        <p:strVal val="visible"/>
-                                      </p:to>
-                                    </p:set>
-                                  </p:childTnLst>
-                                </p:cTn>
-                              </p:par>
-                            </p:childTnLst>
-                          </p:cTn>
-                        </p:par>
-                      </p:childTnLst>
-                    </p:cTn>
-                  </p:par>
-                  <p:par>
-                    <p:cTn id="13" fill="hold">
-                      <p:stCondLst>
-                        <p:cond delay="indefinite"/>
-                      </p:stCondLst>
-                      <p:childTnLst>
-                        <p:par>
-                          <p:cTn id="14" fill="hold">
-                            <p:stCondLst>
-                              <p:cond delay="0"/>
-                            </p:stCondLst>
-                            <p:childTnLst>
-                              <p:par>
-                                <p:cTn id="15" presetClass="entr" nodeType="clickEffect" presetSubtype="0" presetID="1" grpId="1" fill="hold">
-                                  <p:stCondLst>
-                                    <p:cond delay="0"/>
-                                  </p:stCondLst>
-                                  <p:iterate type="el" backwards="0">
-                                    <p:tmAbs val="0"/>
-                                  </p:iterate>
-                                  <p:childTnLst>
-                                    <p:set>
-                                      <p:cBhvr>
-                                        <p:cTn id="16" fill="hold"/>
-                                        <p:tgtEl>
-                                          <p:spTgt spid="48">
-                                            <p:txEl>
-                                              <p:pRg st="2" end="2"/>
-                                            </p:txEl>
-                                          </p:spTgt>
-                                        </p:tgtEl>
-                                        <p:attrNameLst>
-                                          <p:attrName>style.visibility</p:attrName>
-                                        </p:attrNameLst>
-                                      </p:cBhvr>
-                                      <p:to>
-                                        <p:strVal val="visible"/>
-                                      </p:to>
-                                    </p:set>
-                                  </p:childTnLst>
-                                </p:cTn>
-                              </p:par>
-                            </p:childTnLst>
-                          </p:cTn>
-                        </p:par>
-                      </p:childTnLst>
-                    </p:cTn>
-                  </p:par>
-                </p:childTnLst>
-              </p:cTn>
-              <p:prevCondLst>
-                <p:cond evt="onPrev">
-                  <p:tgtEl>
-                    <p:sldTgt/>
-                  </p:tgtEl>
-                </p:cond>
-              </p:prevCondLst>
-              <p:nextCondLst>
-                <p:cond evt="onNext">
-                  <p:tgtEl>
-                    <p:sldTgt/>
-                  </p:tgtEl>
-                </p:cond>
-              </p:nextCondLst>
-            </p:seq>
-          </p:childTnLst>
-        </p:cTn>
-      </p:par>
-    </p:tnLst>
-    <p:bldLst>
-      <p:bldP build="p" bldLvl="5" animBg="1" rev="0" advAuto="0" spid="48" grpId="1"/>
-    </p:bldLst>
-  </p:timing>
-</p:sld>
-</file>
-
-<file path=ppt/slides/slide20.xml><?xml version="1.0" encoding="utf-8"?>
-<p:sld xmlns:a="http://schemas.openxmlformats.org/drawingml/2006/main" xmlns:r="http://schemas.openxmlformats.org/officeDocument/2006/relationships" xmlns:p="http://schemas.openxmlformats.org/presentationml/2006/main" xmlns:m="http://schemas.openxmlformats.org/officeDocument/2006/math" xmlns:a14="http://schemas.microsoft.com/office/drawing/2010/main" showMasterSp="1" showMasterPhAnim="1">
-  <p:cSld>
-    <p:spTree>
-      <p:nvGrpSpPr>
-        <p:cNvPr id="1" name=""/>
-        <p:cNvGrpSpPr/>
-        <p:nvPr/>
-      </p:nvGrpSpPr>
-      <p:grpSpPr>
-        <a:xfrm>
-          <a:off x="0" y="0"/>
-          <a:ext cx="0" cy="0"/>
-          <a:chOff x="0" y="0"/>
-          <a:chExt cx="0" cy="0"/>
-        </a:xfrm>
-      </p:grpSpPr>
-      <p:sp>
-        <p:nvSpPr>
-          <p:cNvPr id="323" name="Game of 128 numbers - d"/>
-          <p:cNvSpPr txBox="1"/>
-          <p:nvPr>
-            <p:ph type="title"/>
-          </p:nvPr>
-        </p:nvSpPr>
-        <p:spPr>
-          <a:prstGeom prst="rect">
-            <a:avLst/>
-          </a:prstGeom>
-        </p:spPr>
-        <p:txBody>
-          <a:bodyPr/>
-          <a:lstStyle/>
-          <a:p>
-            <a:pPr/>
-            <a:r>
-              <a:t>Game of </a:t>
-            </a:r>
-            <a:r>
-              <a:rPr>
-                <a:latin typeface="Arial"/>
-                <a:ea typeface="Arial"/>
-                <a:cs typeface="Arial"/>
-                <a:sym typeface="Arial"/>
-              </a:rPr>
-              <a:t>128</a:t>
-            </a:r>
-            <a:r>
-              <a:t> numbers - d</a:t>
-            </a:r>
-          </a:p>
-        </p:txBody>
-      </p:sp>
-      <p:sp>
-        <p:nvSpPr>
-          <p:cNvPr id="324" name="Slide Number"/>
-          <p:cNvSpPr txBox="1"/>
-          <p:nvPr>
-            <p:ph type="sldNum" sz="quarter" idx="2"/>
-          </p:nvPr>
-        </p:nvSpPr>
-        <p:spPr>
-          <a:prstGeom prst="rect">
-            <a:avLst/>
-          </a:prstGeom>
-          <a:extLst>
-            <a:ext uri="{C572A759-6A51-4108-AA02-DFA0A04FC94B}">
-              <ma14:wrappingTextBoxFlag xmlns:ma14="http://schemas.microsoft.com/office/mac/drawingml/2011/main" val="1"/>
-            </a:ext>
-          </a:extLst>
-        </p:spPr>
-        <p:txBody>
-          <a:bodyPr/>
-          <a:lstStyle/>
-          <a:p>
-            <a:pPr/>
-            <a:fld id="{86CB4B4D-7CA3-9044-876B-883B54F8677D}" type="slidenum"/>
-          </a:p>
-        </p:txBody>
-      </p:sp>
-      <p:sp>
-        <p:nvSpPr>
-          <p:cNvPr id="325" name="DAA/Divide and Conquer"/>
-          <p:cNvSpPr txBox="1"/>
-          <p:nvPr/>
-        </p:nvSpPr>
-        <p:spPr>
-          <a:xfrm>
-            <a:off x="423212" y="6963885"/>
-            <a:ext cx="3371712" cy="431552"/>
-          </a:xfrm>
-          <a:prstGeom prst="rect">
-            <a:avLst/>
-          </a:prstGeom>
-          <a:ln w="12700">
-            <a:miter lim="400000"/>
-          </a:ln>
-          <a:extLst>
-            <a:ext uri="{C572A759-6A51-4108-AA02-DFA0A04FC94B}">
-              <ma14:wrappingTextBoxFlag xmlns:ma14="http://schemas.microsoft.com/office/mac/drawingml/2011/main" val="1"/>
-            </a:ext>
-          </a:extLst>
-        </p:spPr>
-        <p:txBody>
-          <a:bodyPr wrap="none" lIns="50800" tIns="50800" rIns="50800" bIns="50800" anchor="ctr">
-            <a:spAutoFit/>
-          </a:bodyPr>
-          <a:lstStyle>
-            <a:lvl1pPr>
-              <a:defRPr sz="2400"/>
-            </a:lvl1pPr>
-          </a:lstStyle>
-          <a:p>
-            <a:pPr/>
-            <a:r>
-              <a:t>DAA/Divide and Conquer</a:t>
-            </a:r>
-          </a:p>
-        </p:txBody>
-      </p:sp>
-      <p:sp>
-        <p:nvSpPr>
-          <p:cNvPr id="326" name="RPR/"/>
-          <p:cNvSpPr txBox="1"/>
-          <p:nvPr/>
-        </p:nvSpPr>
-        <p:spPr>
-          <a:xfrm>
-            <a:off x="7535212" y="6988206"/>
-            <a:ext cx="705605" cy="382910"/>
-          </a:xfrm>
-          <a:prstGeom prst="rect">
-            <a:avLst/>
-          </a:prstGeom>
-          <a:ln w="12700">
-            <a:miter lim="400000"/>
-          </a:ln>
-          <a:extLst>
-            <a:ext uri="{C572A759-6A51-4108-AA02-DFA0A04FC94B}">
-              <ma14:wrappingTextBoxFlag xmlns:ma14="http://schemas.microsoft.com/office/mac/drawingml/2011/main" val="1"/>
-            </a:ext>
-          </a:extLst>
-        </p:spPr>
-        <p:txBody>
-          <a:bodyPr wrap="none" lIns="50800" tIns="50800" rIns="50800" bIns="50800" anchor="ctr">
-            <a:spAutoFit/>
-          </a:bodyPr>
-          <a:lstStyle>
-            <a:lvl1pPr>
-              <a:defRPr sz="2000"/>
-            </a:lvl1pPr>
-          </a:lstStyle>
-          <a:p>
-            <a:pPr/>
-            <a:r>
-              <a:t>RPR/</a:t>
-            </a:r>
-          </a:p>
-        </p:txBody>
-      </p:sp>
-      <p:pic>
-        <p:nvPicPr>
-          <p:cNvPr id="327" name="Image" descr="Image"/>
-          <p:cNvPicPr>
-            <a:picLocks noChangeAspect="1"/>
-          </p:cNvPicPr>
-          <p:nvPr/>
-        </p:nvPicPr>
-        <p:blipFill>
-          <a:blip r:embed="rId2">
-            <a:extLst/>
-          </a:blip>
-          <a:stretch>
-            <a:fillRect/>
-          </a:stretch>
-        </p:blipFill>
-        <p:spPr>
-          <a:xfrm>
-            <a:off x="1004185" y="918328"/>
-            <a:ext cx="8151630" cy="6121651"/>
-          </a:xfrm>
-          <a:prstGeom prst="rect">
-            <a:avLst/>
-          </a:prstGeom>
-        </p:spPr>
-      </p:pic>
-    </p:spTree>
-  </p:cSld>
-  <p:clrMapOvr>
-    <a:masterClrMapping/>
-  </p:clrMapOvr>
-  <mc:AlternateContent xmlns:mc="http://schemas.openxmlformats.org/markup-compatibility/2006">
-    <mc:Choice xmlns:p15="http://schemas.microsoft.com/office/powerpoint/2012/main" Requires="p15">
-      <p:transition xmlns:p14="http://schemas.microsoft.com/office/powerpoint/2010/main" spd="med" advClick="1" p14:dur="1000">
-        <p15:prstTrans prst="peelOff" invX="1"/>
-      </p:transition>
-    </mc:Choice>
-    <mc:Choice xmlns:p14="http://schemas.microsoft.com/office/powerpoint/2010/main" Requires="p14">
-      <p:transition spd="med" advClick="1" p14:dur="1000">
-        <p:wipe dir="l"/>
-      </p:transition>
-    </mc:Choice>
-    <mc:Fallback>
-      <p:transition spd="med">
-        <p:fade/>
-      </p:transition>
-    </mc:Fallback>
-  </mc:AlternateContent>
-</p:sld>
-</file>
-
-<file path=ppt/slides/slide21.xml><?xml version="1.0" encoding="utf-8"?>
-<p:sld xmlns:a="http://schemas.openxmlformats.org/drawingml/2006/main" xmlns:r="http://schemas.openxmlformats.org/officeDocument/2006/relationships" xmlns:p="http://schemas.openxmlformats.org/presentationml/2006/main" xmlns:m="http://schemas.openxmlformats.org/officeDocument/2006/math" xmlns:a14="http://schemas.microsoft.com/office/drawing/2010/main" showMasterSp="1" showMasterPhAnim="1">
-  <p:cSld>
-    <p:spTree>
-      <p:nvGrpSpPr>
-        <p:cNvPr id="1" name=""/>
-        <p:cNvGrpSpPr/>
-        <p:nvPr/>
-      </p:nvGrpSpPr>
-      <p:grpSpPr>
-        <a:xfrm>
-          <a:off x="0" y="0"/>
-          <a:ext cx="0" cy="0"/>
-          <a:chOff x="0" y="0"/>
-          <a:chExt cx="0" cy="0"/>
-        </a:xfrm>
-      </p:grpSpPr>
-      <p:sp>
-        <p:nvSpPr>
-          <p:cNvPr id="329" name="Game of 128 numbers - d"/>
-          <p:cNvSpPr txBox="1"/>
-          <p:nvPr>
-            <p:ph type="title"/>
-          </p:nvPr>
-        </p:nvSpPr>
-        <p:spPr>
-          <a:prstGeom prst="rect">
-            <a:avLst/>
-          </a:prstGeom>
-        </p:spPr>
-        <p:txBody>
-          <a:bodyPr/>
-          <a:lstStyle/>
-          <a:p>
-            <a:pPr/>
-            <a:r>
-              <a:t>Game of </a:t>
-            </a:r>
-            <a:r>
-              <a:rPr>
-                <a:latin typeface="Arial"/>
-                <a:ea typeface="Arial"/>
-                <a:cs typeface="Arial"/>
-                <a:sym typeface="Arial"/>
-              </a:rPr>
-              <a:t>128</a:t>
-            </a:r>
-            <a:r>
-              <a:t> numbers - d</a:t>
-            </a:r>
-          </a:p>
-        </p:txBody>
-      </p:sp>
-      <p:sp>
-        <p:nvSpPr>
-          <p:cNvPr id="330" name="Slide Number"/>
-          <p:cNvSpPr txBox="1"/>
-          <p:nvPr>
-            <p:ph type="sldNum" sz="quarter" idx="2"/>
-          </p:nvPr>
-        </p:nvSpPr>
-        <p:spPr>
-          <a:prstGeom prst="rect">
-            <a:avLst/>
-          </a:prstGeom>
-          <a:extLst>
-            <a:ext uri="{C572A759-6A51-4108-AA02-DFA0A04FC94B}">
-              <ma14:wrappingTextBoxFlag xmlns:ma14="http://schemas.microsoft.com/office/mac/drawingml/2011/main" val="1"/>
-            </a:ext>
-          </a:extLst>
-        </p:spPr>
-        <p:txBody>
-          <a:bodyPr/>
-          <a:lstStyle/>
-          <a:p>
-            <a:pPr/>
-            <a:fld id="{86CB4B4D-7CA3-9044-876B-883B54F8677D}" type="slidenum"/>
-          </a:p>
-        </p:txBody>
-      </p:sp>
-      <p:sp>
-        <p:nvSpPr>
-          <p:cNvPr id="331" name="DAA/Divide and Conquer"/>
-          <p:cNvSpPr txBox="1"/>
-          <p:nvPr/>
-        </p:nvSpPr>
-        <p:spPr>
-          <a:xfrm>
-            <a:off x="423212" y="6963885"/>
-            <a:ext cx="3371712" cy="431552"/>
-          </a:xfrm>
-          <a:prstGeom prst="rect">
-            <a:avLst/>
-          </a:prstGeom>
-          <a:ln w="12700">
-            <a:miter lim="400000"/>
-          </a:ln>
-          <a:extLst>
-            <a:ext uri="{C572A759-6A51-4108-AA02-DFA0A04FC94B}">
-              <ma14:wrappingTextBoxFlag xmlns:ma14="http://schemas.microsoft.com/office/mac/drawingml/2011/main" val="1"/>
-            </a:ext>
-          </a:extLst>
-        </p:spPr>
-        <p:txBody>
-          <a:bodyPr wrap="none" lIns="50800" tIns="50800" rIns="50800" bIns="50800" anchor="ctr">
-            <a:spAutoFit/>
-          </a:bodyPr>
-          <a:lstStyle>
-            <a:lvl1pPr>
-              <a:defRPr sz="2400"/>
-            </a:lvl1pPr>
-          </a:lstStyle>
-          <a:p>
-            <a:pPr/>
-            <a:r>
-              <a:t>DAA/Divide and Conquer</a:t>
-            </a:r>
-          </a:p>
-        </p:txBody>
-      </p:sp>
-      <p:sp>
-        <p:nvSpPr>
-          <p:cNvPr id="332" name="RPR/"/>
-          <p:cNvSpPr txBox="1"/>
-          <p:nvPr/>
-        </p:nvSpPr>
-        <p:spPr>
-          <a:xfrm>
-            <a:off x="7535212" y="6988206"/>
-            <a:ext cx="705605" cy="382910"/>
-          </a:xfrm>
-          <a:prstGeom prst="rect">
-            <a:avLst/>
-          </a:prstGeom>
-          <a:ln w="12700">
-            <a:miter lim="400000"/>
-          </a:ln>
-          <a:extLst>
-            <a:ext uri="{C572A759-6A51-4108-AA02-DFA0A04FC94B}">
-              <ma14:wrappingTextBoxFlag xmlns:ma14="http://schemas.microsoft.com/office/mac/drawingml/2011/main" val="1"/>
-            </a:ext>
-          </a:extLst>
-        </p:spPr>
-        <p:txBody>
-          <a:bodyPr wrap="none" lIns="50800" tIns="50800" rIns="50800" bIns="50800" anchor="ctr">
-            <a:spAutoFit/>
-          </a:bodyPr>
-          <a:lstStyle>
-            <a:lvl1pPr>
-              <a:defRPr sz="2000"/>
-            </a:lvl1pPr>
-          </a:lstStyle>
-          <a:p>
-            <a:pPr/>
-            <a:r>
-              <a:t>RPR/</a:t>
-            </a:r>
-          </a:p>
-        </p:txBody>
-      </p:sp>
-      <p:pic>
-        <p:nvPicPr>
-          <p:cNvPr id="333" name="Image" descr="Image"/>
-          <p:cNvPicPr>
-            <a:picLocks noChangeAspect="1"/>
-          </p:cNvPicPr>
-          <p:nvPr/>
-        </p:nvPicPr>
-        <p:blipFill>
-          <a:blip r:embed="rId2">
-            <a:extLst/>
-          </a:blip>
-          <a:stretch>
-            <a:fillRect/>
-          </a:stretch>
-        </p:blipFill>
-        <p:spPr>
-          <a:xfrm>
-            <a:off x="874717" y="798269"/>
-            <a:ext cx="8410566" cy="6328261"/>
-          </a:xfrm>
-          <a:prstGeom prst="rect">
-            <a:avLst/>
-          </a:prstGeom>
-        </p:spPr>
-      </p:pic>
-    </p:spTree>
-  </p:cSld>
-  <p:clrMapOvr>
-    <a:masterClrMapping/>
-  </p:clrMapOvr>
-  <p:transition xmlns:p14="http://schemas.microsoft.com/office/powerpoint/2010/main" spd="med" advClick="1"/>
-</p:sld>
-</file>
-
-<file path=ppt/slides/slide22.xml><?xml version="1.0" encoding="utf-8"?>
-<p:sld xmlns:a="http://schemas.openxmlformats.org/drawingml/2006/main" xmlns:r="http://schemas.openxmlformats.org/officeDocument/2006/relationships" xmlns:p="http://schemas.openxmlformats.org/presentationml/2006/main" xmlns:m="http://schemas.openxmlformats.org/officeDocument/2006/math" xmlns:a14="http://schemas.microsoft.com/office/drawing/2010/main" showMasterSp="1" showMasterPhAnim="1">
-  <p:cSld>
-    <p:spTree>
-      <p:nvGrpSpPr>
-        <p:cNvPr id="1" name=""/>
-        <p:cNvGrpSpPr/>
-        <p:nvPr/>
-      </p:nvGrpSpPr>
-      <p:grpSpPr>
-        <a:xfrm>
-          <a:off x="0" y="0"/>
-          <a:ext cx="0" cy="0"/>
-          <a:chOff x="0" y="0"/>
-          <a:chExt cx="0" cy="0"/>
-        </a:xfrm>
-      </p:grpSpPr>
-      <p:sp>
-        <p:nvSpPr>
-          <p:cNvPr id="335" name="Exercise G"/>
-          <p:cNvSpPr txBox="1"/>
-          <p:nvPr>
-            <p:ph type="title"/>
-          </p:nvPr>
-        </p:nvSpPr>
-        <p:spPr>
-          <a:prstGeom prst="rect">
-            <a:avLst/>
-          </a:prstGeom>
-        </p:spPr>
-        <p:txBody>
-          <a:bodyPr/>
-          <a:lstStyle/>
-          <a:p>
-            <a:pPr/>
-            <a:r>
-              <a:t>Exercise G</a:t>
-            </a:r>
-          </a:p>
-        </p:txBody>
-      </p:sp>
-      <p:sp>
-        <p:nvSpPr>
-          <p:cNvPr id="336" name="Exercise G…"/>
-          <p:cNvSpPr txBox="1"/>
-          <p:nvPr>
-            <p:ph type="body" idx="1"/>
-          </p:nvPr>
-        </p:nvSpPr>
-        <p:spPr>
-          <a:prstGeom prst="rect">
-            <a:avLst/>
-          </a:prstGeom>
-        </p:spPr>
-        <p:txBody>
-          <a:bodyPr/>
-          <a:lstStyle/>
-          <a:p>
-            <a:pPr/>
-            <a:r>
-              <a:t>Exercise G</a:t>
-            </a:r>
-          </a:p>
-          <a:p>
-            <a:pPr lvl="1"/>
-            <a:r>
-              <a:t>Work out the remaining 3 cards</a:t>
-            </a:r>
-          </a:p>
-        </p:txBody>
-      </p:sp>
-      <p:sp>
-        <p:nvSpPr>
-          <p:cNvPr id="337" name="Slide Number"/>
-          <p:cNvSpPr txBox="1"/>
-          <p:nvPr>
-            <p:ph type="sldNum" sz="quarter" idx="2"/>
-          </p:nvPr>
-        </p:nvSpPr>
-        <p:spPr>
-          <a:prstGeom prst="rect">
-            <a:avLst/>
-          </a:prstGeom>
-          <a:extLst>
-            <a:ext uri="{C572A759-6A51-4108-AA02-DFA0A04FC94B}">
-              <ma14:wrappingTextBoxFlag xmlns:ma14="http://schemas.microsoft.com/office/mac/drawingml/2011/main" val="1"/>
-            </a:ext>
-          </a:extLst>
-        </p:spPr>
-        <p:txBody>
-          <a:bodyPr/>
-          <a:lstStyle/>
-          <a:p>
-            <a:pPr/>
-            <a:fld id="{86CB4B4D-7CA3-9044-876B-883B54F8677D}" type="slidenum"/>
-          </a:p>
-        </p:txBody>
-      </p:sp>
-      <p:sp>
-        <p:nvSpPr>
-          <p:cNvPr id="338" name="DAA/Divide and Conquer"/>
-          <p:cNvSpPr txBox="1"/>
-          <p:nvPr/>
-        </p:nvSpPr>
-        <p:spPr>
-          <a:xfrm>
-            <a:off x="423212" y="6963885"/>
-            <a:ext cx="3371712" cy="431552"/>
-          </a:xfrm>
-          <a:prstGeom prst="rect">
-            <a:avLst/>
-          </a:prstGeom>
-          <a:ln w="12700">
-            <a:miter lim="400000"/>
-          </a:ln>
-          <a:extLst>
-            <a:ext uri="{C572A759-6A51-4108-AA02-DFA0A04FC94B}">
-              <ma14:wrappingTextBoxFlag xmlns:ma14="http://schemas.microsoft.com/office/mac/drawingml/2011/main" val="1"/>
-            </a:ext>
-          </a:extLst>
-        </p:spPr>
-        <p:txBody>
-          <a:bodyPr wrap="none" lIns="50800" tIns="50800" rIns="50800" bIns="50800" anchor="ctr">
-            <a:spAutoFit/>
-          </a:bodyPr>
-          <a:lstStyle>
-            <a:lvl1pPr>
-              <a:defRPr sz="2400"/>
-            </a:lvl1pPr>
-          </a:lstStyle>
-          <a:p>
-            <a:pPr/>
-            <a:r>
-              <a:t>DAA/Divide and Conquer</a:t>
-            </a:r>
-          </a:p>
-        </p:txBody>
-      </p:sp>
-      <p:sp>
-        <p:nvSpPr>
-          <p:cNvPr id="339" name="RPR/"/>
-          <p:cNvSpPr txBox="1"/>
-          <p:nvPr/>
-        </p:nvSpPr>
-        <p:spPr>
-          <a:xfrm>
-            <a:off x="7535212" y="6988206"/>
-            <a:ext cx="705605" cy="382910"/>
-          </a:xfrm>
-          <a:prstGeom prst="rect">
-            <a:avLst/>
-          </a:prstGeom>
-          <a:ln w="12700">
-            <a:miter lim="400000"/>
-          </a:ln>
-          <a:extLst>
-            <a:ext uri="{C572A759-6A51-4108-AA02-DFA0A04FC94B}">
-              <ma14:wrappingTextBoxFlag xmlns:ma14="http://schemas.microsoft.com/office/mac/drawingml/2011/main" val="1"/>
-            </a:ext>
-          </a:extLst>
-        </p:spPr>
-        <p:txBody>
-          <a:bodyPr wrap="none" lIns="50800" tIns="50800" rIns="50800" bIns="50800" anchor="ctr">
-            <a:spAutoFit/>
-          </a:bodyPr>
-          <a:lstStyle>
-            <a:lvl1pPr>
-              <a:defRPr sz="2000"/>
-            </a:lvl1pPr>
-          </a:lstStyle>
-          <a:p>
-            <a:pPr/>
-            <a:r>
-              <a:t>RPR/</a:t>
-            </a:r>
-          </a:p>
-        </p:txBody>
-      </p:sp>
-    </p:spTree>
-  </p:cSld>
-  <p:clrMapOvr>
-    <a:masterClrMapping/>
-  </p:clrMapOvr>
-  <p:transition xmlns:p14="http://schemas.microsoft.com/office/powerpoint/2010/main" spd="med" advClick="1"/>
-</p:sld>
-</file>
-
-<file path=ppt/slides/slide23.xml><?xml version="1.0" encoding="utf-8"?>
-<p:sld xmlns:a="http://schemas.openxmlformats.org/drawingml/2006/main" xmlns:r="http://schemas.openxmlformats.org/officeDocument/2006/relationships" xmlns:p="http://schemas.openxmlformats.org/presentationml/2006/main" xmlns:m="http://schemas.openxmlformats.org/officeDocument/2006/math" xmlns:a14="http://schemas.microsoft.com/office/drawing/2010/main" showMasterSp="1" showMasterPhAnim="1">
-  <p:cSld>
-    <p:spTree>
-      <p:nvGrpSpPr>
-        <p:cNvPr id="1" name=""/>
-        <p:cNvGrpSpPr/>
-        <p:nvPr/>
-      </p:nvGrpSpPr>
-      <p:grpSpPr>
-        <a:xfrm>
-          <a:off x="0" y="0"/>
-          <a:ext cx="0" cy="0"/>
-          <a:chOff x="0" y="0"/>
-          <a:chExt cx="0" cy="0"/>
-        </a:xfrm>
-      </p:grpSpPr>
-      <p:sp>
-        <p:nvSpPr>
-          <p:cNvPr id="341" name="Summary: Divide and Conquer"/>
-          <p:cNvSpPr txBox="1"/>
-          <p:nvPr>
-            <p:ph type="title"/>
-          </p:nvPr>
-        </p:nvSpPr>
-        <p:spPr>
-          <a:prstGeom prst="rect">
-            <a:avLst/>
-          </a:prstGeom>
-        </p:spPr>
-        <p:txBody>
-          <a:bodyPr/>
-          <a:lstStyle/>
-          <a:p>
-            <a:pPr/>
-            <a:r>
-              <a:t>Summary: Divide and Conquer</a:t>
-            </a:r>
-          </a:p>
-        </p:txBody>
-      </p:sp>
-      <p:sp>
-        <p:nvSpPr>
-          <p:cNvPr id="342" name="Break the problem into smaller subsets…"/>
-          <p:cNvSpPr txBox="1"/>
-          <p:nvPr>
-            <p:ph type="body" idx="1"/>
-          </p:nvPr>
-        </p:nvSpPr>
-        <p:spPr>
-          <a:prstGeom prst="rect">
-            <a:avLst/>
-          </a:prstGeom>
-        </p:spPr>
-        <p:txBody>
-          <a:bodyPr/>
-          <a:lstStyle/>
-          <a:p>
-            <a:pPr/>
-            <a:r>
-              <a:t>Break the problem into smaller subsets</a:t>
-            </a:r>
-          </a:p>
-          <a:p>
-            <a:pPr lvl="1"/>
-            <a:r>
-              <a:t>By a factor </a:t>
-            </a:r>
-            <a:r>
-              <a:rPr>
-                <a:latin typeface="Courier New"/>
-                <a:ea typeface="Courier New"/>
-                <a:cs typeface="Courier New"/>
-                <a:sym typeface="Courier New"/>
-              </a:rPr>
-              <a:t>c</a:t>
-            </a:r>
-            <a:r>
-              <a:t> i.e. </a:t>
-            </a:r>
-            <a:r>
-              <a:rPr>
-                <a:latin typeface="Courier New"/>
-                <a:ea typeface="Courier New"/>
-                <a:cs typeface="Courier New"/>
-                <a:sym typeface="Courier New"/>
-              </a:rPr>
-              <a:t>n</a:t>
-            </a:r>
-            <a:r>
-              <a:t>—&gt; </a:t>
-            </a:r>
-            <a:r>
-              <a:rPr>
-                <a:latin typeface="Courier New"/>
-                <a:ea typeface="Courier New"/>
-                <a:cs typeface="Courier New"/>
-                <a:sym typeface="Courier New"/>
-              </a:rPr>
-              <a:t>n/c</a:t>
-            </a:r>
-          </a:p>
-          <a:p>
-            <a:pPr/>
-            <a:r>
-              <a:t>Conquer (Solve) the sub-problem</a:t>
-            </a:r>
-          </a:p>
-          <a:p>
-            <a:pPr/>
-            <a:r>
-              <a:t>Combine (Merge) the solution of sub-parts</a:t>
-            </a:r>
-          </a:p>
-          <a:p>
-            <a:pPr/>
-            <a:r>
-              <a:t>Example cases</a:t>
-            </a:r>
-          </a:p>
-          <a:p>
-            <a:pPr lvl="1"/>
-            <a:r>
-              <a:t>Sorting and Searching</a:t>
-            </a:r>
-          </a:p>
-          <a:p>
-            <a:pPr lvl="1"/>
-            <a:r>
-              <a:t>Binary Tree traversals</a:t>
-            </a:r>
-          </a:p>
-          <a:p>
-            <a:pPr lvl="1"/>
-            <a:r>
-              <a:t>Binary search</a:t>
-            </a:r>
-          </a:p>
-          <a:p>
-            <a:pPr lvl="1"/>
-            <a:r>
-              <a:t>Multiplication of large numbers (Karatsuba Algo)</a:t>
-            </a:r>
-          </a:p>
-          <a:p>
-            <a:pPr lvl="1"/>
-            <a:r>
-              <a:t>Matrix multiplicatin - Strassen’s algorithm</a:t>
-            </a:r>
-          </a:p>
-          <a:p>
-            <a:pPr lvl="1"/>
-            <a:r>
-              <a:t>Closest pair problem</a:t>
-            </a:r>
-          </a:p>
-          <a:p>
-            <a:pPr lvl="1"/>
-            <a:r>
-              <a:t>Convex Hull problem</a:t>
-            </a:r>
-          </a:p>
-        </p:txBody>
-      </p:sp>
-      <p:sp>
-        <p:nvSpPr>
-          <p:cNvPr id="343" name="Slide Number"/>
-          <p:cNvSpPr txBox="1"/>
-          <p:nvPr>
-            <p:ph type="sldNum" sz="quarter" idx="2"/>
-          </p:nvPr>
-        </p:nvSpPr>
-        <p:spPr>
-          <a:xfrm>
-            <a:off x="8154987" y="6942137"/>
-            <a:ext cx="368301" cy="382911"/>
-          </a:xfrm>
-          <a:prstGeom prst="rect">
-            <a:avLst/>
-          </a:prstGeom>
-          <a:extLst>
-            <a:ext uri="{C572A759-6A51-4108-AA02-DFA0A04FC94B}">
-              <ma14:wrappingTextBoxFlag xmlns:ma14="http://schemas.microsoft.com/office/mac/drawingml/2011/main" val="1"/>
-            </a:ext>
-          </a:extLst>
-        </p:spPr>
-        <p:txBody>
-          <a:bodyPr wrap="none"/>
-          <a:lstStyle/>
-          <a:p>
-            <a:pPr/>
-            <a:fld id="{86CB4B4D-7CA3-9044-876B-883B54F8677D}" type="slidenum"/>
-          </a:p>
-        </p:txBody>
-      </p:sp>
-      <p:sp>
-        <p:nvSpPr>
-          <p:cNvPr id="344" name="DAA/Divide and Conquer"/>
-          <p:cNvSpPr txBox="1"/>
-          <p:nvPr/>
-        </p:nvSpPr>
-        <p:spPr>
-          <a:xfrm>
-            <a:off x="423212" y="6963885"/>
-            <a:ext cx="3371712" cy="431552"/>
-          </a:xfrm>
-          <a:prstGeom prst="rect">
-            <a:avLst/>
-          </a:prstGeom>
-          <a:ln w="12700">
-            <a:miter lim="400000"/>
-          </a:ln>
-          <a:extLst>
-            <a:ext uri="{C572A759-6A51-4108-AA02-DFA0A04FC94B}">
-              <ma14:wrappingTextBoxFlag xmlns:ma14="http://schemas.microsoft.com/office/mac/drawingml/2011/main" val="1"/>
-            </a:ext>
-          </a:extLst>
-        </p:spPr>
-        <p:txBody>
-          <a:bodyPr wrap="none" lIns="50800" tIns="50800" rIns="50800" bIns="50800" anchor="ctr">
-            <a:spAutoFit/>
-          </a:bodyPr>
-          <a:lstStyle>
-            <a:lvl1pPr>
-              <a:defRPr sz="2400"/>
-            </a:lvl1pPr>
-          </a:lstStyle>
-          <a:p>
-            <a:pPr/>
-            <a:r>
-              <a:t>DAA/Divide and Conquer</a:t>
-            </a:r>
-          </a:p>
-        </p:txBody>
-      </p:sp>
-      <p:sp>
-        <p:nvSpPr>
-          <p:cNvPr id="345" name="RPR/"/>
-          <p:cNvSpPr txBox="1"/>
-          <p:nvPr/>
-        </p:nvSpPr>
-        <p:spPr>
-          <a:xfrm>
-            <a:off x="7535212" y="6988206"/>
-            <a:ext cx="705605" cy="382910"/>
-          </a:xfrm>
-          <a:prstGeom prst="rect">
-            <a:avLst/>
-          </a:prstGeom>
-          <a:ln w="12700">
-            <a:miter lim="400000"/>
-          </a:ln>
-          <a:extLst>
-            <a:ext uri="{C572A759-6A51-4108-AA02-DFA0A04FC94B}">
-              <ma14:wrappingTextBoxFlag xmlns:ma14="http://schemas.microsoft.com/office/mac/drawingml/2011/main" val="1"/>
-            </a:ext>
-          </a:extLst>
-        </p:spPr>
-        <p:txBody>
-          <a:bodyPr wrap="none" lIns="50800" tIns="50800" rIns="50800" bIns="50800" anchor="ctr">
-            <a:spAutoFit/>
-          </a:bodyPr>
-          <a:lstStyle>
-            <a:lvl1pPr>
-              <a:defRPr sz="2000"/>
-            </a:lvl1pPr>
-          </a:lstStyle>
-          <a:p>
-            <a:pPr/>
-            <a:r>
-              <a:t>RPR/</a:t>
-            </a:r>
-          </a:p>
-        </p:txBody>
-      </p:sp>
-    </p:spTree>
-  </p:cSld>
-  <p:clrMapOvr>
-    <a:masterClrMapping/>
-  </p:clrMapOvr>
-  <p:transition xmlns:p14="http://schemas.microsoft.com/office/powerpoint/2010/main" spd="med" advClick="1"/>
-  <p:timing>
-    <p:tnLst>
-      <p:par>
-        <p:cTn id="1" nodeType="tmRoot" restart="never" dur="indefinite" fill="hold">
-          <p:childTnLst>
-            <p:seq concurrent="1" prevAc="none" nextAc="seek">
-              <p:cTn id="2" nodeType="mainSeq" dur="indefinite" fill="hold">
-                <p:childTnLst>
-                  <p:par>
-                    <p:cTn id="3" fill="hold">
-                      <p:stCondLst>
-                        <p:cond delay="indefinite"/>
-                      </p:stCondLst>
-                      <p:childTnLst>
-                        <p:par>
-                          <p:cTn id="4" fill="hold">
-                            <p:stCondLst>
-                              <p:cond delay="0"/>
-                            </p:stCondLst>
-                            <p:childTnLst>
-                              <p:par>
-                                <p:cTn id="5" presetClass="entr" nodeType="clickEffect" presetSubtype="0" presetID="1" grpId="1" fill="hold">
-                                  <p:stCondLst>
-                                    <p:cond delay="0"/>
-                                  </p:stCondLst>
-                                  <p:iterate type="el" backwards="0">
-                                    <p:tmAbs val="0"/>
-                                  </p:iterate>
-                                  <p:childTnLst>
-                                    <p:set>
-                                      <p:cBhvr>
-                                        <p:cTn id="6" fill="hold"/>
-                                        <p:tgtEl>
-                                          <p:spTgt spid="342">
-                                            <p:bg/>
-                                          </p:spTgt>
-                                        </p:tgtEl>
-                                        <p:attrNameLst>
-                                          <p:attrName>style.visibility</p:attrName>
-                                        </p:attrNameLst>
-                                      </p:cBhvr>
-                                      <p:to>
-                                        <p:strVal val="visible"/>
-                                      </p:to>
-                                    </p:set>
-                                  </p:childTnLst>
-                                </p:cTn>
-                              </p:par>
-                              <p:par>
-                                <p:cTn id="7" presetClass="entr" nodeType="withEffect" presetSubtype="0" presetID="1" grpId="1" fill="hold">
-                                  <p:stCondLst>
-                                    <p:cond delay="0"/>
-                                  </p:stCondLst>
-                                  <p:iterate type="el" backwards="0">
-                                    <p:tmAbs val="0"/>
-                                  </p:iterate>
-                                  <p:childTnLst>
-                                    <p:set>
-                                      <p:cBhvr>
-                                        <p:cTn id="8" fill="hold"/>
-                                        <p:tgtEl>
-                                          <p:spTgt spid="342">
+                                          <p:spTgt spid="336">
                                             <p:txEl>
                                               <p:pRg st="0" end="0"/>
                                             </p:txEl>
@@ -18252,7 +18076,7 @@
                                       <p:cBhvr>
                                         <p:cTn id="10" fill="hold"/>
                                         <p:tgtEl>
-                                          <p:spTgt spid="342">
+                                          <p:spTgt spid="336">
                                             <p:txEl>
                                               <p:pRg st="1" end="1"/>
                                             </p:txEl>
@@ -18300,7 +18124,7 @@
                                       <p:cBhvr>
                                         <p:cTn id="14" fill="hold"/>
                                         <p:tgtEl>
-                                          <p:spTgt spid="342">
+                                          <p:spTgt spid="336">
                                             <p:txEl>
                                               <p:pRg st="2" end="2"/>
                                             </p:txEl>
@@ -18348,7 +18172,7 @@
                                       <p:cBhvr>
                                         <p:cTn id="18" fill="hold"/>
                                         <p:tgtEl>
-                                          <p:spTgt spid="342">
+                                          <p:spTgt spid="336">
                                             <p:txEl>
                                               <p:pRg st="3" end="3"/>
                                             </p:txEl>
@@ -18396,7 +18220,7 @@
                                       <p:cBhvr>
                                         <p:cTn id="22" fill="hold"/>
                                         <p:tgtEl>
-                                          <p:spTgt spid="342">
+                                          <p:spTgt spid="336">
                                             <p:txEl>
                                               <p:pRg st="4" end="4"/>
                                             </p:txEl>
@@ -18426,7 +18250,7 @@
                                       <p:cBhvr>
                                         <p:cTn id="24" fill="hold"/>
                                         <p:tgtEl>
-                                          <p:spTgt spid="342">
+                                          <p:spTgt spid="336">
                                             <p:txEl>
                                               <p:pRg st="5" end="5"/>
                                             </p:txEl>
@@ -18456,7 +18280,7 @@
                                       <p:cBhvr>
                                         <p:cTn id="26" fill="hold"/>
                                         <p:tgtEl>
-                                          <p:spTgt spid="342">
+                                          <p:spTgt spid="336">
                                             <p:txEl>
                                               <p:pRg st="6" end="6"/>
                                             </p:txEl>
@@ -18486,7 +18310,7 @@
                                       <p:cBhvr>
                                         <p:cTn id="28" fill="hold"/>
                                         <p:tgtEl>
-                                          <p:spTgt spid="342">
+                                          <p:spTgt spid="336">
                                             <p:txEl>
                                               <p:pRg st="7" end="7"/>
                                             </p:txEl>
@@ -18516,7 +18340,7 @@
                                       <p:cBhvr>
                                         <p:cTn id="30" fill="hold"/>
                                         <p:tgtEl>
-                                          <p:spTgt spid="342">
+                                          <p:spTgt spid="336">
                                             <p:txEl>
                                               <p:pRg st="8" end="8"/>
                                             </p:txEl>
@@ -18546,7 +18370,7 @@
                                       <p:cBhvr>
                                         <p:cTn id="32" fill="hold"/>
                                         <p:tgtEl>
-                                          <p:spTgt spid="342">
+                                          <p:spTgt spid="336">
                                             <p:txEl>
                                               <p:pRg st="9" end="9"/>
                                             </p:txEl>
@@ -18576,7 +18400,7 @@
                                       <p:cBhvr>
                                         <p:cTn id="34" fill="hold"/>
                                         <p:tgtEl>
-                                          <p:spTgt spid="342">
+                                          <p:spTgt spid="336">
                                             <p:txEl>
                                               <p:pRg st="10" end="10"/>
                                             </p:txEl>
@@ -18606,7 +18430,7 @@
                                       <p:cBhvr>
                                         <p:cTn id="36" fill="hold"/>
                                         <p:tgtEl>
-                                          <p:spTgt spid="342">
+                                          <p:spTgt spid="336">
                                             <p:txEl>
                                               <p:pRg st="11" end="11"/>
                                             </p:txEl>
@@ -18651,13 +18475,13 @@
       </p:par>
     </p:tnLst>
     <p:bldLst>
-      <p:bldP build="p" bldLvl="1" animBg="1" rev="0" advAuto="0" spid="342" grpId="1"/>
+      <p:bldP build="p" bldLvl="1" animBg="1" rev="0" advAuto="0" spid="336" grpId="1"/>
     </p:bldLst>
   </p:timing>
 </p:sld>
 </file>
 
-<file path=ppt/slides/slide24.xml><?xml version="1.0" encoding="utf-8"?>
+<file path=ppt/slides/slide23.xml><?xml version="1.0" encoding="utf-8"?>
 <p:sld xmlns:a="http://schemas.openxmlformats.org/drawingml/2006/main" xmlns:r="http://schemas.openxmlformats.org/officeDocument/2006/relationships" xmlns:p="http://schemas.openxmlformats.org/presentationml/2006/main" xmlns:m="http://schemas.openxmlformats.org/officeDocument/2006/math" xmlns:a14="http://schemas.microsoft.com/office/drawing/2010/main" showMasterSp="1" showMasterPhAnim="1">
   <p:cSld>
     <p:spTree>
@@ -18676,7 +18500,7 @@
       </p:grpSpPr>
       <p:sp>
         <p:nvSpPr>
-          <p:cNvPr id="347" name="Summary"/>
+          <p:cNvPr id="341" name="Summary"/>
           <p:cNvSpPr txBox="1"/>
           <p:nvPr>
             <p:ph type="title"/>
@@ -18700,7 +18524,7 @@
       </p:sp>
       <p:sp>
         <p:nvSpPr>
-          <p:cNvPr id="348" name="Divide and Conquer approach…"/>
+          <p:cNvPr id="342" name="Divide and Conquer approach…"/>
           <p:cNvSpPr txBox="1"/>
           <p:nvPr>
             <p:ph type="body" idx="1"/>
@@ -18748,7 +18572,7 @@
       </p:sp>
       <p:sp>
         <p:nvSpPr>
-          <p:cNvPr id="349" name="Slide Number"/>
+          <p:cNvPr id="343" name="Slide Number"/>
           <p:cNvSpPr txBox="1"/>
           <p:nvPr>
             <p:ph type="sldNum" sz="quarter" idx="2"/>
@@ -18775,7 +18599,7 @@
       </p:sp>
       <p:sp>
         <p:nvSpPr>
-          <p:cNvPr id="350" name="DAA/Divide and Conquer"/>
+          <p:cNvPr id="344" name="DAA/Divide and Conquer"/>
           <p:cNvSpPr txBox="1"/>
           <p:nvPr/>
         </p:nvSpPr>
@@ -18815,7 +18639,7 @@
       </p:sp>
       <p:sp>
         <p:nvSpPr>
-          <p:cNvPr id="351" name="RPR/"/>
+          <p:cNvPr id="345" name="RPR/"/>
           <p:cNvSpPr txBox="1"/>
           <p:nvPr/>
         </p:nvSpPr>
@@ -21372,17 +21196,17 @@
       </p:par>
     </p:tnLst>
     <p:bldLst>
+      <p:bldP build="whole" bldLvl="1" animBg="1" rev="0" advAuto="0" spid="84" grpId="9"/>
+      <p:bldP build="whole" bldLvl="1" animBg="1" rev="0" advAuto="0" spid="88" grpId="10"/>
+      <p:bldP build="whole" bldLvl="1" animBg="1" rev="0" advAuto="0" spid="81" grpId="7"/>
+      <p:bldP build="whole" bldLvl="1" animBg="1" rev="0" advAuto="0" spid="72" grpId="6"/>
       <p:bldP build="whole" bldLvl="1" animBg="1" rev="0" advAuto="0" spid="66" grpId="11"/>
-      <p:bldP build="whole" bldLvl="1" animBg="1" rev="0" advAuto="0" spid="78" grpId="3"/>
-      <p:bldP build="whole" bldLvl="1" animBg="1" rev="0" advAuto="0" spid="65" grpId="8"/>
+      <p:bldP build="whole" bldLvl="1" animBg="1" rev="0" advAuto="0" spid="63" grpId="1"/>
       <p:bldP build="whole" bldLvl="1" animBg="1" rev="0" advAuto="0" spid="75" grpId="5"/>
       <p:bldP build="whole" bldLvl="1" animBg="1" rev="0" advAuto="0" spid="64" grpId="4"/>
+      <p:bldP build="whole" bldLvl="1" animBg="1" rev="0" advAuto="0" spid="78" grpId="3"/>
       <p:bldP build="whole" bldLvl="1" animBg="1" rev="0" advAuto="0" spid="69" grpId="2"/>
-      <p:bldP build="whole" bldLvl="1" animBg="1" rev="0" advAuto="0" spid="63" grpId="1"/>
-      <p:bldP build="whole" bldLvl="1" animBg="1" rev="0" advAuto="0" spid="81" grpId="7"/>
-      <p:bldP build="whole" bldLvl="1" animBg="1" rev="0" advAuto="0" spid="84" grpId="9"/>
-      <p:bldP build="whole" bldLvl="1" animBg="1" rev="0" advAuto="0" spid="88" grpId="10"/>
-      <p:bldP build="whole" bldLvl="1" animBg="1" rev="0" advAuto="0" spid="72" grpId="6"/>
+      <p:bldP build="whole" bldLvl="1" animBg="1" rev="0" advAuto="0" spid="65" grpId="8"/>
     </p:bldLst>
   </p:timing>
 </p:sld>
@@ -25623,13 +25447,13 @@
       </p:par>
     </p:tnLst>
     <p:bldLst>
+      <p:bldP build="whole" bldLvl="1" animBg="1" rev="0" advAuto="0" spid="130" grpId="6"/>
+      <p:bldP build="p" bldLvl="5" animBg="1" rev="0" advAuto="0" spid="97" grpId="1"/>
+      <p:bldP build="whole" bldLvl="1" animBg="1" rev="0" advAuto="0" spid="117" grpId="2"/>
+      <p:bldP build="p" bldLvl="5" animBg="1" rev="0" advAuto="0" spid="118" grpId="3"/>
+      <p:bldP build="whole" bldLvl="1" animBg="1" rev="0" advAuto="0" spid="126" grpId="5"/>
       <p:bldP build="whole" bldLvl="1" animBg="1" rev="0" advAuto="0" spid="122" grpId="4"/>
-      <p:bldP build="whole" bldLvl="1" animBg="1" rev="0" advAuto="0" spid="117" grpId="2"/>
-      <p:bldP build="whole" bldLvl="1" animBg="1" rev="0" advAuto="0" spid="130" grpId="6"/>
       <p:bldP build="whole" bldLvl="1" animBg="1" rev="0" advAuto="0" spid="134" grpId="7"/>
-      <p:bldP build="p" bldLvl="5" animBg="1" rev="0" advAuto="0" spid="97" grpId="1"/>
-      <p:bldP build="whole" bldLvl="1" animBg="1" rev="0" advAuto="0" spid="126" grpId="5"/>
-      <p:bldP build="p" bldLvl="5" animBg="1" rev="0" advAuto="0" spid="118" grpId="3"/>
     </p:bldLst>
   </p:timing>
 </p:sld>
@@ -29229,11 +29053,11 @@
     </p:tnLst>
     <p:bldLst>
       <p:bldP build="whole" bldLvl="1" animBg="1" rev="0" advAuto="0" spid="174" grpId="7"/>
+      <p:bldP build="p" bldLvl="5" animBg="1" rev="0" advAuto="0" spid="158" grpId="3"/>
       <p:bldP build="whole" bldLvl="1" animBg="1" rev="0" advAuto="0" spid="162" grpId="4"/>
       <p:bldP build="whole" bldLvl="1" animBg="1" rev="0" advAuto="0" spid="157" grpId="2"/>
+      <p:bldP build="p" bldLvl="5" animBg="1" rev="0" advAuto="0" spid="137" grpId="1"/>
       <p:bldP build="whole" bldLvl="1" animBg="1" rev="0" advAuto="0" spid="170" grpId="6"/>
-      <p:bldP build="p" bldLvl="5" animBg="1" rev="0" advAuto="0" spid="158" grpId="3"/>
-      <p:bldP build="p" bldLvl="5" animBg="1" rev="0" advAuto="0" spid="137" grpId="1"/>
       <p:bldP build="whole" bldLvl="1" animBg="1" rev="0" advAuto="0" spid="166" grpId="5"/>
     </p:bldLst>
   </p:timing>
@@ -32328,10 +32152,10 @@
       </p:par>
     </p:tnLst>
     <p:bldLst>
+      <p:bldP build="whole" bldLvl="1" animBg="1" rev="0" advAuto="0" spid="206" grpId="4"/>
+      <p:bldP build="whole" bldLvl="1" animBg="1" rev="0" advAuto="0" spid="197" grpId="2"/>
       <p:bldP build="p" bldLvl="5" animBg="1" rev="0" advAuto="0" spid="177" grpId="1"/>
       <p:bldP build="p" bldLvl="5" animBg="1" rev="0" advAuto="0" spid="198" grpId="3"/>
-      <p:bldP build="whole" bldLvl="1" animBg="1" rev="0" advAuto="0" spid="197" grpId="2"/>
-      <p:bldP build="whole" bldLvl="1" animBg="1" rev="0" advAuto="0" spid="206" grpId="4"/>
       <p:bldP build="whole" bldLvl="1" animBg="1" rev="0" advAuto="0" spid="214" grpId="5"/>
     </p:bldLst>
   </p:timing>
@@ -34213,8 +34037,8 @@
     </p:tnLst>
     <p:bldLst>
       <p:bldP build="p" bldLvl="5" animBg="1" rev="0" advAuto="0" spid="238" grpId="3"/>
+      <p:bldP build="whole" bldLvl="1" animBg="1" rev="0" advAuto="0" spid="237" grpId="2"/>
       <p:bldP build="p" bldLvl="5" animBg="1" rev="0" advAuto="0" spid="217" grpId="1"/>
-      <p:bldP build="whole" bldLvl="1" animBg="1" rev="0" advAuto="0" spid="237" grpId="2"/>
     </p:bldLst>
   </p:timing>
 </p:sld>
